--- a/ANTIKVÁR KÖNYVESBOLT.pptx
+++ b/ANTIKVÁR KÖNYVESBOLT.pptx
@@ -9,18 +9,18 @@
   </p:notesMasterIdLst>
   <p:sldIdLst>
     <p:sldId id="256" r:id="rId2"/>
-    <p:sldId id="257" r:id="rId3"/>
-    <p:sldId id="269" r:id="rId4"/>
-    <p:sldId id="268" r:id="rId5"/>
-    <p:sldId id="258" r:id="rId6"/>
-    <p:sldId id="259" r:id="rId7"/>
-    <p:sldId id="260" r:id="rId8"/>
-    <p:sldId id="261" r:id="rId9"/>
-    <p:sldId id="262" r:id="rId10"/>
-    <p:sldId id="270" r:id="rId11"/>
-    <p:sldId id="264" r:id="rId12"/>
-    <p:sldId id="265" r:id="rId13"/>
-    <p:sldId id="266" r:id="rId14"/>
+    <p:sldId id="266" r:id="rId3"/>
+    <p:sldId id="257" r:id="rId4"/>
+    <p:sldId id="269" r:id="rId5"/>
+    <p:sldId id="268" r:id="rId6"/>
+    <p:sldId id="258" r:id="rId7"/>
+    <p:sldId id="259" r:id="rId8"/>
+    <p:sldId id="260" r:id="rId9"/>
+    <p:sldId id="261" r:id="rId10"/>
+    <p:sldId id="262" r:id="rId11"/>
+    <p:sldId id="270" r:id="rId12"/>
+    <p:sldId id="264" r:id="rId13"/>
+    <p:sldId id="265" r:id="rId14"/>
     <p:sldId id="271" r:id="rId15"/>
   </p:sldIdLst>
   <p:sldSz cx="9144000" cy="6858000" type="screen4x3"/>
@@ -206,7 +206,7 @@
             <a:fld id="{CB7B2029-7C13-4012-94A8-743AF77BDFFF}" type="datetimeFigureOut">
               <a:rPr lang="hu-HU" smtClean="0"/>
               <a:pPr/>
-              <a:t>2020. 12. 16.</a:t>
+              <a:t>2022. 04. 22.</a:t>
             </a:fld>
             <a:endParaRPr lang="hu-HU"/>
           </a:p>
@@ -518,50 +518,6 @@
           </a:bodyPr>
           <a:lstStyle/>
           <a:p>
-            <a:r>
-              <a:rPr lang="hu-HU" dirty="0" smtClean="0"/>
-              <a:t>Tanulmányaim</a:t>
-            </a:r>
-            <a:r>
-              <a:rPr lang="hu-HU" baseline="0" dirty="0" smtClean="0"/>
-              <a:t> alatt egy kötelezően válaszható tárgy keretein belül ismerkedtem meg a C# nyelvvel. Személy szerint ez a nyelv volt az ami egyetemi éveim alatt a leginkább megfogott és érdekelt. </a:t>
-            </a:r>
-          </a:p>
-          <a:p>
-            <a:r>
-              <a:rPr lang="hu-HU" baseline="0" dirty="0" smtClean="0"/>
-              <a:t>A Visual </a:t>
-            </a:r>
-            <a:r>
-              <a:rPr lang="hu-HU" baseline="0" dirty="0" err="1" smtClean="0"/>
-              <a:t>Studiot</a:t>
-            </a:r>
-            <a:r>
-              <a:rPr lang="hu-HU" baseline="0" dirty="0" smtClean="0"/>
-              <a:t> több formában is használtam, nem csak C# programozásra. Számomra a Visual </a:t>
-            </a:r>
-            <a:r>
-              <a:rPr lang="hu-HU" baseline="0" dirty="0" err="1" smtClean="0"/>
-              <a:t>Studio</a:t>
-            </a:r>
-            <a:r>
-              <a:rPr lang="hu-HU" baseline="0" dirty="0" smtClean="0"/>
-              <a:t> volt az egyik legátláthatóbb fejlesztői környezet. </a:t>
-            </a:r>
-          </a:p>
-          <a:p>
-            <a:r>
-              <a:rPr lang="hu-HU" baseline="0" dirty="0" smtClean="0"/>
-              <a:t>Ezért is esett választásom arra, hogy szakdolgozatomat C# nyelven illetve a Visual </a:t>
-            </a:r>
-            <a:r>
-              <a:rPr lang="hu-HU" baseline="0" dirty="0" err="1" smtClean="0"/>
-              <a:t>Studioban</a:t>
-            </a:r>
-            <a:r>
-              <a:rPr lang="hu-HU" baseline="0" dirty="0" smtClean="0"/>
-              <a:t> írjam meg.</a:t>
-            </a:r>
             <a:endParaRPr lang="hu-HU" dirty="0"/>
           </a:p>
         </p:txBody>
@@ -646,55 +602,62 @@
           <a:p>
             <a:r>
               <a:rPr lang="hu-HU" dirty="0" smtClean="0"/>
-              <a:t>Az alap elképzelés</a:t>
+              <a:t>A funkciók kidolgozása teljes</a:t>
             </a:r>
             <a:r>
               <a:rPr lang="hu-HU" baseline="0" dirty="0" smtClean="0"/>
-              <a:t> mellett további tervek is szóba kerültek már. Ezen plusz lehetőségek elkészítése függ attól, hogy milyen tempóval tudok a jövőben haladni és mennyi időm marad ezek kidolgozására illetve elkészítésére a határidők lejárta előtt. Ezen tervek a következőek. </a:t>
-            </a:r>
-          </a:p>
-          <a:p>
+              <a:t>. </a:t>
+            </a:r>
             <a:r>
               <a:rPr lang="hu-HU" baseline="0" dirty="0" smtClean="0"/>
-              <a:t>Manapság rengeteg könyvben találunk </a:t>
-            </a:r>
-            <a:r>
-              <a:rPr lang="hu-HU" baseline="0" dirty="0" err="1" smtClean="0"/>
-              <a:t>QR-kódot</a:t>
+              <a:t>Ezek további tesztelése illetve </a:t>
             </a:r>
             <a:r>
               <a:rPr lang="hu-HU" baseline="0" dirty="0" smtClean="0"/>
-              <a:t>. Ezen a vonalon elindulva a program kiegészíthető lenne egy </a:t>
-            </a:r>
-            <a:r>
-              <a:rPr lang="hu-HU" baseline="0" dirty="0" err="1" smtClean="0"/>
-              <a:t>QR-kód</a:t>
-            </a:r>
+              <a:t>kisebb hibák észlelése utáni javítás egy folyamatos tevékenység. </a:t>
+            </a:r>
+            <a:endParaRPr lang="hu-HU" baseline="0" dirty="0" smtClean="0"/>
+          </a:p>
+          <a:p>
             <a:r>
               <a:rPr lang="hu-HU" baseline="0" dirty="0" smtClean="0"/>
-              <a:t> olvasóval, aminek segítségével könnyebben tud a felhasználó új könyveket felvinni az adatbázisba, valamint vásárlás esetén is könnyebben megtalálja az eladni kívánt könyvet az adatbázisban, felesleges gépelések nélkül.</a:t>
-            </a:r>
-          </a:p>
-          <a:p>
+              <a:t>Hibakezeléssel </a:t>
+            </a:r>
             <a:r>
               <a:rPr lang="hu-HU" baseline="0" dirty="0" smtClean="0"/>
-              <a:t>A másik lehetséges terv, hogy kompatibilissé tegyem a programot az </a:t>
-            </a:r>
-            <a:r>
-              <a:rPr lang="hu-HU" baseline="0" dirty="0" err="1" smtClean="0"/>
-              <a:t>android</a:t>
+              <a:t>elsődlegesen nem foglalkoztam, </a:t>
             </a:r>
             <a:r>
               <a:rPr lang="hu-HU" baseline="0" dirty="0" smtClean="0"/>
-              <a:t> rendszer kedvelői számára is, hogy tudják </a:t>
-            </a:r>
-            <a:r>
-              <a:rPr lang="hu-HU" baseline="0" dirty="0" err="1" smtClean="0"/>
-              <a:t>androidos</a:t>
-            </a:r>
+              <a:t>ezzel főként a funkciók elkészítése után tevékenykedtem, valószínűsítem, hogy még mindig lenne olyan hibakezelési eljárás amely javítaná a felhasználó kezelés egyszerűségét.</a:t>
+            </a:r>
+            <a:endParaRPr lang="hu-HU" baseline="0" dirty="0" smtClean="0"/>
+          </a:p>
+          <a:p>
             <a:r>
               <a:rPr lang="hu-HU" baseline="0" dirty="0" smtClean="0"/>
-              <a:t> eszközeiken is használni a programot. </a:t>
+              <a:t>A rendszerem kapott egy általános szín sémát valamint emellett próbáltam a kinézete javítani ikonok használatával valamint azzal is, hogy minél átláthatóbbá tettem az adott ablakokat.</a:t>
+            </a:r>
+          </a:p>
+          <a:p>
+            <a:r>
+              <a:rPr lang="hu-HU" baseline="0" dirty="0" smtClean="0"/>
+              <a:t>Az adatbázis feltöltése részletekben történt és a tesztelések folyamatába még történik is. Elsődlegesen a funkciók tesztelése alatt töltöttem illetve módosítottam az adatbázis tábláit. A könyv táblát viszont többször töltöttem fel újabb és újabb könyvekkel függetlenül attól, hogy tesztelés alatt áll-e a rendszer vagy sem.</a:t>
+            </a:r>
+            <a:endParaRPr lang="hu-HU" baseline="0" dirty="0" smtClean="0"/>
+          </a:p>
+          <a:p>
+            <a:r>
+              <a:rPr lang="hu-HU" baseline="0" dirty="0" smtClean="0"/>
+              <a:t>A </a:t>
+            </a:r>
+            <a:r>
+              <a:rPr lang="hu-HU" baseline="0" dirty="0" smtClean="0"/>
+              <a:t>fejlesztések </a:t>
+            </a:r>
+            <a:r>
+              <a:rPr lang="hu-HU" baseline="0" dirty="0" smtClean="0"/>
+              <a:t>alatt adott részek elkészültével a folyamatos tesztelés folyt, valamint számomra ennél a rendszernél a manuális tesztelési lehetőségek voltak a legkézenfekvőbbek. A rendszer elkészülte, valamint annak funkcióinak megismertetése után külső személy segítségét is igénybe vettem a teszteléshez. Így nem csak egy személyben teszteltem magam a programot, hanem a programozási részhez nem értő szemekkel is tesztelve lett a program.</a:t>
             </a:r>
             <a:endParaRPr lang="hu-HU" dirty="0"/>
           </a:p>
@@ -778,6 +741,58 @@
           </a:bodyPr>
           <a:lstStyle/>
           <a:p>
+            <a:r>
+              <a:rPr lang="hu-HU" dirty="0" smtClean="0"/>
+              <a:t>Az alap elképzelés</a:t>
+            </a:r>
+            <a:r>
+              <a:rPr lang="hu-HU" baseline="0" dirty="0" smtClean="0"/>
+              <a:t> mellett további tervek is szóba kerültek már. Ezen plusz lehetőségek elkészítése függ attól, hogy milyen tempóval tudok a jövőben haladni és mennyi időm marad ezek kidolgozására illetve elkészítésére a határidők lejárta előtt. Ezen tervek a következőek. </a:t>
+            </a:r>
+          </a:p>
+          <a:p>
+            <a:r>
+              <a:rPr lang="hu-HU" baseline="0" dirty="0" smtClean="0"/>
+              <a:t>Manapság rengeteg könyvben találunk </a:t>
+            </a:r>
+            <a:r>
+              <a:rPr lang="hu-HU" baseline="0" dirty="0" err="1" smtClean="0"/>
+              <a:t>QR-kódot</a:t>
+            </a:r>
+            <a:r>
+              <a:rPr lang="hu-HU" baseline="0" dirty="0" smtClean="0"/>
+              <a:t>. Ezen a vonalon elindulva a program kiegészíthető lenne egy </a:t>
+            </a:r>
+            <a:r>
+              <a:rPr lang="hu-HU" baseline="0" dirty="0" err="1" smtClean="0"/>
+              <a:t>QR-kód</a:t>
+            </a:r>
+            <a:r>
+              <a:rPr lang="hu-HU" baseline="0" dirty="0" smtClean="0"/>
+              <a:t> olvasóval, aminek segítségével könnyebben tud a felhasználó új könyveket felvinni az adatbázisba, valamint vásárlás esetén is könnyebben megtalálja az eladni kívánt könyvet az adatbázisban, felesleges gépelések nélkül.</a:t>
+            </a:r>
+          </a:p>
+          <a:p>
+            <a:r>
+              <a:rPr lang="hu-HU" baseline="0" dirty="0" smtClean="0"/>
+              <a:t>A másik lehetséges terv, hogy kompatibilissé tegyem a programot az </a:t>
+            </a:r>
+            <a:r>
+              <a:rPr lang="hu-HU" baseline="0" dirty="0" err="1" smtClean="0"/>
+              <a:t>android</a:t>
+            </a:r>
+            <a:r>
+              <a:rPr lang="hu-HU" baseline="0" dirty="0" smtClean="0"/>
+              <a:t> rendszer kedvelői számára is, hogy tudják </a:t>
+            </a:r>
+            <a:r>
+              <a:rPr lang="hu-HU" baseline="0" dirty="0" err="1" smtClean="0"/>
+              <a:t>androidos</a:t>
+            </a:r>
+            <a:r>
+              <a:rPr lang="hu-HU" baseline="0" dirty="0" smtClean="0"/>
+              <a:t> eszközeiken is használni a programot. </a:t>
+            </a:r>
             <a:endParaRPr lang="hu-HU" dirty="0"/>
           </a:p>
         </p:txBody>
@@ -862,11 +877,47 @@
           <a:p>
             <a:r>
               <a:rPr lang="hu-HU" dirty="0" smtClean="0"/>
-              <a:t>Mint a címben már láthattuk,</a:t>
+              <a:t>Tanulmányaim</a:t>
             </a:r>
             <a:r>
               <a:rPr lang="hu-HU" baseline="0" dirty="0" smtClean="0"/>
-              <a:t> szakdolgozatom témája egy antikvárium nyilvántartó alkalmazás, melynek segítségével a felhasználó kezelni tudja az eladásokat. A kiadásokat illetve a bevételeket megtudja figyelni, azokból kimutatásokat tud készíteni. Valamint nyilván tudja tartani az üzletben fellelhető könyveket. </a:t>
+              <a:t> alatt egy kötelezően válaszható tárgy keretein belül ismerkedtem meg a C# nyelvvel. Személy szerint ez a nyelv volt az ami egyetemi éveim alatt a leginkább megfogott és érdekelt. </a:t>
+            </a:r>
+          </a:p>
+          <a:p>
+            <a:r>
+              <a:rPr lang="hu-HU" baseline="0" dirty="0" smtClean="0"/>
+              <a:t>A Visual </a:t>
+            </a:r>
+            <a:r>
+              <a:rPr lang="hu-HU" baseline="0" dirty="0" err="1" smtClean="0"/>
+              <a:t>Studiot</a:t>
+            </a:r>
+            <a:r>
+              <a:rPr lang="hu-HU" baseline="0" dirty="0" smtClean="0"/>
+              <a:t> több formában is használtam, nem csak C# programozásra. Számomra a Visual </a:t>
+            </a:r>
+            <a:r>
+              <a:rPr lang="hu-HU" baseline="0" dirty="0" err="1" smtClean="0"/>
+              <a:t>Studio</a:t>
+            </a:r>
+            <a:r>
+              <a:rPr lang="hu-HU" baseline="0" dirty="0" smtClean="0"/>
+              <a:t> volt az egyik legátláthatóbb fejlesztői környezet. </a:t>
+            </a:r>
+          </a:p>
+          <a:p>
+            <a:r>
+              <a:rPr lang="hu-HU" baseline="0" dirty="0" smtClean="0"/>
+              <a:t>Ezért is esett választásom arra, hogy szakdolgozatomat C# nyelven illetve a Visual </a:t>
+            </a:r>
+            <a:r>
+              <a:rPr lang="hu-HU" baseline="0" dirty="0" err="1" smtClean="0"/>
+              <a:t>Studioban</a:t>
+            </a:r>
+            <a:r>
+              <a:rPr lang="hu-HU" baseline="0" dirty="0" smtClean="0"/>
+              <a:t> írjam meg.</a:t>
             </a:r>
             <a:endParaRPr lang="hu-HU" dirty="0"/>
           </a:p>
@@ -951,128 +1002,34 @@
           <a:lstStyle/>
           <a:p>
             <a:r>
-              <a:rPr lang="hu-HU" sz="1200" kern="1200" dirty="0" smtClean="0">
-                <a:solidFill>
-                  <a:schemeClr val="tx1"/>
-                </a:solidFill>
-                <a:latin typeface="+mn-lt"/>
-                <a:ea typeface="+mn-ea"/>
-                <a:cs typeface="+mn-cs"/>
-              </a:rPr>
-              <a:t>Az alkalmazás középpontjában könyveladás áll.</a:t>
-            </a:r>
-            <a:r>
-              <a:rPr lang="hu-HU" sz="1200" kern="1200" baseline="0" dirty="0" smtClean="0">
-                <a:solidFill>
-                  <a:schemeClr val="tx1"/>
-                </a:solidFill>
-                <a:latin typeface="+mn-lt"/>
-                <a:ea typeface="+mn-ea"/>
-                <a:cs typeface="+mn-cs"/>
-              </a:rPr>
-              <a:t> L</a:t>
-            </a:r>
-            <a:r>
-              <a:rPr lang="hu-HU" sz="1200" kern="1200" dirty="0" smtClean="0">
-                <a:solidFill>
-                  <a:schemeClr val="tx1"/>
-                </a:solidFill>
-                <a:latin typeface="+mn-lt"/>
-                <a:ea typeface="+mn-ea"/>
-                <a:cs typeface="+mn-cs"/>
-              </a:rPr>
-              <a:t>ényege, hogy a</a:t>
-            </a:r>
-            <a:r>
-              <a:rPr lang="hu-HU" sz="1200" kern="1200" baseline="0" dirty="0" smtClean="0">
-                <a:solidFill>
-                  <a:schemeClr val="tx1"/>
-                </a:solidFill>
-                <a:latin typeface="+mn-lt"/>
-                <a:ea typeface="+mn-ea"/>
-                <a:cs typeface="+mn-cs"/>
-              </a:rPr>
-              <a:t> könyv ISBN száma alapján vagy kereséssel</a:t>
-            </a:r>
-            <a:r>
-              <a:rPr lang="hu-HU" sz="1200" kern="1200" dirty="0" smtClean="0">
-                <a:solidFill>
-                  <a:schemeClr val="tx1"/>
-                </a:solidFill>
-                <a:latin typeface="+mn-lt"/>
-                <a:ea typeface="+mn-ea"/>
-                <a:cs typeface="+mn-cs"/>
-              </a:rPr>
-              <a:t> adatbázisból kikeresve</a:t>
-            </a:r>
-            <a:r>
-              <a:rPr lang="hu-HU" sz="1200" kern="1200" baseline="0" dirty="0" smtClean="0">
-                <a:solidFill>
-                  <a:schemeClr val="tx1"/>
-                </a:solidFill>
-                <a:latin typeface="+mn-lt"/>
-                <a:ea typeface="+mn-ea"/>
-                <a:cs typeface="+mn-cs"/>
-              </a:rPr>
-              <a:t> az </a:t>
-            </a:r>
-            <a:r>
-              <a:rPr lang="hu-HU" sz="1200" kern="1200" dirty="0" smtClean="0">
-                <a:solidFill>
-                  <a:schemeClr val="tx1"/>
-                </a:solidFill>
-                <a:latin typeface="+mn-lt"/>
-                <a:ea typeface="+mn-ea"/>
-                <a:cs typeface="+mn-cs"/>
-              </a:rPr>
-              <a:t>adott könyvet, azt onnan kitörölve a könyvet eladjuk vásárlónknak, valamint az eladás összegét</a:t>
-            </a:r>
-            <a:r>
-              <a:rPr lang="hu-HU" sz="1200" kern="1200" baseline="0" dirty="0" smtClean="0">
-                <a:solidFill>
-                  <a:schemeClr val="tx1"/>
-                </a:solidFill>
-                <a:latin typeface="+mn-lt"/>
-                <a:ea typeface="+mn-ea"/>
-                <a:cs typeface="+mn-cs"/>
-              </a:rPr>
-              <a:t> egy az erre a célra szolgáló táblába mentjük</a:t>
-            </a:r>
-            <a:r>
-              <a:rPr lang="hu-HU" sz="1200" kern="1200" dirty="0" smtClean="0">
-                <a:solidFill>
-                  <a:schemeClr val="tx1"/>
-                </a:solidFill>
-                <a:latin typeface="+mn-lt"/>
-                <a:ea typeface="+mn-ea"/>
-                <a:cs typeface="+mn-cs"/>
-              </a:rPr>
-              <a:t>, mely alapján a későbbiekben kimutatásokat tudunk készíteni.</a:t>
-            </a:r>
-          </a:p>
-          <a:p>
-            <a:r>
-              <a:rPr lang="hu-HU" sz="1200" kern="1200" dirty="0" smtClean="0">
-                <a:solidFill>
-                  <a:schemeClr val="tx1"/>
-                </a:solidFill>
-                <a:latin typeface="+mn-lt"/>
-                <a:ea typeface="+mn-ea"/>
-                <a:cs typeface="+mn-cs"/>
-              </a:rPr>
-              <a:t>Az</a:t>
-            </a:r>
-            <a:r>
-              <a:rPr lang="hu-HU" sz="1200" kern="1200" baseline="0" dirty="0" smtClean="0">
-                <a:solidFill>
-                  <a:schemeClr val="tx1"/>
-                </a:solidFill>
-                <a:latin typeface="+mn-lt"/>
-                <a:ea typeface="+mn-ea"/>
-                <a:cs typeface="+mn-cs"/>
-              </a:rPr>
-              <a:t> egyszerű eladás mellett mellék funkciók használatára is lehetőség van. Ilyen például a kedvezmények kezelése, illetve a törzsvásárlókhoz kapcsolódó funkciók.</a:t>
-            </a:r>
+              <a:rPr lang="hu-HU" dirty="0" smtClean="0"/>
+              <a:t>Mint a címben már </a:t>
+            </a:r>
+            <a:r>
+              <a:rPr lang="hu-HU" dirty="0" smtClean="0"/>
+              <a:t>láthatták</a:t>
+            </a:r>
+            <a:r>
+              <a:rPr lang="hu-HU" dirty="0" smtClean="0"/>
+              <a:t>,</a:t>
+            </a:r>
+            <a:r>
+              <a:rPr lang="hu-HU" baseline="0" dirty="0" smtClean="0"/>
+              <a:t> szakdolgozatom témája egy antikvárium nyilvántartó alkalmazás, melynek segítségével a felhasználó kezelni tudja az </a:t>
+            </a:r>
+            <a:r>
+              <a:rPr lang="hu-HU" baseline="0" dirty="0" smtClean="0"/>
+              <a:t>eladásokat valamint az adatbázisba található könyveket, törzsvásárlókat és kívánságokat. </a:t>
+            </a:r>
+            <a:r>
+              <a:rPr lang="hu-HU" baseline="0" dirty="0" smtClean="0"/>
+              <a:t>A kiadásokat illetve a bevételeket megtudja figyelni, azokból kimutatásokat tud készíteni</a:t>
+            </a:r>
+            <a:r>
+              <a:rPr lang="hu-HU" baseline="0" dirty="0" smtClean="0"/>
+              <a:t>.</a:t>
+            </a:r>
+            <a:endParaRPr lang="hu-HU" dirty="0"/>
           </a:p>
         </p:txBody>
       </p:sp>
@@ -1094,7 +1051,7 @@
             <a:fld id="{BDEAED7B-BE4F-463E-9563-DF17BFDFEF71}" type="slidenum">
               <a:rPr lang="hu-HU" smtClean="0"/>
               <a:pPr/>
-              <a:t>5</a:t>
+              <a:t>4</a:t>
             </a:fld>
             <a:endParaRPr lang="hu-HU"/>
           </a:p>
@@ -1163,7 +1120,7 @@
                 <a:ea typeface="+mn-ea"/>
                 <a:cs typeface="+mn-cs"/>
               </a:rPr>
-              <a:t>Az üzletbe többször betérő és ott vásárló vendég törzsvásárlói kedvezményekben részesülhetnek, ha beregisztrálásra</a:t>
+              <a:t>Az alkalmazás középpontjában könyveladás áll.</a:t>
             </a:r>
             <a:r>
               <a:rPr lang="hu-HU" sz="1200" kern="1200" baseline="0" dirty="0" smtClean="0">
@@ -1174,7 +1131,7 @@
                 <a:ea typeface="+mn-ea"/>
                 <a:cs typeface="+mn-cs"/>
               </a:rPr>
-              <a:t> kerülnek</a:t>
+              <a:t> L</a:t>
             </a:r>
             <a:r>
               <a:rPr lang="hu-HU" sz="1200" kern="1200" dirty="0" smtClean="0">
@@ -1185,7 +1142,7 @@
                 <a:ea typeface="+mn-ea"/>
                 <a:cs typeface="+mn-cs"/>
               </a:rPr>
-              <a:t> a rendszerbe. Egy vásárlónak legalább 3 alkalommal kell vásárolnia az</a:t>
+              <a:t>ényege, hogy a</a:t>
             </a:r>
             <a:r>
               <a:rPr lang="hu-HU" sz="1200" kern="1200" baseline="0" dirty="0" smtClean="0">
@@ -1196,7 +1153,7 @@
                 <a:ea typeface="+mn-ea"/>
                 <a:cs typeface="+mn-cs"/>
               </a:rPr>
-              <a:t> üzletben</a:t>
+              <a:t> könyv ISBN száma alapján vagy kereséssel</a:t>
             </a:r>
             <a:r>
               <a:rPr lang="hu-HU" sz="1200" kern="1200" dirty="0" smtClean="0">
@@ -1207,9 +1164,130 @@
                 <a:ea typeface="+mn-ea"/>
                 <a:cs typeface="+mn-cs"/>
               </a:rPr>
-              <a:t> ahhoz, hogy törzsvásárlóvá váljon. Ezt az addigi vásárlások nyugtájával tudja igazolni. A regisztrálás mellett az adatok módosítására, valamint a törzsvásárló törlésére is van lehetőség.</a:t>
-            </a:r>
-            <a:endParaRPr lang="hu-HU" dirty="0"/>
+              <a:t> adatbázisból kikeresve</a:t>
+            </a:r>
+            <a:r>
+              <a:rPr lang="hu-HU" sz="1200" kern="1200" baseline="0" dirty="0" smtClean="0">
+                <a:solidFill>
+                  <a:schemeClr val="tx1"/>
+                </a:solidFill>
+                <a:latin typeface="+mn-lt"/>
+                <a:ea typeface="+mn-ea"/>
+                <a:cs typeface="+mn-cs"/>
+              </a:rPr>
+              <a:t> az </a:t>
+            </a:r>
+            <a:r>
+              <a:rPr lang="hu-HU" sz="1200" kern="1200" dirty="0" smtClean="0">
+                <a:solidFill>
+                  <a:schemeClr val="tx1"/>
+                </a:solidFill>
+                <a:latin typeface="+mn-lt"/>
+                <a:ea typeface="+mn-ea"/>
+                <a:cs typeface="+mn-cs"/>
+              </a:rPr>
+              <a:t>adott könyvet, azt onnan kitörölve a könyvet eladjuk vásárlónknak, valamint az eladás összegét</a:t>
+            </a:r>
+            <a:r>
+              <a:rPr lang="hu-HU" sz="1200" kern="1200" baseline="0" dirty="0" smtClean="0">
+                <a:solidFill>
+                  <a:schemeClr val="tx1"/>
+                </a:solidFill>
+                <a:latin typeface="+mn-lt"/>
+                <a:ea typeface="+mn-ea"/>
+                <a:cs typeface="+mn-cs"/>
+              </a:rPr>
+              <a:t> egy az erre a célra szolgáló táblába mentjük</a:t>
+            </a:r>
+            <a:r>
+              <a:rPr lang="hu-HU" sz="1200" kern="1200" dirty="0" smtClean="0">
+                <a:solidFill>
+                  <a:schemeClr val="tx1"/>
+                </a:solidFill>
+                <a:latin typeface="+mn-lt"/>
+                <a:ea typeface="+mn-ea"/>
+                <a:cs typeface="+mn-cs"/>
+              </a:rPr>
+              <a:t>, mely alapján a későbbiekben kimutatásokat tudunk készíteni.</a:t>
+            </a:r>
+          </a:p>
+          <a:p>
+            <a:r>
+              <a:rPr lang="hu-HU" sz="1200" kern="1200" dirty="0" smtClean="0">
+                <a:solidFill>
+                  <a:schemeClr val="tx1"/>
+                </a:solidFill>
+                <a:latin typeface="+mn-lt"/>
+                <a:ea typeface="+mn-ea"/>
+                <a:cs typeface="+mn-cs"/>
+              </a:rPr>
+              <a:t>Az</a:t>
+            </a:r>
+            <a:r>
+              <a:rPr lang="hu-HU" sz="1200" kern="1200" baseline="0" dirty="0" smtClean="0">
+                <a:solidFill>
+                  <a:schemeClr val="tx1"/>
+                </a:solidFill>
+                <a:latin typeface="+mn-lt"/>
+                <a:ea typeface="+mn-ea"/>
+                <a:cs typeface="+mn-cs"/>
+              </a:rPr>
+              <a:t> egyszerű eladás mellett mellék funkciók használatára is lehetőség van. Ilyen például a kedvezmények </a:t>
+            </a:r>
+            <a:r>
+              <a:rPr lang="hu-HU" sz="1200" kern="1200" baseline="0" dirty="0" smtClean="0">
+                <a:solidFill>
+                  <a:schemeClr val="tx1"/>
+                </a:solidFill>
+                <a:latin typeface="+mn-lt"/>
+                <a:ea typeface="+mn-ea"/>
+                <a:cs typeface="+mn-cs"/>
+              </a:rPr>
+              <a:t>kezelése amely lehet könyv és/vagy végösszeg kedvezmény, </a:t>
+            </a:r>
+            <a:r>
+              <a:rPr lang="hu-HU" sz="1200" kern="1200" baseline="0" dirty="0" smtClean="0">
+                <a:solidFill>
+                  <a:schemeClr val="tx1"/>
+                </a:solidFill>
+                <a:latin typeface="+mn-lt"/>
+                <a:ea typeface="+mn-ea"/>
+                <a:cs typeface="+mn-cs"/>
+              </a:rPr>
+              <a:t>illetve a törzsvásárlókhoz kapcsolódó </a:t>
+            </a:r>
+            <a:r>
+              <a:rPr lang="hu-HU" sz="1200" kern="1200" baseline="0" dirty="0" smtClean="0">
+                <a:solidFill>
+                  <a:schemeClr val="tx1"/>
+                </a:solidFill>
+                <a:latin typeface="+mn-lt"/>
+                <a:ea typeface="+mn-ea"/>
+                <a:cs typeface="+mn-cs"/>
+              </a:rPr>
+              <a:t>funkciók, mint a törzsvásárlói pont levonás és pont jóváírás a vásárlás végén.</a:t>
+            </a:r>
+          </a:p>
+          <a:p>
+            <a:r>
+              <a:rPr lang="hu-HU" sz="1200" kern="1200" baseline="0" smtClean="0">
+                <a:solidFill>
+                  <a:schemeClr val="tx1"/>
+                </a:solidFill>
+                <a:latin typeface="+mn-lt"/>
+                <a:ea typeface="+mn-ea"/>
+                <a:cs typeface="+mn-cs"/>
+              </a:rPr>
+              <a:t>VONAL KÓD</a:t>
+            </a:r>
+            <a:endParaRPr lang="hu-HU" sz="1200" kern="1200" baseline="0" dirty="0" smtClean="0">
+              <a:solidFill>
+                <a:schemeClr val="tx1"/>
+              </a:solidFill>
+              <a:latin typeface="+mn-lt"/>
+              <a:ea typeface="+mn-ea"/>
+              <a:cs typeface="+mn-cs"/>
+            </a:endParaRPr>
           </a:p>
         </p:txBody>
       </p:sp>
@@ -1292,12 +1370,169 @@
           <a:lstStyle/>
           <a:p>
             <a:r>
-              <a:rPr lang="hu-HU" dirty="0" smtClean="0"/>
-              <a:t>A könyv</a:t>
-            </a:r>
-            <a:r>
-              <a:rPr lang="hu-HU" baseline="0" dirty="0" smtClean="0"/>
-              <a:t>kezelő segítségével tudjuk a könyveket felvinni az adatbázisba, törölni a nem kívánt elemeket, vagy a megadott adatokat módosíthatjuk ezen felület használata során.</a:t>
+              <a:rPr lang="hu-HU" sz="1200" kern="1200" dirty="0" smtClean="0">
+                <a:solidFill>
+                  <a:schemeClr val="tx1"/>
+                </a:solidFill>
+                <a:latin typeface="+mn-lt"/>
+                <a:ea typeface="+mn-ea"/>
+                <a:cs typeface="+mn-cs"/>
+              </a:rPr>
+              <a:t>Az üzletbe többször betérő és ott vásárló </a:t>
+            </a:r>
+            <a:r>
+              <a:rPr lang="hu-HU" sz="1200" kern="1200" dirty="0" smtClean="0">
+                <a:solidFill>
+                  <a:schemeClr val="tx1"/>
+                </a:solidFill>
+                <a:latin typeface="+mn-lt"/>
+                <a:ea typeface="+mn-ea"/>
+                <a:cs typeface="+mn-cs"/>
+              </a:rPr>
+              <a:t>vendég dönthet</a:t>
+            </a:r>
+            <a:r>
+              <a:rPr lang="hu-HU" sz="1200" kern="1200" baseline="0" dirty="0" smtClean="0">
+                <a:solidFill>
+                  <a:schemeClr val="tx1"/>
+                </a:solidFill>
+                <a:latin typeface="+mn-lt"/>
+                <a:ea typeface="+mn-ea"/>
+                <a:cs typeface="+mn-cs"/>
+              </a:rPr>
+              <a:t> úgy, hogy</a:t>
+            </a:r>
+            <a:r>
+              <a:rPr lang="hu-HU" sz="1200" kern="1200" dirty="0" smtClean="0">
+                <a:solidFill>
+                  <a:schemeClr val="tx1"/>
+                </a:solidFill>
+                <a:latin typeface="+mn-lt"/>
+                <a:ea typeface="+mn-ea"/>
+                <a:cs typeface="+mn-cs"/>
+              </a:rPr>
+              <a:t> </a:t>
+            </a:r>
+            <a:r>
+              <a:rPr lang="hu-HU" sz="1200" kern="1200" dirty="0" smtClean="0">
+                <a:solidFill>
+                  <a:schemeClr val="tx1"/>
+                </a:solidFill>
+                <a:latin typeface="+mn-lt"/>
+                <a:ea typeface="+mn-ea"/>
+                <a:cs typeface="+mn-cs"/>
+              </a:rPr>
+              <a:t>törzsvásárlói </a:t>
+            </a:r>
+            <a:r>
+              <a:rPr lang="hu-HU" sz="1200" kern="1200" dirty="0" smtClean="0">
+                <a:solidFill>
+                  <a:schemeClr val="tx1"/>
+                </a:solidFill>
+                <a:latin typeface="+mn-lt"/>
+                <a:ea typeface="+mn-ea"/>
+                <a:cs typeface="+mn-cs"/>
+              </a:rPr>
+              <a:t>kedvezményekben szeretne részesülni, ennek feltétele a beregisztrálás </a:t>
+            </a:r>
+            <a:r>
+              <a:rPr lang="hu-HU" sz="1200" kern="1200" dirty="0" smtClean="0">
+                <a:solidFill>
+                  <a:schemeClr val="tx1"/>
+                </a:solidFill>
+                <a:latin typeface="+mn-lt"/>
+                <a:ea typeface="+mn-ea"/>
+                <a:cs typeface="+mn-cs"/>
+              </a:rPr>
+              <a:t>a </a:t>
+            </a:r>
+            <a:r>
+              <a:rPr lang="hu-HU" sz="1200" kern="1200" dirty="0" smtClean="0">
+                <a:solidFill>
+                  <a:schemeClr val="tx1"/>
+                </a:solidFill>
+                <a:latin typeface="+mn-lt"/>
+                <a:ea typeface="+mn-ea"/>
+                <a:cs typeface="+mn-cs"/>
+              </a:rPr>
+              <a:t>rendszerbe. </a:t>
+            </a:r>
+            <a:r>
+              <a:rPr lang="hu-HU" sz="1200" kern="1200" dirty="0" smtClean="0">
+                <a:solidFill>
+                  <a:schemeClr val="tx1"/>
+                </a:solidFill>
+                <a:latin typeface="+mn-lt"/>
+                <a:ea typeface="+mn-ea"/>
+                <a:cs typeface="+mn-cs"/>
+              </a:rPr>
+              <a:t>A regisztrálás mellett az adatok módosítására, valamint a törzsvásárló törlésére is van lehetőség</a:t>
+            </a:r>
+            <a:r>
+              <a:rPr lang="hu-HU" sz="1200" kern="1200" dirty="0" smtClean="0">
+                <a:solidFill>
+                  <a:schemeClr val="tx1"/>
+                </a:solidFill>
+                <a:latin typeface="+mn-lt"/>
+                <a:ea typeface="+mn-ea"/>
+                <a:cs typeface="+mn-cs"/>
+              </a:rPr>
+              <a:t>. Emellett a</a:t>
+            </a:r>
+            <a:r>
+              <a:rPr lang="hu-HU" sz="1200" kern="1200" baseline="0" dirty="0" smtClean="0">
+                <a:solidFill>
+                  <a:schemeClr val="tx1"/>
+                </a:solidFill>
+                <a:latin typeface="+mn-lt"/>
+                <a:ea typeface="+mn-ea"/>
+                <a:cs typeface="+mn-cs"/>
+              </a:rPr>
+              <a:t> rendszer automatikusan módosítja az aktuális pontokat illetve törli az előző éves pontokat meghatározott időszakokban. Valamint automatikus </a:t>
+            </a:r>
+            <a:r>
+              <a:rPr lang="hu-HU" sz="1200" kern="1200" baseline="0" dirty="0" err="1" smtClean="0">
+                <a:solidFill>
+                  <a:schemeClr val="tx1"/>
+                </a:solidFill>
+                <a:latin typeface="+mn-lt"/>
+                <a:ea typeface="+mn-ea"/>
+                <a:cs typeface="+mn-cs"/>
+              </a:rPr>
+              <a:t>emailt</a:t>
+            </a:r>
+            <a:r>
+              <a:rPr lang="hu-HU" sz="1200" kern="1200" baseline="0" dirty="0" smtClean="0">
+                <a:solidFill>
+                  <a:schemeClr val="tx1"/>
+                </a:solidFill>
+                <a:latin typeface="+mn-lt"/>
+                <a:ea typeface="+mn-ea"/>
+                <a:cs typeface="+mn-cs"/>
+              </a:rPr>
+              <a:t> generál regisztráció esetén valamint figyelmeztető </a:t>
+            </a:r>
+            <a:r>
+              <a:rPr lang="hu-HU" sz="1200" kern="1200" baseline="0" dirty="0" err="1" smtClean="0">
+                <a:solidFill>
+                  <a:schemeClr val="tx1"/>
+                </a:solidFill>
+                <a:latin typeface="+mn-lt"/>
+                <a:ea typeface="+mn-ea"/>
+                <a:cs typeface="+mn-cs"/>
+              </a:rPr>
+              <a:t>emailt</a:t>
+            </a:r>
+            <a:r>
+              <a:rPr lang="hu-HU" sz="1200" kern="1200" baseline="0" dirty="0" smtClean="0">
+                <a:solidFill>
+                  <a:schemeClr val="tx1"/>
+                </a:solidFill>
+                <a:latin typeface="+mn-lt"/>
+                <a:ea typeface="+mn-ea"/>
+                <a:cs typeface="+mn-cs"/>
+              </a:rPr>
+              <a:t> küld az előző éves pontok lejáratáról.</a:t>
             </a:r>
             <a:endParaRPr lang="hu-HU" dirty="0"/>
           </a:p>
@@ -1381,57 +1616,25 @@
           </a:bodyPr>
           <a:lstStyle/>
           <a:p>
-            <a:pPr marL="0" marR="0" indent="0" algn="l" defTabSz="914400" rtl="0" eaLnBrk="1" fontAlgn="auto" latinLnBrk="0" hangingPunct="1">
-              <a:lnSpc>
-                <a:spcPct val="100000"/>
-              </a:lnSpc>
-              <a:spcBef>
-                <a:spcPts val="0"/>
-              </a:spcBef>
-              <a:spcAft>
-                <a:spcPts val="0"/>
-              </a:spcAft>
-              <a:buClrTx/>
-              <a:buSzTx/>
-              <a:buFontTx/>
-              <a:buNone/>
-              <a:tabLst/>
-              <a:defRPr/>
-            </a:pPr>
-            <a:r>
-              <a:rPr lang="hu-HU" sz="1200" kern="1200" dirty="0" smtClean="0">
-                <a:solidFill>
-                  <a:schemeClr val="tx1"/>
-                </a:solidFill>
-                <a:latin typeface="+mn-lt"/>
-                <a:ea typeface="+mn-ea"/>
-                <a:cs typeface="+mn-cs"/>
-              </a:rPr>
-              <a:t>A kívánság lista egy lehetőség a vásárlók számára, hogy egy általuk keresett, de az üzletben nem fellelhető könyvet megrendeljenek. Ebben az esetben a felhasználó felviszi a kívánt könyvet az adatbázisba. Amikor a könyv megérkezik az üzletbe a megadott adatok alapján az felhasználó valamilyen formában értesíteni tudja a vásárlót.</a:t>
-            </a:r>
-          </a:p>
-          <a:p>
             <a:r>
               <a:rPr lang="hu-HU" dirty="0" smtClean="0"/>
-              <a:t>Ebben</a:t>
+              <a:t>A könyv</a:t>
             </a:r>
             <a:r>
               <a:rPr lang="hu-HU" baseline="0" dirty="0" smtClean="0"/>
-              <a:t> az esetben a következő funkciók kidolgozása a cél. </a:t>
-            </a:r>
-          </a:p>
-          <a:p>
+              <a:t>kezelő segítségével tudjuk a könyveket felvinni az adatbázisba, törölni a nem kívánt elemeket, vagy a megadott adatokat módosíthatjuk ezen felület használata során</a:t>
+            </a:r>
             <a:r>
               <a:rPr lang="hu-HU" baseline="0" dirty="0" smtClean="0"/>
-              <a:t>Új kívánság hozzáadása,</a:t>
-            </a:r>
-            <a:r>
-              <a:rPr lang="hu-HU" dirty="0" smtClean="0"/>
-              <a:t> törlése,</a:t>
+              <a:t>. A rendszer a könyv felvitel esetén ellenőrzi, hogy a felvinni kívánt könyv szerepel-e a kívánság listában, ha igen akkor erről szintén egy automatikus </a:t>
+            </a:r>
+            <a:r>
+              <a:rPr lang="hu-HU" baseline="0" dirty="0" err="1" smtClean="0"/>
+              <a:t>emailt</a:t>
             </a:r>
             <a:r>
               <a:rPr lang="hu-HU" baseline="0" dirty="0" smtClean="0"/>
-              <a:t> módosítása, és a kívánságok megjelenítése.</a:t>
+              <a:t> generál és küld a könyvet kereső vásárlónak.</a:t>
             </a:r>
             <a:endParaRPr lang="hu-HU" dirty="0"/>
           </a:p>
@@ -1515,6 +1718,23 @@
           </a:bodyPr>
           <a:lstStyle/>
           <a:p>
+            <a:pPr marL="0" marR="0" indent="0" algn="l" defTabSz="914400" rtl="0" eaLnBrk="1" fontAlgn="auto" latinLnBrk="0" hangingPunct="1">
+              <a:lnSpc>
+                <a:spcPct val="100000"/>
+              </a:lnSpc>
+              <a:spcBef>
+                <a:spcPts val="0"/>
+              </a:spcBef>
+              <a:spcAft>
+                <a:spcPts val="0"/>
+              </a:spcAft>
+              <a:buClrTx/>
+              <a:buSzTx/>
+              <a:buFontTx/>
+              <a:buNone/>
+              <a:tabLst/>
+              <a:defRPr/>
+            </a:pPr>
             <a:r>
               <a:rPr lang="hu-HU" sz="1200" kern="1200" dirty="0" smtClean="0">
                 <a:solidFill>
@@ -1524,7 +1744,146 @@
                 <a:ea typeface="+mn-ea"/>
                 <a:cs typeface="+mn-cs"/>
               </a:rPr>
-              <a:t>A kimutatások célja, hogy adott időszakokra vissza tudjon a felhasználó tekinteni, hogy milyen volt a forgalom. Amellett, hogy láthatjuk az egyes kiadásokat és bevételeket, azt is láthatjuk, hogy az adott időszakra a vállalkozás nyereséges vagy veszteséges volt-e.</a:t>
+              <a:t>A kívánság lista egy lehetőség a vásárlók számára, hogy egy általuk keresett, de az üzletben </a:t>
+            </a:r>
+            <a:r>
+              <a:rPr lang="hu-HU" sz="1200" kern="1200" dirty="0" smtClean="0">
+                <a:solidFill>
+                  <a:schemeClr val="tx1"/>
+                </a:solidFill>
+                <a:latin typeface="+mn-lt"/>
+                <a:ea typeface="+mn-ea"/>
+                <a:cs typeface="+mn-cs"/>
+              </a:rPr>
+              <a:t>még nem </a:t>
+            </a:r>
+            <a:r>
+              <a:rPr lang="hu-HU" sz="1200" kern="1200" dirty="0" smtClean="0">
+                <a:solidFill>
+                  <a:schemeClr val="tx1"/>
+                </a:solidFill>
+                <a:latin typeface="+mn-lt"/>
+                <a:ea typeface="+mn-ea"/>
+                <a:cs typeface="+mn-cs"/>
+              </a:rPr>
+              <a:t>fellelhető könyvet megrendeljenek. Ebben az esetben a felhasználó felviszi a kívánt </a:t>
+            </a:r>
+            <a:r>
+              <a:rPr lang="hu-HU" sz="1200" kern="1200" dirty="0" smtClean="0">
+                <a:solidFill>
+                  <a:schemeClr val="tx1"/>
+                </a:solidFill>
+                <a:latin typeface="+mn-lt"/>
+                <a:ea typeface="+mn-ea"/>
+                <a:cs typeface="+mn-cs"/>
+              </a:rPr>
+              <a:t>könyv</a:t>
+            </a:r>
+            <a:r>
+              <a:rPr lang="hu-HU" sz="1200" kern="1200" baseline="0" dirty="0" smtClean="0">
+                <a:solidFill>
+                  <a:schemeClr val="tx1"/>
+                </a:solidFill>
+                <a:latin typeface="+mn-lt"/>
+                <a:ea typeface="+mn-ea"/>
+                <a:cs typeface="+mn-cs"/>
+              </a:rPr>
+              <a:t> adatait</a:t>
+            </a:r>
+            <a:r>
+              <a:rPr lang="hu-HU" sz="1200" kern="1200" dirty="0" smtClean="0">
+                <a:solidFill>
+                  <a:schemeClr val="tx1"/>
+                </a:solidFill>
+                <a:latin typeface="+mn-lt"/>
+                <a:ea typeface="+mn-ea"/>
+                <a:cs typeface="+mn-cs"/>
+              </a:rPr>
+              <a:t> </a:t>
+            </a:r>
+            <a:r>
+              <a:rPr lang="hu-HU" sz="1200" kern="1200" dirty="0" smtClean="0">
+                <a:solidFill>
+                  <a:schemeClr val="tx1"/>
+                </a:solidFill>
+                <a:latin typeface="+mn-lt"/>
+                <a:ea typeface="+mn-ea"/>
+                <a:cs typeface="+mn-cs"/>
+              </a:rPr>
+              <a:t>az adatbázisba. Amikor a könyv megérkezik az üzletbe a megadott adatok alapján az </a:t>
+            </a:r>
+            <a:r>
+              <a:rPr lang="hu-HU" sz="1200" kern="1200" dirty="0" smtClean="0">
+                <a:solidFill>
+                  <a:schemeClr val="tx1"/>
+                </a:solidFill>
+                <a:latin typeface="+mn-lt"/>
+                <a:ea typeface="+mn-ea"/>
+                <a:cs typeface="+mn-cs"/>
+              </a:rPr>
+              <a:t>vásárló</a:t>
+            </a:r>
+            <a:r>
+              <a:rPr lang="hu-HU" sz="1200" kern="1200" baseline="0" dirty="0" smtClean="0">
+                <a:solidFill>
+                  <a:schemeClr val="tx1"/>
+                </a:solidFill>
+                <a:latin typeface="+mn-lt"/>
+                <a:ea typeface="+mn-ea"/>
+                <a:cs typeface="+mn-cs"/>
+              </a:rPr>
+              <a:t> értesítést kap</a:t>
+            </a:r>
+            <a:r>
+              <a:rPr lang="hu-HU" sz="1200" kern="1200" dirty="0" smtClean="0">
+                <a:solidFill>
+                  <a:schemeClr val="tx1"/>
+                </a:solidFill>
+                <a:latin typeface="+mn-lt"/>
+                <a:ea typeface="+mn-ea"/>
+                <a:cs typeface="+mn-cs"/>
+              </a:rPr>
+              <a:t>.</a:t>
+            </a:r>
+            <a:endParaRPr lang="hu-HU" sz="1200" kern="1200" dirty="0" smtClean="0">
+              <a:solidFill>
+                <a:schemeClr val="tx1"/>
+              </a:solidFill>
+              <a:latin typeface="+mn-lt"/>
+              <a:ea typeface="+mn-ea"/>
+              <a:cs typeface="+mn-cs"/>
+            </a:endParaRPr>
+          </a:p>
+          <a:p>
+            <a:r>
+              <a:rPr lang="hu-HU" dirty="0" smtClean="0"/>
+              <a:t>Ebben</a:t>
+            </a:r>
+            <a:r>
+              <a:rPr lang="hu-HU" baseline="0" dirty="0" smtClean="0"/>
+              <a:t> az esetben a következő funkciók kidolgozása a </a:t>
+            </a:r>
+            <a:r>
+              <a:rPr lang="hu-HU" baseline="0" dirty="0" smtClean="0"/>
+              <a:t>volt a cél</a:t>
+            </a:r>
+            <a:r>
+              <a:rPr lang="hu-HU" baseline="0" dirty="0" smtClean="0"/>
+              <a:t>. </a:t>
+            </a:r>
+          </a:p>
+          <a:p>
+            <a:r>
+              <a:rPr lang="hu-HU" baseline="0" dirty="0" smtClean="0"/>
+              <a:t>Új kívánság hozzáadása,</a:t>
+            </a:r>
+            <a:r>
+              <a:rPr lang="hu-HU" dirty="0" smtClean="0"/>
+              <a:t> törlése,</a:t>
+            </a:r>
+            <a:r>
+              <a:rPr lang="hu-HU" baseline="0" dirty="0" smtClean="0"/>
+              <a:t> módosítása, és a kívánságok megjelenítése.</a:t>
             </a:r>
             <a:endParaRPr lang="hu-HU" dirty="0"/>
           </a:p>
@@ -1609,74 +1968,39 @@
           <a:lstStyle/>
           <a:p>
             <a:r>
-              <a:rPr lang="hu-HU" b="0" dirty="0" smtClean="0"/>
-              <a:t>Az adatbázis kialakítása során a DB Browser </a:t>
-            </a:r>
-            <a:r>
-              <a:rPr lang="hu-HU" b="0" dirty="0" err="1" smtClean="0"/>
-              <a:t>for</a:t>
-            </a:r>
-            <a:r>
-              <a:rPr lang="hu-HU" b="0" dirty="0" smtClean="0"/>
-              <a:t> </a:t>
-            </a:r>
-            <a:r>
-              <a:rPr lang="hu-HU" b="0" dirty="0" err="1" smtClean="0"/>
-              <a:t>SQLite</a:t>
-            </a:r>
-            <a:r>
-              <a:rPr lang="hu-HU" b="0" dirty="0" smtClean="0"/>
-              <a:t> adatbázis kezelő</a:t>
-            </a:r>
-            <a:r>
-              <a:rPr lang="hu-HU" b="0" baseline="0" dirty="0" smtClean="0"/>
-              <a:t> programot használom.</a:t>
-            </a:r>
-          </a:p>
-          <a:p>
-            <a:r>
-              <a:rPr lang="hu-HU" b="0" baseline="0" dirty="0" smtClean="0"/>
-              <a:t>Az eddigi elképzelés alapján a következő táblák kezelése a cél:</a:t>
-            </a:r>
-          </a:p>
-          <a:p>
-            <a:r>
-              <a:rPr lang="hu-HU" b="0" baseline="0" dirty="0" smtClean="0"/>
-              <a:t>- Könyvek: A könyvek adatait tartalmazza, mint például ISBN szám, cím, szerző, kiadás éve.</a:t>
-            </a:r>
-          </a:p>
-          <a:p>
-            <a:r>
-              <a:rPr lang="hu-HU" b="0" baseline="0" dirty="0" smtClean="0"/>
-              <a:t>- Kívánság lista amely tartalmazza a keresett könyv adatait valamint a vásárló adatait.</a:t>
-            </a:r>
-          </a:p>
-          <a:p>
-            <a:r>
-              <a:rPr lang="hu-HU" b="0" baseline="0" dirty="0" smtClean="0"/>
-              <a:t>- Törzsvásárló a törzsvásárló adatait tartalmazza, valamint a gyűjtött pontokat.</a:t>
-            </a:r>
-          </a:p>
-          <a:p>
-            <a:pPr>
-              <a:buFontTx/>
-              <a:buChar char="-"/>
-            </a:pPr>
-            <a:r>
-              <a:rPr lang="hu-HU" b="0" baseline="0" dirty="0" smtClean="0"/>
-              <a:t> Kiadások: A üzletben történő kiadások kezelésére szolgáló tábla.</a:t>
-            </a:r>
-          </a:p>
-          <a:p>
-            <a:pPr>
-              <a:buFontTx/>
-              <a:buChar char="-"/>
-            </a:pPr>
-            <a:r>
-              <a:rPr lang="hu-HU" b="0" baseline="0" dirty="0" smtClean="0"/>
-              <a:t> Bevételek: A bevételek kezelésére szolgál.</a:t>
-            </a:r>
-            <a:endParaRPr lang="hu-HU" b="0" dirty="0"/>
+              <a:rPr lang="hu-HU" sz="1200" kern="1200" dirty="0" smtClean="0">
+                <a:solidFill>
+                  <a:schemeClr val="tx1"/>
+                </a:solidFill>
+                <a:latin typeface="+mn-lt"/>
+                <a:ea typeface="+mn-ea"/>
+                <a:cs typeface="+mn-cs"/>
+              </a:rPr>
+              <a:t>A kimutatások célja, hogy adott időszakokra vissza tudjon a felhasználó tekinteni, hogy milyen volt a forgalom. Amellett, hogy láthatjuk az egyes kiadásokat és bevételeket, azt is láthatjuk, hogy az adott időszakra a vállalkozás nyereséges vagy veszteséges volt-e</a:t>
+            </a:r>
+            <a:r>
+              <a:rPr lang="hu-HU" sz="1200" kern="1200" dirty="0" smtClean="0">
+                <a:solidFill>
+                  <a:schemeClr val="tx1"/>
+                </a:solidFill>
+                <a:latin typeface="+mn-lt"/>
+                <a:ea typeface="+mn-ea"/>
+                <a:cs typeface="+mn-cs"/>
+              </a:rPr>
+              <a:t>. Ezeket</a:t>
+            </a:r>
+            <a:r>
+              <a:rPr lang="hu-HU" sz="1200" kern="1200" baseline="0" dirty="0" smtClean="0">
+                <a:solidFill>
+                  <a:schemeClr val="tx1"/>
+                </a:solidFill>
+                <a:latin typeface="+mn-lt"/>
+                <a:ea typeface="+mn-ea"/>
+                <a:cs typeface="+mn-cs"/>
+              </a:rPr>
+              <a:t> táblákba rendezve illetve diagramokon tudjuk megtekinteni.</a:t>
+            </a:r>
+            <a:endParaRPr lang="hu-HU" dirty="0"/>
           </a:p>
         </p:txBody>
       </p:sp>
@@ -1759,44 +2083,125 @@
           <a:lstStyle/>
           <a:p>
             <a:r>
-              <a:rPr lang="hu-HU" dirty="0" smtClean="0"/>
-              <a:t>Vannak már elkészült</a:t>
-            </a:r>
-            <a:r>
-              <a:rPr lang="hu-HU" baseline="0" dirty="0" smtClean="0"/>
-              <a:t> és tesztelés alatt álló funkciók. Ezek további tesztelése illetve javítása mellett elsődleges célom, a még el nem készült funkciók kidolgozása. </a:t>
-            </a:r>
-          </a:p>
-          <a:p>
-            <a:r>
-              <a:rPr lang="hu-HU" baseline="0" dirty="0" smtClean="0"/>
-              <a:t>Vannak még olyan funkciók, amelyeket szeretnék a meglévőek mellett  kidolgozni. Ezek a bevételek is kiadások kezeléseire szolgáló funkciók.</a:t>
-            </a:r>
-          </a:p>
-          <a:p>
-            <a:r>
-              <a:rPr lang="hu-HU" baseline="0" dirty="0" smtClean="0"/>
-              <a:t>Hibakezeléssel elsődlegesen nem foglalkoztam, ezért ezek még kidolgozásra várnak.</a:t>
-            </a:r>
-          </a:p>
-          <a:p>
-            <a:r>
-              <a:rPr lang="hu-HU" baseline="0" dirty="0" smtClean="0"/>
-              <a:t>Amikor a funkciók már késznek hatnak, szeretném a program látványvilágát szebbé, érdekesebbé tenni, mivel most még csak egy nagyon alap kinézetet kapott a program főként abból a célból, hogy az elkészült funkciókat élesben is ki lehessen próbálni.</a:t>
-            </a:r>
-          </a:p>
-          <a:p>
-            <a:r>
-              <a:rPr lang="hu-HU" baseline="0" dirty="0" smtClean="0"/>
-              <a:t>Ezek mellett az adatbázis feltöltése is fontos szerepet fog játszani az elkövetkezendő időkben, mely párhuzamosan fog folyni a fejlesztéssel. Főként gondolok itt a könyv tábla feltöltésére, mivel a többi tábla ugye bár, maga a program használata során kap új rekordokat.</a:t>
-            </a:r>
-          </a:p>
-          <a:p>
-            <a:r>
-              <a:rPr lang="hu-HU" baseline="0" dirty="0" smtClean="0"/>
-              <a:t>A fejlesztések mellett természetesen folyamatosan teszteltem is már az elkészült részeket és következőkben is folytatom ezt.</a:t>
-            </a:r>
-            <a:endParaRPr lang="hu-HU" dirty="0"/>
+              <a:rPr lang="hu-HU" b="0" dirty="0" smtClean="0"/>
+              <a:t>Az adatbázis kialakítása során a </a:t>
+            </a:r>
+            <a:r>
+              <a:rPr lang="hu-HU" b="0" dirty="0" err="1" smtClean="0"/>
+              <a:t>visual</a:t>
+            </a:r>
+            <a:r>
+              <a:rPr lang="hu-HU" b="0" baseline="0" dirty="0" smtClean="0"/>
+              <a:t> </a:t>
+            </a:r>
+            <a:r>
+              <a:rPr lang="hu-HU" b="0" baseline="0" dirty="0" err="1" smtClean="0"/>
+              <a:t>studioba</a:t>
+            </a:r>
+            <a:r>
+              <a:rPr lang="hu-HU" b="0" baseline="0" dirty="0" smtClean="0"/>
+              <a:t> be épített </a:t>
+            </a:r>
+            <a:r>
+              <a:rPr lang="hu-HU" b="0" dirty="0" smtClean="0"/>
+              <a:t>adatbázis </a:t>
+            </a:r>
+            <a:r>
+              <a:rPr lang="hu-HU" b="0" dirty="0" smtClean="0"/>
+              <a:t>kezelő</a:t>
+            </a:r>
+            <a:r>
+              <a:rPr lang="hu-HU" b="0" baseline="0" dirty="0" smtClean="0"/>
+              <a:t> </a:t>
+            </a:r>
+            <a:r>
+              <a:rPr lang="hu-HU" b="0" baseline="0" dirty="0" smtClean="0"/>
+              <a:t>rendszert használtam.</a:t>
+            </a:r>
+            <a:endParaRPr lang="hu-HU" b="0" baseline="0" dirty="0" smtClean="0"/>
+          </a:p>
+          <a:p>
+            <a:r>
+              <a:rPr lang="hu-HU" b="0" baseline="0" dirty="0" smtClean="0"/>
+              <a:t>Az </a:t>
+            </a:r>
+            <a:r>
+              <a:rPr lang="hu-HU" b="0" baseline="0" dirty="0" smtClean="0"/>
+              <a:t>elképzelés </a:t>
+            </a:r>
+            <a:r>
+              <a:rPr lang="hu-HU" b="0" baseline="0" dirty="0" smtClean="0"/>
+              <a:t>alapján a következő táblák kezelése a </a:t>
+            </a:r>
+            <a:r>
+              <a:rPr lang="hu-HU" b="0" baseline="0" dirty="0" smtClean="0"/>
+              <a:t>cél az alkalmazáson belül:</a:t>
+            </a:r>
+            <a:endParaRPr lang="hu-HU" b="0" baseline="0" dirty="0" smtClean="0"/>
+          </a:p>
+          <a:p>
+            <a:r>
+              <a:rPr lang="hu-HU" b="0" baseline="0" dirty="0" smtClean="0"/>
+              <a:t>- Könyvek: A könyvek adatait tartalmazza, mint például ISBN szám, cím, szerző, kiadás </a:t>
+            </a:r>
+            <a:r>
+              <a:rPr lang="hu-HU" b="0" baseline="0" dirty="0" smtClean="0"/>
+              <a:t>éve, beszerzési és eladási ár.</a:t>
+            </a:r>
+            <a:endParaRPr lang="hu-HU" b="0" baseline="0" dirty="0" smtClean="0"/>
+          </a:p>
+          <a:p>
+            <a:r>
+              <a:rPr lang="hu-HU" b="0" baseline="0" dirty="0" smtClean="0"/>
+              <a:t>- Kívánság </a:t>
+            </a:r>
+            <a:r>
+              <a:rPr lang="hu-HU" b="0" baseline="0" dirty="0" smtClean="0"/>
+              <a:t>lista, </a:t>
+            </a:r>
+            <a:r>
+              <a:rPr lang="hu-HU" b="0" baseline="0" dirty="0" smtClean="0"/>
+              <a:t>amely tartalmazza a keresett könyv adatait valamint a vásárló adatait.</a:t>
+            </a:r>
+          </a:p>
+          <a:p>
+            <a:r>
+              <a:rPr lang="hu-HU" b="0" baseline="0" dirty="0" smtClean="0"/>
+              <a:t>- </a:t>
+            </a:r>
+            <a:r>
+              <a:rPr lang="hu-HU" b="0" baseline="0" dirty="0" smtClean="0"/>
+              <a:t>Törzsvásárló: </a:t>
+            </a:r>
+            <a:r>
+              <a:rPr lang="hu-HU" b="0" baseline="0" dirty="0" smtClean="0"/>
+              <a:t>a törzsvásárló adatait tartalmazza, valamint a gyűjtött pontokat.</a:t>
+            </a:r>
+          </a:p>
+          <a:p>
+            <a:pPr>
+              <a:buFontTx/>
+              <a:buChar char="-"/>
+            </a:pPr>
+            <a:r>
+              <a:rPr lang="hu-HU" b="0" baseline="0" dirty="0" smtClean="0"/>
+              <a:t> Kiadások</a:t>
+            </a:r>
+            <a:r>
+              <a:rPr lang="hu-HU" b="0" baseline="0" dirty="0" smtClean="0"/>
+              <a:t>: A üzletben történő kiadások kezelésére szolgáló tábla.</a:t>
+            </a:r>
+          </a:p>
+          <a:p>
+            <a:pPr>
+              <a:buFontTx/>
+              <a:buChar char="-"/>
+            </a:pPr>
+            <a:r>
+              <a:rPr lang="hu-HU" b="0" baseline="0" dirty="0" smtClean="0"/>
+              <a:t> Bevételek: A bevételek kezelésére szolgál.</a:t>
+            </a:r>
+            <a:endParaRPr lang="hu-HU" b="0" dirty="0"/>
           </a:p>
         </p:txBody>
       </p:sp>
@@ -2052,7 +2457,7 @@
             <a:fld id="{6DBBE4E9-0AAF-4947-BBC4-AE0D9F67A6EA}" type="datetime1">
               <a:rPr lang="hu-HU" smtClean="0"/>
               <a:pPr/>
-              <a:t>2020. 12. 16.</a:t>
+              <a:t>2022. 04. 22.</a:t>
             </a:fld>
             <a:endParaRPr lang="hu-HU"/>
           </a:p>
@@ -2241,7 +2646,7 @@
             <a:fld id="{B71538CF-0DEE-4872-B93F-47AD2749AEB4}" type="datetime1">
               <a:rPr lang="hu-HU" smtClean="0"/>
               <a:pPr/>
-              <a:t>2020. 12. 16.</a:t>
+              <a:t>2022. 04. 22.</a:t>
             </a:fld>
             <a:endParaRPr lang="hu-HU"/>
           </a:p>
@@ -2418,7 +2823,7 @@
             <a:fld id="{B3E4B75C-3C0D-45BE-B899-1245D58762CC}" type="datetime1">
               <a:rPr lang="hu-HU" smtClean="0"/>
               <a:pPr/>
-              <a:t>2020. 12. 16.</a:t>
+              <a:t>2022. 04. 22.</a:t>
             </a:fld>
             <a:endParaRPr lang="hu-HU"/>
           </a:p>
@@ -2600,7 +3005,7 @@
             <a:fld id="{AB8848BB-D2B5-41DC-B8DE-E00EEB6B598A}" type="datetime1">
               <a:rPr lang="hu-HU" smtClean="0"/>
               <a:pPr/>
-              <a:t>2020. 12. 16.</a:t>
+              <a:t>2022. 04. 22.</a:t>
             </a:fld>
             <a:endParaRPr lang="hu-HU"/>
           </a:p>
@@ -2849,7 +3254,7 @@
             <a:fld id="{ACC8B8B4-1A1E-483C-A1BD-3F3CBCAF9FA8}" type="datetime1">
               <a:rPr lang="hu-HU" smtClean="0"/>
               <a:pPr/>
-              <a:t>2020. 12. 16.</a:t>
+              <a:t>2022. 04. 22.</a:t>
             </a:fld>
             <a:endParaRPr lang="hu-HU"/>
           </a:p>
@@ -3325,7 +3730,7 @@
             <a:fld id="{8FFEBB73-7C6B-45A6-8166-4DE801ABD3B3}" type="datetime1">
               <a:rPr lang="hu-HU" smtClean="0"/>
               <a:pPr/>
-              <a:t>2020. 12. 16.</a:t>
+              <a:t>2022. 04. 22.</a:t>
             </a:fld>
             <a:endParaRPr lang="hu-HU"/>
           </a:p>
@@ -3742,7 +4147,7 @@
             <a:fld id="{F990B579-B90C-4956-A209-CA7522241AF6}" type="datetime1">
               <a:rPr lang="hu-HU" smtClean="0"/>
               <a:pPr/>
-              <a:t>2020. 12. 16.</a:t>
+              <a:t>2022. 04. 22.</a:t>
             </a:fld>
             <a:endParaRPr lang="hu-HU"/>
           </a:p>
@@ -3875,7 +4280,7 @@
             <a:fld id="{07167DDC-B325-4340-B0EB-8310002C4092}" type="datetime1">
               <a:rPr lang="hu-HU" smtClean="0"/>
               <a:pPr/>
-              <a:t>2020. 12. 16.</a:t>
+              <a:t>2022. 04. 22.</a:t>
             </a:fld>
             <a:endParaRPr lang="hu-HU"/>
           </a:p>
@@ -3972,7 +4377,7 @@
             <a:fld id="{CB56507B-C33F-4377-A254-AFFCED099BF9}" type="datetime1">
               <a:rPr lang="hu-HU" smtClean="0"/>
               <a:pPr/>
-              <a:t>2020. 12. 16.</a:t>
+              <a:t>2022. 04. 22.</a:t>
             </a:fld>
             <a:endParaRPr lang="hu-HU"/>
           </a:p>
@@ -4252,7 +4657,7 @@
             <a:fld id="{75403A14-5160-4CCA-9AF4-2D88D029D391}" type="datetime1">
               <a:rPr lang="hu-HU" smtClean="0"/>
               <a:pPr/>
-              <a:t>2020. 12. 16.</a:t>
+              <a:t>2022. 04. 22.</a:t>
             </a:fld>
             <a:endParaRPr lang="hu-HU"/>
           </a:p>
@@ -4506,7 +4911,7 @@
             <a:fld id="{95A6EFE5-EDFB-4CCB-90C1-CC0B9CF7F347}" type="datetime1">
               <a:rPr lang="hu-HU" smtClean="0"/>
               <a:pPr/>
-              <a:t>2020. 12. 16.</a:t>
+              <a:t>2022. 04. 22.</a:t>
             </a:fld>
             <a:endParaRPr lang="hu-HU"/>
           </a:p>
@@ -4880,7 +5285,7 @@
             <a:fld id="{1191DC5A-C8AE-4765-8B72-12ABF501E786}" type="datetime1">
               <a:rPr lang="hu-HU" smtClean="0"/>
               <a:pPr/>
-              <a:t>2020. 12. 16.</a:t>
+              <a:t>2022. 04. 22.</a:t>
             </a:fld>
             <a:endParaRPr lang="hu-HU"/>
           </a:p>
@@ -5484,79 +5889,38 @@
             <a:pPr algn="ctr"/>
             <a:r>
               <a:rPr lang="hu-HU" dirty="0" smtClean="0"/>
-              <a:t>Az adatbázis</a:t>
-            </a:r>
-            <a:endParaRPr lang="hu-HU" dirty="0"/>
-          </a:p>
-        </p:txBody>
-      </p:sp>
-      <p:sp>
-        <p:nvSpPr>
-          <p:cNvPr id="3" name="Tartalom helye 2"/>
-          <p:cNvSpPr>
-            <a:spLocks noGrp="1"/>
-          </p:cNvSpPr>
-          <p:nvPr>
-            <p:ph idx="1"/>
-          </p:nvPr>
-        </p:nvSpPr>
-        <p:spPr/>
-        <p:txBody>
-          <a:bodyPr/>
-          <a:lstStyle/>
-          <a:p>
-            <a:r>
-              <a:rPr lang="hu-HU" dirty="0" smtClean="0"/>
-              <a:t>DB Browser </a:t>
-            </a:r>
-            <a:r>
-              <a:rPr lang="hu-HU" dirty="0" err="1" smtClean="0"/>
-              <a:t>for</a:t>
-            </a:r>
-            <a:r>
-              <a:rPr lang="hu-HU" dirty="0" smtClean="0"/>
-              <a:t> </a:t>
-            </a:r>
-            <a:r>
-              <a:rPr lang="hu-HU" dirty="0" err="1" smtClean="0"/>
-              <a:t>SQLite</a:t>
-            </a:r>
-            <a:endParaRPr lang="hu-HU" dirty="0" smtClean="0"/>
-          </a:p>
-          <a:p>
+              <a:t>Kimutatások</a:t>
+            </a:r>
             <a:endParaRPr lang="hu-HU" dirty="0"/>
           </a:p>
         </p:txBody>
       </p:sp>
       <p:pic>
         <p:nvPicPr>
-          <p:cNvPr id="1026" name="Picture 2" descr="C:\Users\Tündi\AppData\Local\Microsoft\Windows\INetCache\IE\GJGOM1UQ\database-symbol-vector-clipart[1].png"/>
+          <p:cNvPr id="4" name="Tartalom helye 3" descr="Kimutatások.png"/>
           <p:cNvPicPr>
-            <a:picLocks noChangeAspect="1" noChangeArrowheads="1"/>
+            <a:picLocks noGrp="1" noChangeAspect="1"/>
           </p:cNvPicPr>
-          <p:nvPr/>
+          <p:nvPr>
+            <p:ph idx="1"/>
+          </p:nvPr>
         </p:nvPicPr>
         <p:blipFill>
           <a:blip r:embed="rId3" cstate="print"/>
-          <a:srcRect/>
           <a:stretch>
             <a:fillRect/>
           </a:stretch>
         </p:blipFill>
-        <p:spPr bwMode="auto">
-          <a:xfrm>
-            <a:off x="5148064" y="2924944"/>
-            <a:ext cx="2808312" cy="3099719"/>
-          </a:xfrm>
-          <a:prstGeom prst="rect">
-            <a:avLst/>
-          </a:prstGeom>
-          <a:noFill/>
+        <p:spPr>
+          <a:xfrm>
+            <a:off x="1216795" y="1882775"/>
+            <a:ext cx="6710410" cy="4572000"/>
+          </a:xfrm>
         </p:spPr>
       </p:pic>
       <p:sp>
         <p:nvSpPr>
-          <p:cNvPr id="6" name="Dia számának helye 3"/>
+          <p:cNvPr id="8" name="Dia számának helye 3"/>
           <p:cNvSpPr>
             <a:spLocks noGrp="1"/>
           </p:cNvSpPr>
@@ -5567,7 +5931,7 @@
         <p:spPr>
           <a:xfrm>
             <a:off x="7589520" y="6480969"/>
-            <a:ext cx="726896" cy="301752"/>
+            <a:ext cx="654888" cy="301752"/>
           </a:xfrm>
         </p:spPr>
         <p:txBody>
@@ -5582,19 +5946,9 @@
                   </a:schemeClr>
                 </a:solidFill>
               </a:rPr>
-              <a:t>9</a:t>
-            </a:r>
-            <a:r>
-              <a:rPr lang="hu-HU" sz="1400" b="1" dirty="0" smtClean="0">
-                <a:solidFill>
-                  <a:schemeClr val="accent1">
-                    <a:lumMod val="75000"/>
-                  </a:schemeClr>
-                </a:solidFill>
-              </a:rPr>
-              <a:t>/12</a:t>
-            </a:r>
-            <a:endParaRPr lang="hu-HU" b="1" dirty="0">
+              <a:t>8/12</a:t>
+            </a:r>
+            <a:endParaRPr lang="hu-HU" sz="1400" b="1" dirty="0">
               <a:solidFill>
                 <a:schemeClr val="accent1">
                   <a:lumMod val="75000"/>
@@ -5609,6 +5963,16 @@
   <p:clrMapOvr>
     <a:masterClrMapping/>
   </p:clrMapOvr>
+  <p:transition>
+    <p:wipe dir="d"/>
+  </p:transition>
+  <p:timing>
+    <p:tnLst>
+      <p:par>
+        <p:cTn id="1" dur="indefinite" restart="never" nodeType="tmRoot"/>
+      </p:par>
+    </p:tnLst>
+  </p:timing>
 </p:sld>
 </file>
 
@@ -5647,7 +6011,7 @@
             <a:pPr algn="ctr"/>
             <a:r>
               <a:rPr lang="hu-HU" dirty="0" smtClean="0"/>
-              <a:t>Célkitűzések</a:t>
+              <a:t>Az adatbázis</a:t>
             </a:r>
             <a:endParaRPr lang="hu-HU" dirty="0"/>
           </a:p>
@@ -5670,38 +6034,21 @@
           <a:p>
             <a:r>
               <a:rPr lang="hu-HU" dirty="0" smtClean="0"/>
-              <a:t>Alapfunkciók elkészítése</a:t>
-            </a:r>
-          </a:p>
-          <a:p>
+              <a:t>DB Browser </a:t>
+            </a:r>
+            <a:r>
+              <a:rPr lang="hu-HU" dirty="0" err="1" smtClean="0"/>
+              <a:t>for</a:t>
+            </a:r>
             <a:r>
               <a:rPr lang="hu-HU" dirty="0" smtClean="0"/>
-              <a:t>Hiányzó funkciók kidolgozása</a:t>
-            </a:r>
-          </a:p>
-          <a:p>
-            <a:r>
-              <a:rPr lang="hu-HU" dirty="0" smtClean="0"/>
-              <a:t>Hibakezelések rendes kidolgozása</a:t>
-            </a:r>
-          </a:p>
-          <a:p>
-            <a:r>
-              <a:rPr lang="hu-HU" dirty="0" smtClean="0"/>
-              <a:t>Látványvilág kidolgozása</a:t>
-            </a:r>
-          </a:p>
-          <a:p>
-            <a:r>
-              <a:rPr lang="hu-HU" dirty="0" smtClean="0"/>
-              <a:t>Az adatbázis feltöltése</a:t>
-            </a:r>
-          </a:p>
-          <a:p>
-            <a:r>
-              <a:rPr lang="hu-HU" dirty="0" smtClean="0"/>
-              <a:t>Tesztelés</a:t>
-            </a:r>
+              <a:t> </a:t>
+            </a:r>
+            <a:r>
+              <a:rPr lang="hu-HU" dirty="0" err="1" smtClean="0"/>
+              <a:t>SQLite</a:t>
+            </a:r>
+            <a:endParaRPr lang="hu-HU" dirty="0" smtClean="0"/>
           </a:p>
           <a:p>
             <a:endParaRPr lang="hu-HU" dirty="0"/>
@@ -5710,7 +6057,7 @@
       </p:sp>
       <p:pic>
         <p:nvPicPr>
-          <p:cNvPr id="6149" name="Picture 5" descr="C:\Users\Tündi\AppData\Local\Microsoft\Windows\INetCache\IE\GJGOM1UQ\location-and-destination-icons[1].png"/>
+          <p:cNvPr id="1026" name="Picture 2" descr="C:\Users\Tündi\AppData\Local\Microsoft\Windows\INetCache\IE\GJGOM1UQ\database-symbol-vector-clipart[1].png"/>
           <p:cNvPicPr>
             <a:picLocks noChangeAspect="1" noChangeArrowheads="1"/>
           </p:cNvPicPr>
@@ -5725,8 +6072,8 @@
         </p:blipFill>
         <p:spPr bwMode="auto">
           <a:xfrm>
-            <a:off x="5652120" y="3429000"/>
-            <a:ext cx="2773735" cy="2773733"/>
+            <a:off x="5148064" y="2924944"/>
+            <a:ext cx="2808312" cy="3099719"/>
           </a:xfrm>
           <a:prstGeom prst="rect">
             <a:avLst/>
@@ -5736,7 +6083,7 @@
       </p:pic>
       <p:sp>
         <p:nvSpPr>
-          <p:cNvPr id="9" name="Dia számának helye 3"/>
+          <p:cNvPr id="6" name="Dia számának helye 3"/>
           <p:cNvSpPr>
             <a:spLocks noGrp="1"/>
           </p:cNvSpPr>
@@ -5747,7 +6094,7 @@
         <p:spPr>
           <a:xfrm>
             <a:off x="7589520" y="6480969"/>
-            <a:ext cx="870912" cy="301752"/>
+            <a:ext cx="726896" cy="301752"/>
           </a:xfrm>
         </p:spPr>
         <p:txBody>
@@ -5762,9 +6109,9 @@
                   </a:schemeClr>
                 </a:solidFill>
               </a:rPr>
-              <a:t>10/12</a:t>
-            </a:r>
-            <a:endParaRPr lang="hu-HU" sz="1400" b="1" dirty="0" smtClean="0">
+              <a:t>9/12</a:t>
+            </a:r>
+            <a:endParaRPr lang="hu-HU" b="1" dirty="0">
               <a:solidFill>
                 <a:schemeClr val="accent1">
                   <a:lumMod val="75000"/>
@@ -5779,16 +6126,6 @@
   <p:clrMapOvr>
     <a:masterClrMapping/>
   </p:clrMapOvr>
-  <p:transition>
-    <p:wipe dir="r"/>
-  </p:transition>
-  <p:timing>
-    <p:tnLst>
-      <p:par>
-        <p:cTn id="1" dur="indefinite" restart="never" nodeType="tmRoot"/>
-      </p:par>
-    </p:tnLst>
-  </p:timing>
 </p:sld>
 </file>
 
@@ -5821,22 +6158,76 @@
         </p:nvSpPr>
         <p:spPr/>
         <p:txBody>
-          <a:bodyPr>
-            <a:normAutofit/>
-          </a:bodyPr>
+          <a:bodyPr/>
           <a:lstStyle/>
           <a:p>
             <a:pPr algn="ctr"/>
             <a:r>
-              <a:rPr lang="hu-HU" sz="4400" dirty="0" smtClean="0"/>
-              <a:t>Jövőbeli tervek</a:t>
-            </a:r>
+              <a:rPr lang="hu-HU" dirty="0" smtClean="0"/>
+              <a:t>Célkitűzések</a:t>
+            </a:r>
+            <a:endParaRPr lang="hu-HU" dirty="0"/>
+          </a:p>
+        </p:txBody>
+      </p:sp>
+      <p:sp>
+        <p:nvSpPr>
+          <p:cNvPr id="3" name="Tartalom helye 2"/>
+          <p:cNvSpPr>
+            <a:spLocks noGrp="1"/>
+          </p:cNvSpPr>
+          <p:nvPr>
+            <p:ph idx="1"/>
+          </p:nvPr>
+        </p:nvSpPr>
+        <p:spPr/>
+        <p:txBody>
+          <a:bodyPr/>
+          <a:lstStyle/>
+          <a:p>
+            <a:r>
+              <a:rPr lang="hu-HU" dirty="0" smtClean="0"/>
+              <a:t>Alapfunkciók elkészítése</a:t>
+            </a:r>
+          </a:p>
+          <a:p>
+            <a:r>
+              <a:rPr lang="hu-HU" dirty="0" smtClean="0"/>
+              <a:t>Hiányzó funkciók kidolgozása</a:t>
+            </a:r>
+          </a:p>
+          <a:p>
+            <a:r>
+              <a:rPr lang="hu-HU" dirty="0" smtClean="0"/>
+              <a:t>Hibakezelések rendes kidolgozása</a:t>
+            </a:r>
+          </a:p>
+          <a:p>
+            <a:r>
+              <a:rPr lang="hu-HU" dirty="0" smtClean="0"/>
+              <a:t>Látványvilág kidolgozása</a:t>
+            </a:r>
+          </a:p>
+          <a:p>
+            <a:r>
+              <a:rPr lang="hu-HU" dirty="0" smtClean="0"/>
+              <a:t>Az adatbázis feltöltése</a:t>
+            </a:r>
+          </a:p>
+          <a:p>
+            <a:r>
+              <a:rPr lang="hu-HU" dirty="0" smtClean="0"/>
+              <a:t>Tesztelés</a:t>
+            </a:r>
+          </a:p>
+          <a:p>
+            <a:endParaRPr lang="hu-HU" dirty="0"/>
           </a:p>
         </p:txBody>
       </p:sp>
       <p:pic>
         <p:nvPicPr>
-          <p:cNvPr id="1026" name="Picture 2" descr="C:\Users\Tündi\AppData\Local\Microsoft\Windows\INetCache\IE\BU3O89E5\QR-Code-PNG-Free-Image[1].png"/>
+          <p:cNvPr id="6149" name="Picture 5" descr="C:\Users\Tündi\AppData\Local\Microsoft\Windows\INetCache\IE\GJGOM1UQ\location-and-destination-icons[1].png"/>
           <p:cNvPicPr>
             <a:picLocks noChangeAspect="1" noChangeArrowheads="1"/>
           </p:cNvPicPr>
@@ -5851,8 +6242,8 @@
         </p:blipFill>
         <p:spPr bwMode="auto">
           <a:xfrm>
-            <a:off x="827584" y="1628800"/>
-            <a:ext cx="3048000" cy="3048000"/>
+            <a:off x="5652120" y="3429000"/>
+            <a:ext cx="2773735" cy="2773733"/>
           </a:xfrm>
           <a:prstGeom prst="rect">
             <a:avLst/>
@@ -5860,35 +6251,9 @@
           <a:noFill/>
         </p:spPr>
       </p:pic>
-      <p:pic>
-        <p:nvPicPr>
-          <p:cNvPr id="1027" name="Picture 3" descr="C:\Users\Tündi\AppData\Local\Microsoft\Windows\INetCache\IE\UPXUB5VT\android_logo_PNG27[1].png"/>
-          <p:cNvPicPr>
-            <a:picLocks noChangeAspect="1" noChangeArrowheads="1"/>
-          </p:cNvPicPr>
-          <p:nvPr/>
-        </p:nvPicPr>
-        <p:blipFill>
-          <a:blip r:embed="rId4" cstate="print"/>
-          <a:srcRect/>
-          <a:stretch>
-            <a:fillRect/>
-          </a:stretch>
-        </p:blipFill>
-        <p:spPr bwMode="auto">
-          <a:xfrm>
-            <a:off x="4788024" y="2780928"/>
-            <a:ext cx="3507755" cy="3507755"/>
-          </a:xfrm>
-          <a:prstGeom prst="rect">
-            <a:avLst/>
-          </a:prstGeom>
-          <a:noFill/>
-        </p:spPr>
-      </p:pic>
-      <p:sp>
-        <p:nvSpPr>
-          <p:cNvPr id="8" name="Dia számának helye 3"/>
+      <p:sp>
+        <p:nvSpPr>
+          <p:cNvPr id="9" name="Dia számának helye 3"/>
           <p:cNvSpPr>
             <a:spLocks noGrp="1"/>
           </p:cNvSpPr>
@@ -5914,15 +6279,8 @@
                   </a:schemeClr>
                 </a:solidFill>
               </a:rPr>
-              <a:t>11/12</a:t>
-            </a:r>
-            <a:endParaRPr lang="hu-HU" sz="1400" b="1" dirty="0">
-              <a:solidFill>
-                <a:schemeClr val="accent1">
-                  <a:lumMod val="75000"/>
-                </a:schemeClr>
-              </a:solidFill>
-            </a:endParaRPr>
+              <a:t>10/12</a:t>
+            </a:r>
           </a:p>
         </p:txBody>
       </p:sp>
@@ -5932,7 +6290,7 @@
     <a:masterClrMapping/>
   </p:clrMapOvr>
   <p:transition>
-    <p:wipe dir="u"/>
+    <p:wipe dir="r"/>
   </p:transition>
   <p:timing>
     <p:tnLst>
@@ -5973,122 +6331,74 @@
         </p:nvSpPr>
         <p:spPr/>
         <p:txBody>
-          <a:bodyPr/>
-          <a:lstStyle/>
-          <a:p>
-            <a:r>
-              <a:rPr lang="hu-HU" dirty="0" smtClean="0"/>
-              <a:t>Összefoglalás</a:t>
-            </a:r>
-            <a:endParaRPr lang="hu-HU" dirty="0"/>
-          </a:p>
-        </p:txBody>
-      </p:sp>
-      <p:sp>
-        <p:nvSpPr>
-          <p:cNvPr id="3" name="Tartalom helye 2"/>
-          <p:cNvSpPr>
-            <a:spLocks noGrp="1"/>
-          </p:cNvSpPr>
-          <p:nvPr>
-            <p:ph idx="1"/>
-          </p:nvPr>
-        </p:nvSpPr>
-        <p:spPr/>
-        <p:txBody>
           <a:bodyPr>
-            <a:normAutofit fontScale="92500" lnSpcReduction="10000"/>
+            <a:normAutofit/>
           </a:bodyPr>
           <a:lstStyle/>
           <a:p>
-            <a:r>
-              <a:rPr lang="hu-HU" sz="2800" dirty="0" smtClean="0"/>
-              <a:t>A választott nyelv és környezet</a:t>
-            </a:r>
-          </a:p>
-          <a:p>
-            <a:r>
-              <a:rPr lang="hu-HU" sz="2800" dirty="0" smtClean="0"/>
-              <a:t>A program</a:t>
-            </a:r>
-            <a:endParaRPr lang="hu-HU" sz="2800" dirty="0" smtClean="0"/>
-          </a:p>
-          <a:p>
-            <a:r>
-              <a:rPr lang="hu-HU" sz="2800" dirty="0" smtClean="0"/>
-              <a:t>Az alkalmazás alapfunkciói:</a:t>
-            </a:r>
-          </a:p>
-          <a:p>
-            <a:pPr lvl="1"/>
-            <a:r>
-              <a:rPr lang="hu-HU" sz="2400" dirty="0" smtClean="0"/>
-              <a:t>Eladás</a:t>
-            </a:r>
-          </a:p>
-          <a:p>
-            <a:pPr lvl="1"/>
-            <a:r>
-              <a:rPr lang="hu-HU" sz="2400" dirty="0" smtClean="0"/>
-              <a:t>Törzsvásárlók</a:t>
-            </a:r>
-          </a:p>
-          <a:p>
-            <a:pPr lvl="1"/>
-            <a:r>
-              <a:rPr lang="hu-HU" sz="2400" dirty="0" smtClean="0"/>
-              <a:t>Könyvkezelő</a:t>
-            </a:r>
-          </a:p>
-          <a:p>
-            <a:pPr lvl="1"/>
-            <a:r>
-              <a:rPr lang="hu-HU" sz="2400" dirty="0" smtClean="0"/>
-              <a:t>Kívánság lista</a:t>
-            </a:r>
-          </a:p>
-          <a:p>
-            <a:pPr lvl="1"/>
-            <a:r>
-              <a:rPr lang="hu-HU" sz="2400" dirty="0" smtClean="0"/>
-              <a:t>Kimutatások</a:t>
-            </a:r>
-          </a:p>
-          <a:p>
-            <a:r>
-              <a:rPr lang="hu-HU" sz="2800" dirty="0" smtClean="0"/>
-              <a:t>Az adatbázis</a:t>
-            </a:r>
-          </a:p>
-          <a:p>
-            <a:r>
-              <a:rPr lang="hu-HU" sz="2800" dirty="0" smtClean="0"/>
-              <a:t>Célkitűzések</a:t>
-            </a:r>
-            <a:endParaRPr lang="hu-HU" sz="2800" dirty="0" smtClean="0"/>
-          </a:p>
-          <a:p>
-            <a:r>
-              <a:rPr lang="hu-HU" sz="2800" dirty="0" smtClean="0"/>
-              <a:t>Jövőbeli</a:t>
-            </a:r>
-            <a:r>
-              <a:rPr lang="hu-HU" sz="2800" dirty="0" smtClean="0"/>
-              <a:t> </a:t>
-            </a:r>
-            <a:r>
-              <a:rPr lang="hu-HU" sz="2800" dirty="0" smtClean="0"/>
-              <a:t>tervek</a:t>
-            </a:r>
-          </a:p>
-          <a:p>
-            <a:endParaRPr lang="hu-HU" sz="2800" dirty="0" smtClean="0"/>
-          </a:p>
-        </p:txBody>
-      </p:sp>
-      <p:sp>
-        <p:nvSpPr>
-          <p:cNvPr id="4" name="Dia számának helye 3"/>
+            <a:pPr algn="ctr"/>
+            <a:r>
+              <a:rPr lang="hu-HU" sz="4400" dirty="0" smtClean="0"/>
+              <a:t>Jövőbeli tervek</a:t>
+            </a:r>
+          </a:p>
+        </p:txBody>
+      </p:sp>
+      <p:pic>
+        <p:nvPicPr>
+          <p:cNvPr id="1026" name="Picture 2" descr="C:\Users\Tündi\AppData\Local\Microsoft\Windows\INetCache\IE\BU3O89E5\QR-Code-PNG-Free-Image[1].png"/>
+          <p:cNvPicPr>
+            <a:picLocks noChangeAspect="1" noChangeArrowheads="1"/>
+          </p:cNvPicPr>
+          <p:nvPr/>
+        </p:nvPicPr>
+        <p:blipFill>
+          <a:blip r:embed="rId3" cstate="print"/>
+          <a:srcRect/>
+          <a:stretch>
+            <a:fillRect/>
+          </a:stretch>
+        </p:blipFill>
+        <p:spPr bwMode="auto">
+          <a:xfrm>
+            <a:off x="827584" y="1628800"/>
+            <a:ext cx="3048000" cy="3048000"/>
+          </a:xfrm>
+          <a:prstGeom prst="rect">
+            <a:avLst/>
+          </a:prstGeom>
+          <a:noFill/>
+        </p:spPr>
+      </p:pic>
+      <p:pic>
+        <p:nvPicPr>
+          <p:cNvPr id="1027" name="Picture 3" descr="C:\Users\Tündi\AppData\Local\Microsoft\Windows\INetCache\IE\UPXUB5VT\android_logo_PNG27[1].png"/>
+          <p:cNvPicPr>
+            <a:picLocks noChangeAspect="1" noChangeArrowheads="1"/>
+          </p:cNvPicPr>
+          <p:nvPr/>
+        </p:nvPicPr>
+        <p:blipFill>
+          <a:blip r:embed="rId4" cstate="print"/>
+          <a:srcRect/>
+          <a:stretch>
+            <a:fillRect/>
+          </a:stretch>
+        </p:blipFill>
+        <p:spPr bwMode="auto">
+          <a:xfrm>
+            <a:off x="4788024" y="2780928"/>
+            <a:ext cx="3507755" cy="3507755"/>
+          </a:xfrm>
+          <a:prstGeom prst="rect">
+            <a:avLst/>
+          </a:prstGeom>
+          <a:noFill/>
+        </p:spPr>
+      </p:pic>
+      <p:sp>
+        <p:nvSpPr>
+          <p:cNvPr id="8" name="Dia számának helye 3"/>
           <p:cNvSpPr>
             <a:spLocks noGrp="1"/>
           </p:cNvSpPr>
@@ -6098,8 +6408,8 @@
         </p:nvSpPr>
         <p:spPr>
           <a:xfrm>
-            <a:off x="7596336" y="6381328"/>
-            <a:ext cx="864096" cy="301752"/>
+            <a:off x="7589520" y="6480969"/>
+            <a:ext cx="870912" cy="301752"/>
           </a:xfrm>
         </p:spPr>
         <p:txBody>
@@ -6114,19 +6424,9 @@
                   </a:schemeClr>
                 </a:solidFill>
               </a:rPr>
-              <a:t>12/</a:t>
-            </a:r>
-            <a:r>
-              <a:rPr lang="hu-HU" sz="1400" b="1" dirty="0" err="1" smtClean="0">
-                <a:solidFill>
-                  <a:schemeClr val="accent1">
-                    <a:lumMod val="75000"/>
-                  </a:schemeClr>
-                </a:solidFill>
-              </a:rPr>
-              <a:t>12</a:t>
-            </a:r>
-            <a:endParaRPr lang="hu-HU" b="1" dirty="0">
+              <a:t>11/12</a:t>
+            </a:r>
+            <a:endParaRPr lang="hu-HU" sz="1400" b="1" dirty="0">
               <a:solidFill>
                 <a:schemeClr val="accent1">
                   <a:lumMod val="75000"/>
@@ -6241,85 +6541,117 @@
           <a:bodyPr/>
           <a:lstStyle/>
           <a:p>
-            <a:pPr algn="ctr"/>
             <a:r>
               <a:rPr lang="hu-HU" dirty="0" smtClean="0"/>
+              <a:t>Összefoglalás</a:t>
+            </a:r>
+            <a:endParaRPr lang="hu-HU" dirty="0"/>
+          </a:p>
+        </p:txBody>
+      </p:sp>
+      <p:sp>
+        <p:nvSpPr>
+          <p:cNvPr id="3" name="Tartalom helye 2"/>
+          <p:cNvSpPr>
+            <a:spLocks noGrp="1"/>
+          </p:cNvSpPr>
+          <p:nvPr>
+            <p:ph idx="1"/>
+          </p:nvPr>
+        </p:nvSpPr>
+        <p:spPr/>
+        <p:txBody>
+          <a:bodyPr>
+            <a:normAutofit fontScale="92500" lnSpcReduction="10000"/>
+          </a:bodyPr>
+          <a:lstStyle/>
+          <a:p>
+            <a:r>
+              <a:rPr lang="hu-HU" sz="2800" dirty="0" smtClean="0"/>
               <a:t>A választott nyelv és környezet</a:t>
             </a:r>
-            <a:endParaRPr lang="hu-HU" dirty="0"/>
-          </a:p>
-        </p:txBody>
-      </p:sp>
-      <p:pic>
-        <p:nvPicPr>
-          <p:cNvPr id="1026" name="Picture 2" descr="C:\Users\Tündi\AppData\Local\Microsoft\Windows\INetCache\IE\TGSB1RNV\Visual_Studio_2017_logo_and_wordmark.svg[1].png"/>
-          <p:cNvPicPr>
-            <a:picLocks noChangeAspect="1" noChangeArrowheads="1"/>
-          </p:cNvPicPr>
-          <p:nvPr/>
-        </p:nvPicPr>
-        <p:blipFill>
-          <a:blip r:embed="rId3" cstate="print">
-            <a:duotone>
-              <a:schemeClr val="accent2">
-                <a:shade val="45000"/>
-                <a:satMod val="135000"/>
-              </a:schemeClr>
-              <a:prstClr val="white"/>
-            </a:duotone>
-            <a:lum bright="-30000" contrast="20000"/>
-          </a:blip>
-          <a:srcRect/>
-          <a:stretch>
-            <a:fillRect/>
-          </a:stretch>
-        </p:blipFill>
-        <p:spPr bwMode="auto">
-          <a:xfrm>
-            <a:off x="1356758" y="5373216"/>
-            <a:ext cx="6430485" cy="1080120"/>
-          </a:xfrm>
-          <a:prstGeom prst="rect">
-            <a:avLst/>
-          </a:prstGeom>
-          <a:noFill/>
-        </p:spPr>
-      </p:pic>
-      <p:pic>
-        <p:nvPicPr>
-          <p:cNvPr id="10" name="Tartalom helye 9" descr="c#.png"/>
-          <p:cNvPicPr>
-            <a:picLocks noGrp="1" noChangeAspect="1"/>
-          </p:cNvPicPr>
-          <p:nvPr>
-            <p:ph idx="1"/>
-          </p:nvPr>
-        </p:nvPicPr>
-        <p:blipFill>
-          <a:blip r:embed="rId4" cstate="print">
-            <a:duotone>
-              <a:schemeClr val="accent1">
-                <a:shade val="45000"/>
-                <a:satMod val="135000"/>
-              </a:schemeClr>
-              <a:prstClr val="white"/>
-            </a:duotone>
-            <a:lum bright="-10000" contrast="-10000"/>
-          </a:blip>
-          <a:stretch>
-            <a:fillRect/>
-          </a:stretch>
-        </p:blipFill>
-        <p:spPr>
-          <a:xfrm>
-            <a:off x="3300235" y="2000051"/>
-            <a:ext cx="2543530" cy="2857899"/>
-          </a:xfrm>
-        </p:spPr>
-      </p:pic>
-      <p:sp>
-        <p:nvSpPr>
-          <p:cNvPr id="9" name="Dia számának helye 3"/>
+          </a:p>
+          <a:p>
+            <a:r>
+              <a:rPr lang="hu-HU" sz="2800" dirty="0" smtClean="0"/>
+              <a:t>A program</a:t>
+            </a:r>
+          </a:p>
+          <a:p>
+            <a:r>
+              <a:rPr lang="hu-HU" sz="2800" dirty="0" smtClean="0"/>
+              <a:t>Az alkalmazás </a:t>
+            </a:r>
+            <a:r>
+              <a:rPr lang="hu-HU" sz="2800" dirty="0" smtClean="0"/>
+              <a:t>funkciói</a:t>
+            </a:r>
+            <a:r>
+              <a:rPr lang="hu-HU" sz="2800" dirty="0" smtClean="0"/>
+              <a:t>:</a:t>
+            </a:r>
+          </a:p>
+          <a:p>
+            <a:pPr lvl="1"/>
+            <a:r>
+              <a:rPr lang="hu-HU" sz="2400" dirty="0" smtClean="0"/>
+              <a:t>Eladás</a:t>
+            </a:r>
+          </a:p>
+          <a:p>
+            <a:pPr lvl="1"/>
+            <a:r>
+              <a:rPr lang="hu-HU" sz="2400" dirty="0" smtClean="0"/>
+              <a:t>Törzsvásárlók</a:t>
+            </a:r>
+          </a:p>
+          <a:p>
+            <a:pPr lvl="1"/>
+            <a:r>
+              <a:rPr lang="hu-HU" sz="2400" dirty="0" smtClean="0"/>
+              <a:t>Könyvkezelő</a:t>
+            </a:r>
+          </a:p>
+          <a:p>
+            <a:pPr lvl="1"/>
+            <a:r>
+              <a:rPr lang="hu-HU" sz="2400" dirty="0" smtClean="0"/>
+              <a:t>Kívánság lista</a:t>
+            </a:r>
+          </a:p>
+          <a:p>
+            <a:pPr lvl="1"/>
+            <a:r>
+              <a:rPr lang="hu-HU" sz="2400" dirty="0" smtClean="0"/>
+              <a:t>Kimutatások</a:t>
+            </a:r>
+          </a:p>
+          <a:p>
+            <a:r>
+              <a:rPr lang="hu-HU" sz="2800" dirty="0" smtClean="0"/>
+              <a:t>Az adatbázis</a:t>
+            </a:r>
+          </a:p>
+          <a:p>
+            <a:r>
+              <a:rPr lang="hu-HU" sz="2800" dirty="0" smtClean="0"/>
+              <a:t>Célkitűzések</a:t>
+            </a:r>
+          </a:p>
+          <a:p>
+            <a:r>
+              <a:rPr lang="hu-HU" sz="2800" dirty="0" smtClean="0"/>
+              <a:t>Jövőbeli tervek</a:t>
+            </a:r>
+          </a:p>
+          <a:p>
+            <a:endParaRPr lang="hu-HU" sz="2800" dirty="0" smtClean="0"/>
+          </a:p>
+        </p:txBody>
+      </p:sp>
+      <p:sp>
+        <p:nvSpPr>
+          <p:cNvPr id="4" name="Dia számának helye 3"/>
           <p:cNvSpPr>
             <a:spLocks noGrp="1"/>
           </p:cNvSpPr>
@@ -6329,8 +6661,8 @@
         </p:nvSpPr>
         <p:spPr>
           <a:xfrm>
-            <a:off x="7589520" y="6453336"/>
-            <a:ext cx="654888" cy="301752"/>
+            <a:off x="7596336" y="6381328"/>
+            <a:ext cx="864096" cy="301752"/>
           </a:xfrm>
         </p:spPr>
         <p:txBody>
@@ -6345,19 +6677,19 @@
                   </a:schemeClr>
                 </a:solidFill>
               </a:rPr>
-              <a:t>1</a:t>
-            </a:r>
-            <a:r>
-              <a:rPr lang="hu-HU" sz="1400" b="1" dirty="0" smtClean="0">
+              <a:t>12/</a:t>
+            </a:r>
+            <a:r>
+              <a:rPr lang="hu-HU" sz="1400" b="1" dirty="0" err="1" smtClean="0">
                 <a:solidFill>
                   <a:schemeClr val="accent1">
                     <a:lumMod val="75000"/>
                   </a:schemeClr>
                 </a:solidFill>
               </a:rPr>
-              <a:t>/12</a:t>
-            </a:r>
-            <a:endParaRPr lang="hu-HU" sz="1400" b="1" dirty="0" smtClean="0">
+              <a:t>12</a:t>
+            </a:r>
+            <a:endParaRPr lang="hu-HU" b="1" dirty="0">
               <a:solidFill>
                 <a:schemeClr val="accent1">
                   <a:lumMod val="75000"/>
@@ -6373,7 +6705,7 @@
     <a:masterClrMapping/>
   </p:clrMapOvr>
   <p:transition>
-    <p:wipe/>
+    <p:wipe dir="u"/>
   </p:transition>
   <p:timing>
     <p:tnLst>
@@ -6414,23 +6746,88 @@
         </p:nvSpPr>
         <p:spPr/>
         <p:txBody>
-          <a:bodyPr>
-            <a:normAutofit/>
-          </a:bodyPr>
+          <a:bodyPr/>
           <a:lstStyle/>
           <a:p>
             <a:pPr algn="ctr"/>
             <a:r>
-              <a:rPr lang="hu-HU" sz="4400" dirty="0" smtClean="0"/>
-              <a:t>A program</a:t>
+              <a:rPr lang="hu-HU" dirty="0" smtClean="0"/>
+              <a:t>A választott nyelv és környezet</a:t>
             </a:r>
             <a:endParaRPr lang="hu-HU" dirty="0"/>
           </a:p>
         </p:txBody>
       </p:sp>
-      <p:sp>
-        <p:nvSpPr>
-          <p:cNvPr id="5" name="Dia számának helye 3"/>
+      <p:pic>
+        <p:nvPicPr>
+          <p:cNvPr id="1026" name="Picture 2" descr="C:\Users\Tündi\AppData\Local\Microsoft\Windows\INetCache\IE\TGSB1RNV\Visual_Studio_2017_logo_and_wordmark.svg[1].png"/>
+          <p:cNvPicPr>
+            <a:picLocks noChangeAspect="1" noChangeArrowheads="1"/>
+          </p:cNvPicPr>
+          <p:nvPr/>
+        </p:nvPicPr>
+        <p:blipFill>
+          <a:blip r:embed="rId3" cstate="print">
+            <a:duotone>
+              <a:schemeClr val="accent2">
+                <a:shade val="45000"/>
+                <a:satMod val="135000"/>
+              </a:schemeClr>
+              <a:prstClr val="white"/>
+            </a:duotone>
+            <a:lum bright="-30000" contrast="20000"/>
+          </a:blip>
+          <a:srcRect/>
+          <a:stretch>
+            <a:fillRect/>
+          </a:stretch>
+        </p:blipFill>
+        <p:spPr bwMode="auto">
+          <a:xfrm>
+            <a:off x="1356758" y="5373216"/>
+            <a:ext cx="6430485" cy="1080120"/>
+          </a:xfrm>
+          <a:prstGeom prst="rect">
+            <a:avLst/>
+          </a:prstGeom>
+          <a:noFill/>
+        </p:spPr>
+      </p:pic>
+      <p:pic>
+        <p:nvPicPr>
+          <p:cNvPr id="10" name="Tartalom helye 9" descr="c#.png"/>
+          <p:cNvPicPr>
+            <a:picLocks noGrp="1" noChangeAspect="1"/>
+          </p:cNvPicPr>
+          <p:nvPr>
+            <p:ph idx="1"/>
+          </p:nvPr>
+        </p:nvPicPr>
+        <p:blipFill>
+          <a:blip r:embed="rId4" cstate="print">
+            <a:duotone>
+              <a:schemeClr val="accent1">
+                <a:shade val="45000"/>
+                <a:satMod val="135000"/>
+              </a:schemeClr>
+              <a:prstClr val="white"/>
+            </a:duotone>
+            <a:lum bright="-10000" contrast="-10000"/>
+          </a:blip>
+          <a:stretch>
+            <a:fillRect/>
+          </a:stretch>
+        </p:blipFill>
+        <p:spPr>
+          <a:xfrm>
+            <a:off x="3300235" y="2000051"/>
+            <a:ext cx="2543530" cy="2857899"/>
+          </a:xfrm>
+        </p:spPr>
+      </p:pic>
+      <p:sp>
+        <p:nvSpPr>
+          <p:cNvPr id="9" name="Dia számának helye 3"/>
           <p:cNvSpPr>
             <a:spLocks noGrp="1"/>
           </p:cNvSpPr>
@@ -6440,7 +6837,7 @@
         </p:nvSpPr>
         <p:spPr>
           <a:xfrm>
-            <a:off x="7589520" y="6480969"/>
+            <a:off x="7589520" y="6453336"/>
             <a:ext cx="654888" cy="301752"/>
           </a:xfrm>
         </p:spPr>
@@ -6456,59 +6853,19 @@
                   </a:schemeClr>
                 </a:solidFill>
               </a:rPr>
-              <a:t>2</a:t>
-            </a:r>
-            <a:r>
-              <a:rPr lang="hu-HU" sz="1400" b="1" dirty="0" smtClean="0">
-                <a:solidFill>
-                  <a:schemeClr val="accent1">
-                    <a:lumMod val="75000"/>
-                  </a:schemeClr>
-                </a:solidFill>
-              </a:rPr>
-              <a:t>/12</a:t>
-            </a:r>
-            <a:endParaRPr lang="hu-HU" sz="1400" b="1" dirty="0" smtClean="0">
-              <a:solidFill>
-                <a:schemeClr val="accent1">
-                  <a:lumMod val="75000"/>
-                </a:schemeClr>
-              </a:solidFill>
-            </a:endParaRPr>
-          </a:p>
-        </p:txBody>
-      </p:sp>
-      <p:pic>
-        <p:nvPicPr>
-          <p:cNvPr id="1026" name="Picture 2" descr="C:\Users\Tündi\AppData\Local\Microsoft\Windows\INetCache\IE\TGSB1RNV\Antiquarian-Books-Book-Market-Old-Books-Book-2273570[1].jpg"/>
-          <p:cNvPicPr>
-            <a:picLocks noChangeAspect="1" noChangeArrowheads="1"/>
-          </p:cNvPicPr>
-          <p:nvPr/>
-        </p:nvPicPr>
-        <p:blipFill>
-          <a:blip r:embed="rId3" cstate="print"/>
-          <a:srcRect/>
-          <a:stretch>
-            <a:fillRect/>
-          </a:stretch>
-        </p:blipFill>
-        <p:spPr bwMode="auto">
-          <a:xfrm>
-            <a:off x="1151620" y="1484784"/>
-            <a:ext cx="6840760" cy="4553084"/>
-          </a:xfrm>
-          <a:prstGeom prst="rect">
-            <a:avLst/>
-          </a:prstGeom>
-          <a:noFill/>
-        </p:spPr>
-      </p:pic>
+              <a:t>1/12</a:t>
+            </a:r>
+          </a:p>
+        </p:txBody>
+      </p:sp>
     </p:spTree>
   </p:cSld>
   <p:clrMapOvr>
     <a:masterClrMapping/>
   </p:clrMapOvr>
+  <p:transition>
+    <p:wipe/>
+  </p:transition>
   <p:timing>
     <p:tnLst>
       <p:par>
@@ -6538,37 +6895,33 @@
       </p:grpSpPr>
       <p:sp>
         <p:nvSpPr>
-          <p:cNvPr id="5" name="Cím 4"/>
-          <p:cNvSpPr>
-            <a:spLocks noGrp="1"/>
-          </p:cNvSpPr>
-          <p:nvPr>
-            <p:ph type="ctrTitle"/>
-          </p:nvPr>
-        </p:nvSpPr>
-        <p:spPr>
-          <a:xfrm>
-            <a:off x="539552" y="1916832"/>
-            <a:ext cx="8062912" cy="2076648"/>
-          </a:xfrm>
-        </p:spPr>
+          <p:cNvPr id="2" name="Cím 1"/>
+          <p:cNvSpPr>
+            <a:spLocks noGrp="1"/>
+          </p:cNvSpPr>
+          <p:nvPr>
+            <p:ph type="title"/>
+          </p:nvPr>
+        </p:nvSpPr>
+        <p:spPr/>
         <p:txBody>
           <a:bodyPr>
             <a:normAutofit/>
           </a:bodyPr>
           <a:lstStyle/>
           <a:p>
-            <a:r>
-              <a:rPr lang="hu-HU" sz="5400" dirty="0" smtClean="0"/>
-              <a:t>AZ ALKALMAZÁS ALAP FUNKCIÓI</a:t>
-            </a:r>
-            <a:endParaRPr lang="hu-HU" sz="5400" b="1" dirty="0"/>
-          </a:p>
-        </p:txBody>
-      </p:sp>
-      <p:sp>
-        <p:nvSpPr>
-          <p:cNvPr id="8" name="Dia számának helye 3"/>
+            <a:pPr algn="ctr"/>
+            <a:r>
+              <a:rPr lang="hu-HU" sz="4400" dirty="0" smtClean="0"/>
+              <a:t>A program</a:t>
+            </a:r>
+            <a:endParaRPr lang="hu-HU" dirty="0"/>
+          </a:p>
+        </p:txBody>
+      </p:sp>
+      <p:sp>
+        <p:nvSpPr>
+          <p:cNvPr id="5" name="Dia számának helye 3"/>
           <p:cNvSpPr>
             <a:spLocks noGrp="1"/>
           </p:cNvSpPr>
@@ -6578,7 +6931,7 @@
         </p:nvSpPr>
         <p:spPr>
           <a:xfrm>
-            <a:off x="8244408" y="5733256"/>
+            <a:off x="7589520" y="6480969"/>
             <a:ext cx="654888" cy="301752"/>
           </a:xfrm>
         </p:spPr>
@@ -6587,29 +6940,44 @@
           <a:lstStyle/>
           <a:p>
             <a:r>
-              <a:rPr lang="hu-HU" b="1" dirty="0" smtClean="0">
+              <a:rPr lang="hu-HU" sz="1400" b="1" dirty="0" smtClean="0">
                 <a:solidFill>
-                  <a:schemeClr val="tx1"/>
+                  <a:schemeClr val="accent1">
+                    <a:lumMod val="75000"/>
+                  </a:schemeClr>
                 </a:solidFill>
               </a:rPr>
-              <a:t>3</a:t>
-            </a:r>
-            <a:r>
-              <a:rPr lang="hu-HU" b="1" dirty="0" smtClean="0">
-                <a:solidFill>
-                  <a:schemeClr val="tx1"/>
-                </a:solidFill>
-              </a:rPr>
-              <a:t>/12</a:t>
-            </a:r>
-            <a:endParaRPr lang="hu-HU" b="1" dirty="0" smtClean="0">
-              <a:solidFill>
-                <a:schemeClr val="tx1"/>
-              </a:solidFill>
-            </a:endParaRPr>
-          </a:p>
-        </p:txBody>
-      </p:sp>
+              <a:t>2/12</a:t>
+            </a:r>
+          </a:p>
+        </p:txBody>
+      </p:sp>
+      <p:pic>
+        <p:nvPicPr>
+          <p:cNvPr id="1026" name="Picture 2" descr="C:\Users\Tündi\AppData\Local\Microsoft\Windows\INetCache\IE\TGSB1RNV\Antiquarian-Books-Book-Market-Old-Books-Book-2273570[1].jpg"/>
+          <p:cNvPicPr>
+            <a:picLocks noChangeAspect="1" noChangeArrowheads="1"/>
+          </p:cNvPicPr>
+          <p:nvPr/>
+        </p:nvPicPr>
+        <p:blipFill>
+          <a:blip r:embed="rId3" cstate="print"/>
+          <a:srcRect/>
+          <a:stretch>
+            <a:fillRect/>
+          </a:stretch>
+        </p:blipFill>
+        <p:spPr bwMode="auto">
+          <a:xfrm>
+            <a:off x="1151620" y="1484784"/>
+            <a:ext cx="6840760" cy="4553084"/>
+          </a:xfrm>
+          <a:prstGeom prst="rect">
+            <a:avLst/>
+          </a:prstGeom>
+          <a:noFill/>
+        </p:spPr>
+      </p:pic>
     </p:spTree>
   </p:cSld>
   <p:clrMapOvr>
@@ -6644,6 +7012,107 @@
       </p:grpSpPr>
       <p:sp>
         <p:nvSpPr>
+          <p:cNvPr id="5" name="Cím 4"/>
+          <p:cNvSpPr>
+            <a:spLocks noGrp="1"/>
+          </p:cNvSpPr>
+          <p:nvPr>
+            <p:ph type="ctrTitle"/>
+          </p:nvPr>
+        </p:nvSpPr>
+        <p:spPr>
+          <a:xfrm>
+            <a:off x="539552" y="1916832"/>
+            <a:ext cx="8062912" cy="2076648"/>
+          </a:xfrm>
+        </p:spPr>
+        <p:txBody>
+          <a:bodyPr>
+            <a:normAutofit/>
+          </a:bodyPr>
+          <a:lstStyle/>
+          <a:p>
+            <a:r>
+              <a:rPr lang="hu-HU" sz="5400" dirty="0" smtClean="0"/>
+              <a:t>AZ </a:t>
+            </a:r>
+            <a:r>
+              <a:rPr lang="hu-HU" sz="5400" dirty="0" smtClean="0"/>
+              <a:t>ALKALMAZÁS </a:t>
+            </a:r>
+            <a:r>
+              <a:rPr lang="hu-HU" sz="5400" dirty="0" smtClean="0"/>
+              <a:t>FUNKCIÓI</a:t>
+            </a:r>
+            <a:endParaRPr lang="hu-HU" sz="5400" b="1" dirty="0"/>
+          </a:p>
+        </p:txBody>
+      </p:sp>
+      <p:sp>
+        <p:nvSpPr>
+          <p:cNvPr id="8" name="Dia számának helye 3"/>
+          <p:cNvSpPr>
+            <a:spLocks noGrp="1"/>
+          </p:cNvSpPr>
+          <p:nvPr>
+            <p:ph type="sldNum" sz="quarter" idx="12"/>
+          </p:nvPr>
+        </p:nvSpPr>
+        <p:spPr>
+          <a:xfrm>
+            <a:off x="8244408" y="5733256"/>
+            <a:ext cx="654888" cy="301752"/>
+          </a:xfrm>
+        </p:spPr>
+        <p:txBody>
+          <a:bodyPr/>
+          <a:lstStyle/>
+          <a:p>
+            <a:r>
+              <a:rPr lang="hu-HU" b="1" dirty="0" smtClean="0">
+                <a:solidFill>
+                  <a:schemeClr val="tx1"/>
+                </a:solidFill>
+              </a:rPr>
+              <a:t>3/12</a:t>
+            </a:r>
+          </a:p>
+        </p:txBody>
+      </p:sp>
+    </p:spTree>
+  </p:cSld>
+  <p:clrMapOvr>
+    <a:masterClrMapping/>
+  </p:clrMapOvr>
+  <p:timing>
+    <p:tnLst>
+      <p:par>
+        <p:cTn id="1" dur="indefinite" restart="never" nodeType="tmRoot"/>
+      </p:par>
+    </p:tnLst>
+  </p:timing>
+</p:sld>
+</file>
+
+<file path=ppt/slides/slide6.xml><?xml version="1.0" encoding="utf-8"?>
+<p:sld xmlns:a="http://schemas.openxmlformats.org/drawingml/2006/main" xmlns:r="http://schemas.openxmlformats.org/officeDocument/2006/relationships" xmlns:p="http://schemas.openxmlformats.org/presentationml/2006/main">
+  <p:cSld>
+    <p:spTree>
+      <p:nvGrpSpPr>
+        <p:cNvPr id="1" name=""/>
+        <p:cNvGrpSpPr/>
+        <p:nvPr/>
+      </p:nvGrpSpPr>
+      <p:grpSpPr>
+        <a:xfrm>
+          <a:off x="0" y="0"/>
+          <a:ext cx="0" cy="0"/>
+          <a:chOff x="0" y="0"/>
+          <a:chExt cx="0" cy="0"/>
+        </a:xfrm>
+      </p:grpSpPr>
+      <p:sp>
+        <p:nvSpPr>
           <p:cNvPr id="2" name="Cím 1"/>
           <p:cNvSpPr>
             <a:spLocks noGrp="1"/>
@@ -6735,17 +7204,7 @@
                   </a:schemeClr>
                 </a:solidFill>
               </a:rPr>
-              <a:t>4</a:t>
-            </a:r>
-            <a:r>
-              <a:rPr lang="hu-HU" sz="1400" b="1" dirty="0" smtClean="0">
-                <a:solidFill>
-                  <a:schemeClr val="accent1">
-                    <a:lumMod val="75000"/>
-                  </a:schemeClr>
-                </a:solidFill>
-              </a:rPr>
-              <a:t>/12</a:t>
+              <a:t>4/12</a:t>
             </a:r>
             <a:endParaRPr lang="hu-HU" b="1" dirty="0">
               <a:solidFill>
@@ -6775,7 +7234,7 @@
 </p:sld>
 </file>
 
-<file path=ppt/slides/slide6.xml><?xml version="1.0" encoding="utf-8"?>
+<file path=ppt/slides/slide7.xml><?xml version="1.0" encoding="utf-8"?>
 <p:sld xmlns:a="http://schemas.openxmlformats.org/drawingml/2006/main" xmlns:r="http://schemas.openxmlformats.org/officeDocument/2006/relationships" xmlns:p="http://schemas.openxmlformats.org/presentationml/2006/main">
   <p:cSld>
     <p:spTree>
@@ -6900,17 +7359,7 @@
                   </a:schemeClr>
                 </a:solidFill>
               </a:rPr>
-              <a:t>5</a:t>
-            </a:r>
-            <a:r>
-              <a:rPr lang="hu-HU" sz="1400" b="1" dirty="0" smtClean="0">
-                <a:solidFill>
-                  <a:schemeClr val="accent1">
-                    <a:lumMod val="75000"/>
-                  </a:schemeClr>
-                </a:solidFill>
-              </a:rPr>
-              <a:t>/12</a:t>
+              <a:t>5/12</a:t>
             </a:r>
             <a:endParaRPr lang="hu-HU" b="1" dirty="0">
               <a:solidFill>
@@ -6929,140 +7378,6 @@
   </p:clrMapOvr>
   <p:transition>
     <p:wipe dir="r"/>
-  </p:transition>
-  <p:timing>
-    <p:tnLst>
-      <p:par>
-        <p:cTn id="1" dur="indefinite" restart="never" nodeType="tmRoot"/>
-      </p:par>
-    </p:tnLst>
-  </p:timing>
-</p:sld>
-</file>
-
-<file path=ppt/slides/slide7.xml><?xml version="1.0" encoding="utf-8"?>
-<p:sld xmlns:a="http://schemas.openxmlformats.org/drawingml/2006/main" xmlns:r="http://schemas.openxmlformats.org/officeDocument/2006/relationships" xmlns:p="http://schemas.openxmlformats.org/presentationml/2006/main">
-  <p:cSld>
-    <p:spTree>
-      <p:nvGrpSpPr>
-        <p:cNvPr id="1" name=""/>
-        <p:cNvGrpSpPr/>
-        <p:nvPr/>
-      </p:nvGrpSpPr>
-      <p:grpSpPr>
-        <a:xfrm>
-          <a:off x="0" y="0"/>
-          <a:ext cx="0" cy="0"/>
-          <a:chOff x="0" y="0"/>
-          <a:chExt cx="0" cy="0"/>
-        </a:xfrm>
-      </p:grpSpPr>
-      <p:sp>
-        <p:nvSpPr>
-          <p:cNvPr id="2" name="Cím 1"/>
-          <p:cNvSpPr>
-            <a:spLocks noGrp="1"/>
-          </p:cNvSpPr>
-          <p:nvPr>
-            <p:ph type="title"/>
-          </p:nvPr>
-        </p:nvSpPr>
-        <p:spPr/>
-        <p:txBody>
-          <a:bodyPr>
-            <a:normAutofit/>
-          </a:bodyPr>
-          <a:lstStyle/>
-          <a:p>
-            <a:pPr algn="ctr"/>
-            <a:r>
-              <a:rPr lang="hu-HU" dirty="0" smtClean="0"/>
-              <a:t>Könyvkezelő</a:t>
-            </a:r>
-            <a:endParaRPr lang="hu-HU" dirty="0"/>
-          </a:p>
-        </p:txBody>
-      </p:sp>
-      <p:pic>
-        <p:nvPicPr>
-          <p:cNvPr id="5" name="Tartalom helye 4" descr="könyv kezelő.png"/>
-          <p:cNvPicPr>
-            <a:picLocks noGrp="1" noChangeAspect="1"/>
-          </p:cNvPicPr>
-          <p:nvPr>
-            <p:ph idx="1"/>
-          </p:nvPr>
-        </p:nvPicPr>
-        <p:blipFill>
-          <a:blip r:embed="rId3" cstate="print"/>
-          <a:stretch>
-            <a:fillRect/>
-          </a:stretch>
-        </p:blipFill>
-        <p:spPr>
-          <a:xfrm>
-            <a:off x="1221602" y="1916832"/>
-            <a:ext cx="6700797" cy="4572000"/>
-          </a:xfrm>
-        </p:spPr>
-      </p:pic>
-      <p:sp>
-        <p:nvSpPr>
-          <p:cNvPr id="10" name="Dia számának helye 3"/>
-          <p:cNvSpPr>
-            <a:spLocks noGrp="1"/>
-          </p:cNvSpPr>
-          <p:nvPr>
-            <p:ph type="sldNum" sz="quarter" idx="12"/>
-          </p:nvPr>
-        </p:nvSpPr>
-        <p:spPr>
-          <a:xfrm>
-            <a:off x="7589520" y="6480969"/>
-            <a:ext cx="654888" cy="301752"/>
-          </a:xfrm>
-        </p:spPr>
-        <p:txBody>
-          <a:bodyPr/>
-          <a:lstStyle/>
-          <a:p>
-            <a:r>
-              <a:rPr lang="hu-HU" sz="1400" b="1" dirty="0" smtClean="0">
-                <a:solidFill>
-                  <a:schemeClr val="accent1">
-                    <a:lumMod val="75000"/>
-                  </a:schemeClr>
-                </a:solidFill>
-              </a:rPr>
-              <a:t>6</a:t>
-            </a:r>
-            <a:r>
-              <a:rPr lang="hu-HU" sz="1400" b="1" dirty="0" smtClean="0">
-                <a:solidFill>
-                  <a:schemeClr val="accent1">
-                    <a:lumMod val="75000"/>
-                  </a:schemeClr>
-                </a:solidFill>
-              </a:rPr>
-              <a:t>/12</a:t>
-            </a:r>
-            <a:endParaRPr lang="hu-HU" b="1" dirty="0">
-              <a:solidFill>
-                <a:schemeClr val="accent1">
-                  <a:lumMod val="75000"/>
-                </a:schemeClr>
-              </a:solidFill>
-            </a:endParaRPr>
-          </a:p>
-        </p:txBody>
-      </p:sp>
-    </p:spTree>
-  </p:cSld>
-  <p:clrMapOvr>
-    <a:masterClrMapping/>
-  </p:clrMapOvr>
-  <p:transition>
-    <p:wipe dir="u"/>
   </p:transition>
   <p:timing>
     <p:tnLst>
@@ -7103,12 +7418,15 @@
         </p:nvSpPr>
         <p:spPr/>
         <p:txBody>
-          <a:bodyPr/>
-          <a:lstStyle/>
-          <a:p>
+          <a:bodyPr>
+            <a:normAutofit/>
+          </a:bodyPr>
+          <a:lstStyle/>
+          <a:p>
+            <a:pPr algn="ctr"/>
             <a:r>
               <a:rPr lang="hu-HU" dirty="0" smtClean="0"/>
-              <a:t>Kívánság lista</a:t>
+              <a:t>Könyvkezelő</a:t>
             </a:r>
             <a:endParaRPr lang="hu-HU" dirty="0"/>
           </a:p>
@@ -7116,7 +7434,7 @@
       </p:sp>
       <p:pic>
         <p:nvPicPr>
-          <p:cNvPr id="4" name="Tartalom helye 3" descr="Kívánság lista.png"/>
+          <p:cNvPr id="5" name="Tartalom helye 4" descr="könyv kezelő.png"/>
           <p:cNvPicPr>
             <a:picLocks noGrp="1" noChangeAspect="1"/>
           </p:cNvPicPr>
@@ -7132,40 +7450,14 @@
         </p:blipFill>
         <p:spPr>
           <a:xfrm>
-            <a:off x="1259632" y="1844824"/>
-            <a:ext cx="6668588" cy="4572000"/>
+            <a:off x="1221602" y="1916832"/>
+            <a:ext cx="6700797" cy="4572000"/>
           </a:xfrm>
         </p:spPr>
       </p:pic>
-      <p:pic>
-        <p:nvPicPr>
-          <p:cNvPr id="3075" name="Picture 3" descr="C:\Users\Tündi\AppData\Local\Microsoft\Windows\INetCache\IE\TGSB1RNV\Screen_Shot_2014-06-14_at_3.45.32_PM[1].png"/>
-          <p:cNvPicPr>
-            <a:picLocks noChangeAspect="1" noChangeArrowheads="1"/>
-          </p:cNvPicPr>
-          <p:nvPr/>
-        </p:nvPicPr>
-        <p:blipFill>
-          <a:blip r:embed="rId4" cstate="print"/>
-          <a:srcRect l="14951" b="81256"/>
-          <a:stretch>
-            <a:fillRect/>
-          </a:stretch>
-        </p:blipFill>
-        <p:spPr bwMode="auto">
-          <a:xfrm>
-            <a:off x="5292080" y="332656"/>
-            <a:ext cx="3563888" cy="1156636"/>
-          </a:xfrm>
-          <a:prstGeom prst="rect">
-            <a:avLst/>
-          </a:prstGeom>
-          <a:noFill/>
-        </p:spPr>
-      </p:pic>
-      <p:sp>
-        <p:nvSpPr>
-          <p:cNvPr id="8" name="Dia számának helye 3"/>
+      <p:sp>
+        <p:nvSpPr>
+          <p:cNvPr id="10" name="Dia számának helye 3"/>
           <p:cNvSpPr>
             <a:spLocks noGrp="1"/>
           </p:cNvSpPr>
@@ -7191,17 +7483,7 @@
                   </a:schemeClr>
                 </a:solidFill>
               </a:rPr>
-              <a:t>7</a:t>
-            </a:r>
-            <a:r>
-              <a:rPr lang="hu-HU" sz="1400" b="1" dirty="0" smtClean="0">
-                <a:solidFill>
-                  <a:schemeClr val="accent1">
-                    <a:lumMod val="75000"/>
-                  </a:schemeClr>
-                </a:solidFill>
-              </a:rPr>
-              <a:t>/12</a:t>
+              <a:t>6/12</a:t>
             </a:r>
             <a:endParaRPr lang="hu-HU" b="1" dirty="0">
               <a:solidFill>
@@ -7219,7 +7501,7 @@
     <a:masterClrMapping/>
   </p:clrMapOvr>
   <p:transition>
-    <p:wipe/>
+    <p:wipe dir="u"/>
   </p:transition>
   <p:timing>
     <p:tnLst>
@@ -7263,10 +7545,9 @@
           <a:bodyPr/>
           <a:lstStyle/>
           <a:p>
-            <a:pPr algn="ctr"/>
             <a:r>
               <a:rPr lang="hu-HU" dirty="0" smtClean="0"/>
-              <a:t>Kimutatások</a:t>
+              <a:t>Kívánság lista</a:t>
             </a:r>
             <a:endParaRPr lang="hu-HU" dirty="0"/>
           </a:p>
@@ -7274,7 +7555,7 @@
       </p:sp>
       <p:pic>
         <p:nvPicPr>
-          <p:cNvPr id="4" name="Tartalom helye 3" descr="Kimutatások.png"/>
+          <p:cNvPr id="4" name="Tartalom helye 3" descr="Kívánság lista.png"/>
           <p:cNvPicPr>
             <a:picLocks noGrp="1" noChangeAspect="1"/>
           </p:cNvPicPr>
@@ -7290,9 +7571,35 @@
         </p:blipFill>
         <p:spPr>
           <a:xfrm>
-            <a:off x="1216795" y="1882775"/>
-            <a:ext cx="6710410" cy="4572000"/>
-          </a:xfrm>
+            <a:off x="1259632" y="1844824"/>
+            <a:ext cx="6668588" cy="4572000"/>
+          </a:xfrm>
+        </p:spPr>
+      </p:pic>
+      <p:pic>
+        <p:nvPicPr>
+          <p:cNvPr id="3075" name="Picture 3" descr="C:\Users\Tündi\AppData\Local\Microsoft\Windows\INetCache\IE\TGSB1RNV\Screen_Shot_2014-06-14_at_3.45.32_PM[1].png"/>
+          <p:cNvPicPr>
+            <a:picLocks noChangeAspect="1" noChangeArrowheads="1"/>
+          </p:cNvPicPr>
+          <p:nvPr/>
+        </p:nvPicPr>
+        <p:blipFill>
+          <a:blip r:embed="rId4" cstate="print"/>
+          <a:srcRect l="14951" b="81256"/>
+          <a:stretch>
+            <a:fillRect/>
+          </a:stretch>
+        </p:blipFill>
+        <p:spPr bwMode="auto">
+          <a:xfrm>
+            <a:off x="5292080" y="332656"/>
+            <a:ext cx="3563888" cy="1156636"/>
+          </a:xfrm>
+          <a:prstGeom prst="rect">
+            <a:avLst/>
+          </a:prstGeom>
+          <a:noFill/>
         </p:spPr>
       </p:pic>
       <p:sp>
@@ -7323,19 +7630,9 @@
                   </a:schemeClr>
                 </a:solidFill>
               </a:rPr>
-              <a:t>8</a:t>
-            </a:r>
-            <a:r>
-              <a:rPr lang="hu-HU" sz="1400" b="1" dirty="0" smtClean="0">
-                <a:solidFill>
-                  <a:schemeClr val="accent1">
-                    <a:lumMod val="75000"/>
-                  </a:schemeClr>
-                </a:solidFill>
-              </a:rPr>
-              <a:t>/12</a:t>
-            </a:r>
-            <a:endParaRPr lang="hu-HU" sz="1400" b="1" dirty="0">
+              <a:t>7/12</a:t>
+            </a:r>
+            <a:endParaRPr lang="hu-HU" b="1" dirty="0">
               <a:solidFill>
                 <a:schemeClr val="accent1">
                   <a:lumMod val="75000"/>
@@ -7351,7 +7648,7 @@
     <a:masterClrMapping/>
   </p:clrMapOvr>
   <p:transition>
-    <p:wipe dir="d"/>
+    <p:wipe/>
   </p:transition>
   <p:timing>
     <p:tnLst>

--- a/ANTIKVÁR KÖNYVESBOLT.pptx
+++ b/ANTIKVÁR KÖNYVESBOLT.pptx
@@ -606,32 +606,14 @@
             </a:r>
             <a:r>
               <a:rPr lang="hu-HU" baseline="0" dirty="0" smtClean="0"/>
-              <a:t>. </a:t>
-            </a:r>
+              <a:t>. Ezek további tesztelése illetve kisebb hibák észlelése utáni javítás egy folyamatos tevékenység. </a:t>
+            </a:r>
+          </a:p>
+          <a:p>
             <a:r>
               <a:rPr lang="hu-HU" baseline="0" dirty="0" smtClean="0"/>
-              <a:t>Ezek további tesztelése illetve </a:t>
-            </a:r>
-            <a:r>
-              <a:rPr lang="hu-HU" baseline="0" dirty="0" smtClean="0"/>
-              <a:t>kisebb hibák észlelése utáni javítás egy folyamatos tevékenység. </a:t>
-            </a:r>
-            <a:endParaRPr lang="hu-HU" baseline="0" dirty="0" smtClean="0"/>
-          </a:p>
-          <a:p>
-            <a:r>
-              <a:rPr lang="hu-HU" baseline="0" dirty="0" smtClean="0"/>
-              <a:t>Hibakezeléssel </a:t>
-            </a:r>
-            <a:r>
-              <a:rPr lang="hu-HU" baseline="0" dirty="0" smtClean="0"/>
-              <a:t>elsődlegesen nem foglalkoztam, </a:t>
-            </a:r>
-            <a:r>
-              <a:rPr lang="hu-HU" baseline="0" dirty="0" smtClean="0"/>
-              <a:t>ezzel főként a funkciók elkészítése után tevékenykedtem, valószínűsítem, hogy még mindig lenne olyan hibakezelési eljárás amely javítaná a felhasználó kezelés egyszerűségét.</a:t>
-            </a:r>
-            <a:endParaRPr lang="hu-HU" baseline="0" dirty="0" smtClean="0"/>
+              <a:t>Hibakezeléssel elsődlegesen nem foglalkoztam, ezzel főként a funkciók elkészítése után tevékenykedtem, valószínűsítem, hogy még mindig lenne olyan hibakezelési eljárás amely javítaná a felhasználó kezelés egyszerűségét.</a:t>
+            </a:r>
           </a:p>
           <a:p>
             <a:r>
@@ -644,20 +626,11 @@
               <a:rPr lang="hu-HU" baseline="0" dirty="0" smtClean="0"/>
               <a:t>Az adatbázis feltöltése részletekben történt és a tesztelések folyamatába még történik is. Elsődlegesen a funkciók tesztelése alatt töltöttem illetve módosítottam az adatbázis tábláit. A könyv táblát viszont többször töltöttem fel újabb és újabb könyvekkel függetlenül attól, hogy tesztelés alatt áll-e a rendszer vagy sem.</a:t>
             </a:r>
-            <a:endParaRPr lang="hu-HU" baseline="0" dirty="0" smtClean="0"/>
           </a:p>
           <a:p>
             <a:r>
               <a:rPr lang="hu-HU" baseline="0" dirty="0" smtClean="0"/>
-              <a:t>A </a:t>
-            </a:r>
-            <a:r>
-              <a:rPr lang="hu-HU" baseline="0" dirty="0" smtClean="0"/>
-              <a:t>fejlesztések </a:t>
-            </a:r>
-            <a:r>
-              <a:rPr lang="hu-HU" baseline="0" dirty="0" smtClean="0"/>
-              <a:t>alatt adott részek elkészültével a folyamatos tesztelés folyt, valamint számomra ennél a rendszernél a manuális tesztelési lehetőségek voltak a legkézenfekvőbbek. A rendszer elkészülte, valamint annak funkcióinak megismertetése után külső személy segítségét is igénybe vettem a teszteléshez. Így nem csak egy személyben teszteltem magam a programot, hanem a programozási részhez nem értő szemekkel is tesztelve lett a program.</a:t>
+              <a:t>A fejlesztések alatt adott részek elkészültével a folyamatos tesztelés folyt, valamint számomra ennél a rendszernél a manuális tesztelési lehetőségek voltak a legkézenfekvőbbek. A rendszer elkészülte, valamint annak funkcióinak megismertetése után külső személy segítségét is igénybe vettem a teszteléshez. Így nem csak egy személyben teszteltem magam a programot, hanem a programozási részhez nem értő szemekkel is tesztelve lett a program.</a:t>
             </a:r>
             <a:endParaRPr lang="hu-HU" dirty="0"/>
           </a:p>
@@ -1003,31 +976,11 @@
           <a:p>
             <a:r>
               <a:rPr lang="hu-HU" dirty="0" smtClean="0"/>
-              <a:t>Mint a címben már </a:t>
-            </a:r>
-            <a:r>
-              <a:rPr lang="hu-HU" dirty="0" smtClean="0"/>
-              <a:t>láthatták</a:t>
-            </a:r>
-            <a:r>
-              <a:rPr lang="hu-HU" dirty="0" smtClean="0"/>
-              <a:t>,</a:t>
+              <a:t>Mint a címben már láthatták,</a:t>
             </a:r>
             <a:r>
               <a:rPr lang="hu-HU" baseline="0" dirty="0" smtClean="0"/>
-              <a:t> szakdolgozatom témája egy antikvárium nyilvántartó alkalmazás, melynek segítségével a felhasználó kezelni tudja az </a:t>
-            </a:r>
-            <a:r>
-              <a:rPr lang="hu-HU" baseline="0" dirty="0" smtClean="0"/>
-              <a:t>eladásokat valamint az adatbázisba található könyveket, törzsvásárlókat és kívánságokat. </a:t>
-            </a:r>
-            <a:r>
-              <a:rPr lang="hu-HU" baseline="0" dirty="0" smtClean="0"/>
-              <a:t>A kiadásokat illetve a bevételeket megtudja figyelni, azokból kimutatásokat tud készíteni</a:t>
-            </a:r>
-            <a:r>
-              <a:rPr lang="hu-HU" baseline="0" dirty="0" smtClean="0"/>
-              <a:t>.</a:t>
+              <a:t> szakdolgozatom témája egy antikvárium nyilvántartó alkalmazás, melynek segítségével a felhasználó kezelni tudja az eladásokat valamint az adatbázisba található könyveket, törzsvásárlókat és kívánságokat. A kiadásokat illetve a bevételeket megtudja figyelni, azokból kimutatásokat tud készíteni.</a:t>
             </a:r>
             <a:endParaRPr lang="hu-HU" dirty="0"/>
           </a:p>
@@ -1232,40 +1185,7 @@
                 <a:ea typeface="+mn-ea"/>
                 <a:cs typeface="+mn-cs"/>
               </a:rPr>
-              <a:t> egyszerű eladás mellett mellék funkciók használatára is lehetőség van. Ilyen például a kedvezmények </a:t>
-            </a:r>
-            <a:r>
-              <a:rPr lang="hu-HU" sz="1200" kern="1200" baseline="0" dirty="0" smtClean="0">
-                <a:solidFill>
-                  <a:schemeClr val="tx1"/>
-                </a:solidFill>
-                <a:latin typeface="+mn-lt"/>
-                <a:ea typeface="+mn-ea"/>
-                <a:cs typeface="+mn-cs"/>
-              </a:rPr>
-              <a:t>kezelése amely lehet könyv és/vagy végösszeg kedvezmény, </a:t>
-            </a:r>
-            <a:r>
-              <a:rPr lang="hu-HU" sz="1200" kern="1200" baseline="0" dirty="0" smtClean="0">
-                <a:solidFill>
-                  <a:schemeClr val="tx1"/>
-                </a:solidFill>
-                <a:latin typeface="+mn-lt"/>
-                <a:ea typeface="+mn-ea"/>
-                <a:cs typeface="+mn-cs"/>
-              </a:rPr>
-              <a:t>illetve a törzsvásárlókhoz kapcsolódó </a:t>
-            </a:r>
-            <a:r>
-              <a:rPr lang="hu-HU" sz="1200" kern="1200" baseline="0" dirty="0" smtClean="0">
-                <a:solidFill>
-                  <a:schemeClr val="tx1"/>
-                </a:solidFill>
-                <a:latin typeface="+mn-lt"/>
-                <a:ea typeface="+mn-ea"/>
-                <a:cs typeface="+mn-cs"/>
-              </a:rPr>
-              <a:t>funkciók, mint a törzsvásárlói pont levonás és pont jóváírás a vásárlás végén.</a:t>
+              <a:t> egyszerű eladás mellett mellék funkciók használatára is lehetőség van. Ilyen például a kedvezmények kezelése amely lehet könyv és/vagy végösszeg kedvezmény, illetve a törzsvásárlókhoz kapcsolódó funkciók, mint a törzsvásárlói pont levonás és pont jóváírás a vásárlás végén.</a:t>
             </a:r>
           </a:p>
           <a:p>
@@ -1378,18 +1298,7 @@
                 <a:ea typeface="+mn-ea"/>
                 <a:cs typeface="+mn-cs"/>
               </a:rPr>
-              <a:t>Az üzletbe többször betérő és ott vásárló </a:t>
-            </a:r>
-            <a:r>
-              <a:rPr lang="hu-HU" sz="1200" kern="1200" dirty="0" smtClean="0">
-                <a:solidFill>
-                  <a:schemeClr val="tx1"/>
-                </a:solidFill>
-                <a:latin typeface="+mn-lt"/>
-                <a:ea typeface="+mn-ea"/>
-                <a:cs typeface="+mn-cs"/>
-              </a:rPr>
-              <a:t>vendég dönthet</a:t>
+              <a:t>Az üzletbe többször betérő és ott vásárló vendég dönthet</a:t>
             </a:r>
             <a:r>
               <a:rPr lang="hu-HU" sz="1200" kern="1200" baseline="0" dirty="0" smtClean="0">
@@ -1411,73 +1320,7 @@
                 <a:ea typeface="+mn-ea"/>
                 <a:cs typeface="+mn-cs"/>
               </a:rPr>
-              <a:t> </a:t>
-            </a:r>
-            <a:r>
-              <a:rPr lang="hu-HU" sz="1200" kern="1200" dirty="0" smtClean="0">
-                <a:solidFill>
-                  <a:schemeClr val="tx1"/>
-                </a:solidFill>
-                <a:latin typeface="+mn-lt"/>
-                <a:ea typeface="+mn-ea"/>
-                <a:cs typeface="+mn-cs"/>
-              </a:rPr>
-              <a:t>törzsvásárlói </a:t>
-            </a:r>
-            <a:r>
-              <a:rPr lang="hu-HU" sz="1200" kern="1200" dirty="0" smtClean="0">
-                <a:solidFill>
-                  <a:schemeClr val="tx1"/>
-                </a:solidFill>
-                <a:latin typeface="+mn-lt"/>
-                <a:ea typeface="+mn-ea"/>
-                <a:cs typeface="+mn-cs"/>
-              </a:rPr>
-              <a:t>kedvezményekben szeretne részesülni, ennek feltétele a beregisztrálás </a:t>
-            </a:r>
-            <a:r>
-              <a:rPr lang="hu-HU" sz="1200" kern="1200" dirty="0" smtClean="0">
-                <a:solidFill>
-                  <a:schemeClr val="tx1"/>
-                </a:solidFill>
-                <a:latin typeface="+mn-lt"/>
-                <a:ea typeface="+mn-ea"/>
-                <a:cs typeface="+mn-cs"/>
-              </a:rPr>
-              <a:t>a </a:t>
-            </a:r>
-            <a:r>
-              <a:rPr lang="hu-HU" sz="1200" kern="1200" dirty="0" smtClean="0">
-                <a:solidFill>
-                  <a:schemeClr val="tx1"/>
-                </a:solidFill>
-                <a:latin typeface="+mn-lt"/>
-                <a:ea typeface="+mn-ea"/>
-                <a:cs typeface="+mn-cs"/>
-              </a:rPr>
-              <a:t>rendszerbe. </a:t>
-            </a:r>
-            <a:r>
-              <a:rPr lang="hu-HU" sz="1200" kern="1200" dirty="0" smtClean="0">
-                <a:solidFill>
-                  <a:schemeClr val="tx1"/>
-                </a:solidFill>
-                <a:latin typeface="+mn-lt"/>
-                <a:ea typeface="+mn-ea"/>
-                <a:cs typeface="+mn-cs"/>
-              </a:rPr>
-              <a:t>A regisztrálás mellett az adatok módosítására, valamint a törzsvásárló törlésére is van lehetőség</a:t>
-            </a:r>
-            <a:r>
-              <a:rPr lang="hu-HU" sz="1200" kern="1200" dirty="0" smtClean="0">
-                <a:solidFill>
-                  <a:schemeClr val="tx1"/>
-                </a:solidFill>
-                <a:latin typeface="+mn-lt"/>
-                <a:ea typeface="+mn-ea"/>
-                <a:cs typeface="+mn-cs"/>
-              </a:rPr>
-              <a:t>. Emellett a</a:t>
+              <a:t> törzsvásárlói kedvezményekben szeretne részesülni, ennek feltétele a beregisztrálás a rendszerbe. A regisztrálás mellett az adatok módosítására, valamint a törzsvásárló törlésére is van lehetőség. Emellett a</a:t>
             </a:r>
             <a:r>
               <a:rPr lang="hu-HU" sz="1200" kern="1200" baseline="0" dirty="0" smtClean="0">
@@ -1622,11 +1465,7 @@
             </a:r>
             <a:r>
               <a:rPr lang="hu-HU" baseline="0" dirty="0" smtClean="0"/>
-              <a:t>kezelő segítségével tudjuk a könyveket felvinni az adatbázisba, törölni a nem kívánt elemeket, vagy a megadott adatokat módosíthatjuk ezen felület használata során</a:t>
-            </a:r>
-            <a:r>
-              <a:rPr lang="hu-HU" baseline="0" dirty="0" smtClean="0"/>
-              <a:t>. A rendszer a könyv felvitel esetén ellenőrzi, hogy a felvinni kívánt könyv szerepel-e a kívánság listában, ha igen akkor erről szintén egy automatikus </a:t>
+              <a:t>kezelő segítségével tudjuk a könyveket felvinni az adatbázisba, törölni a nem kívánt elemeket, vagy a megadott adatokat módosíthatjuk ezen felület használata során. A rendszer a könyv felvitel esetén ellenőrzi, hogy a felvinni kívánt könyv szerepel-e a kívánság listában, ha igen akkor erről szintén egy automatikus </a:t>
             </a:r>
             <a:r>
               <a:rPr lang="hu-HU" baseline="0" dirty="0" err="1" smtClean="0"/>
@@ -1744,40 +1583,7 @@
                 <a:ea typeface="+mn-ea"/>
                 <a:cs typeface="+mn-cs"/>
               </a:rPr>
-              <a:t>A kívánság lista egy lehetőség a vásárlók számára, hogy egy általuk keresett, de az üzletben </a:t>
-            </a:r>
-            <a:r>
-              <a:rPr lang="hu-HU" sz="1200" kern="1200" dirty="0" smtClean="0">
-                <a:solidFill>
-                  <a:schemeClr val="tx1"/>
-                </a:solidFill>
-                <a:latin typeface="+mn-lt"/>
-                <a:ea typeface="+mn-ea"/>
-                <a:cs typeface="+mn-cs"/>
-              </a:rPr>
-              <a:t>még nem </a:t>
-            </a:r>
-            <a:r>
-              <a:rPr lang="hu-HU" sz="1200" kern="1200" dirty="0" smtClean="0">
-                <a:solidFill>
-                  <a:schemeClr val="tx1"/>
-                </a:solidFill>
-                <a:latin typeface="+mn-lt"/>
-                <a:ea typeface="+mn-ea"/>
-                <a:cs typeface="+mn-cs"/>
-              </a:rPr>
-              <a:t>fellelhető könyvet megrendeljenek. Ebben az esetben a felhasználó felviszi a kívánt </a:t>
-            </a:r>
-            <a:r>
-              <a:rPr lang="hu-HU" sz="1200" kern="1200" dirty="0" smtClean="0">
-                <a:solidFill>
-                  <a:schemeClr val="tx1"/>
-                </a:solidFill>
-                <a:latin typeface="+mn-lt"/>
-                <a:ea typeface="+mn-ea"/>
-                <a:cs typeface="+mn-cs"/>
-              </a:rPr>
-              <a:t>könyv</a:t>
+              <a:t>A kívánság lista egy lehetőség a vásárlók számára, hogy egy általuk keresett, de az üzletben még nem fellelhető könyvet megrendeljenek. Ebben az esetben a felhasználó felviszi a kívánt könyv</a:t>
             </a:r>
             <a:r>
               <a:rPr lang="hu-HU" sz="1200" kern="1200" baseline="0" dirty="0" smtClean="0">
@@ -1799,29 +1605,7 @@
                 <a:ea typeface="+mn-ea"/>
                 <a:cs typeface="+mn-cs"/>
               </a:rPr>
-              <a:t> </a:t>
-            </a:r>
-            <a:r>
-              <a:rPr lang="hu-HU" sz="1200" kern="1200" dirty="0" smtClean="0">
-                <a:solidFill>
-                  <a:schemeClr val="tx1"/>
-                </a:solidFill>
-                <a:latin typeface="+mn-lt"/>
-                <a:ea typeface="+mn-ea"/>
-                <a:cs typeface="+mn-cs"/>
-              </a:rPr>
-              <a:t>az adatbázisba. Amikor a könyv megérkezik az üzletbe a megadott adatok alapján az </a:t>
-            </a:r>
-            <a:r>
-              <a:rPr lang="hu-HU" sz="1200" kern="1200" dirty="0" smtClean="0">
-                <a:solidFill>
-                  <a:schemeClr val="tx1"/>
-                </a:solidFill>
-                <a:latin typeface="+mn-lt"/>
-                <a:ea typeface="+mn-ea"/>
-                <a:cs typeface="+mn-cs"/>
-              </a:rPr>
-              <a:t>vásárló</a:t>
+              <a:t> az adatbázisba. Amikor a könyv megérkezik az üzletbe a megadott adatok alapján az vásárló</a:t>
             </a:r>
             <a:r>
               <a:rPr lang="hu-HU" sz="1200" kern="1200" baseline="0" dirty="0" smtClean="0">
@@ -1845,14 +1629,6 @@
               </a:rPr>
               <a:t>.</a:t>
             </a:r>
-            <a:endParaRPr lang="hu-HU" sz="1200" kern="1200" dirty="0" smtClean="0">
-              <a:solidFill>
-                <a:schemeClr val="tx1"/>
-              </a:solidFill>
-              <a:latin typeface="+mn-lt"/>
-              <a:ea typeface="+mn-ea"/>
-              <a:cs typeface="+mn-cs"/>
-            </a:endParaRPr>
           </a:p>
           <a:p>
             <a:r>
@@ -1861,15 +1637,7 @@
             </a:r>
             <a:r>
               <a:rPr lang="hu-HU" baseline="0" dirty="0" smtClean="0"/>
-              <a:t> az esetben a következő funkciók kidolgozása a </a:t>
-            </a:r>
-            <a:r>
-              <a:rPr lang="hu-HU" baseline="0" dirty="0" smtClean="0"/>
-              <a:t>volt a cél</a:t>
-            </a:r>
-            <a:r>
-              <a:rPr lang="hu-HU" baseline="0" dirty="0" smtClean="0"/>
-              <a:t>. </a:t>
+              <a:t> az esetben a következő funkciók kidolgozása a volt a cél. </a:t>
             </a:r>
           </a:p>
           <a:p>
@@ -1976,18 +1744,7 @@
                 <a:ea typeface="+mn-ea"/>
                 <a:cs typeface="+mn-cs"/>
               </a:rPr>
-              <a:t>A kimutatások célja, hogy adott időszakokra vissza tudjon a felhasználó tekinteni, hogy milyen volt a forgalom. Amellett, hogy láthatjuk az egyes kiadásokat és bevételeket, azt is láthatjuk, hogy az adott időszakra a vállalkozás nyereséges vagy veszteséges volt-e</a:t>
-            </a:r>
-            <a:r>
-              <a:rPr lang="hu-HU" sz="1200" kern="1200" dirty="0" smtClean="0">
-                <a:solidFill>
-                  <a:schemeClr val="tx1"/>
-                </a:solidFill>
-                <a:latin typeface="+mn-lt"/>
-                <a:ea typeface="+mn-ea"/>
-                <a:cs typeface="+mn-cs"/>
-              </a:rPr>
-              <a:t>. Ezeket</a:t>
+              <a:t>A kimutatások célja, hogy adott időszakokra vissza tudjon a felhasználó tekinteni, hogy milyen volt a forgalom. Amellett, hogy láthatjuk az egyes kiadásokat és bevételeket, azt is láthatjuk, hogy az adott időszakra a vállalkozás nyereséges vagy veszteséges volt-e. Ezeket</a:t>
             </a:r>
             <a:r>
               <a:rPr lang="hu-HU" sz="1200" kern="1200" baseline="0" dirty="0" smtClean="0">
@@ -2104,78 +1861,35 @@
             </a:r>
             <a:r>
               <a:rPr lang="hu-HU" b="0" dirty="0" smtClean="0"/>
-              <a:t>adatbázis </a:t>
-            </a:r>
-            <a:r>
-              <a:rPr lang="hu-HU" b="0" dirty="0" smtClean="0"/>
-              <a:t>kezelő</a:t>
+              <a:t>adatbázis kezelő</a:t>
             </a:r>
             <a:r>
               <a:rPr lang="hu-HU" b="0" baseline="0" dirty="0" smtClean="0"/>
-              <a:t> </a:t>
-            </a:r>
+              <a:t> rendszert használtam.</a:t>
+            </a:r>
+          </a:p>
+          <a:p>
             <a:r>
               <a:rPr lang="hu-HU" b="0" baseline="0" dirty="0" smtClean="0"/>
-              <a:t>rendszert használtam.</a:t>
-            </a:r>
-            <a:endParaRPr lang="hu-HU" b="0" baseline="0" dirty="0" smtClean="0"/>
+              <a:t>Az elképzelés alapján a következő táblák kezelése a cél az alkalmazáson belül:</a:t>
+            </a:r>
           </a:p>
           <a:p>
             <a:r>
               <a:rPr lang="hu-HU" b="0" baseline="0" dirty="0" smtClean="0"/>
-              <a:t>Az </a:t>
-            </a:r>
+              <a:t>- Könyvek: A könyvek adatait tartalmazza, mint például ISBN szám, cím, szerző, kiadás éve, beszerzési és eladási ár.</a:t>
+            </a:r>
+          </a:p>
+          <a:p>
             <a:r>
               <a:rPr lang="hu-HU" b="0" baseline="0" dirty="0" smtClean="0"/>
-              <a:t>elképzelés </a:t>
-            </a:r>
+              <a:t>- Kívánság lista, amely tartalmazza a keresett könyv adatait valamint a vásárló adatait.</a:t>
+            </a:r>
+          </a:p>
+          <a:p>
             <a:r>
               <a:rPr lang="hu-HU" b="0" baseline="0" dirty="0" smtClean="0"/>
-              <a:t>alapján a következő táblák kezelése a </a:t>
-            </a:r>
-            <a:r>
-              <a:rPr lang="hu-HU" b="0" baseline="0" dirty="0" smtClean="0"/>
-              <a:t>cél az alkalmazáson belül:</a:t>
-            </a:r>
-            <a:endParaRPr lang="hu-HU" b="0" baseline="0" dirty="0" smtClean="0"/>
-          </a:p>
-          <a:p>
-            <a:r>
-              <a:rPr lang="hu-HU" b="0" baseline="0" dirty="0" smtClean="0"/>
-              <a:t>- Könyvek: A könyvek adatait tartalmazza, mint például ISBN szám, cím, szerző, kiadás </a:t>
-            </a:r>
-            <a:r>
-              <a:rPr lang="hu-HU" b="0" baseline="0" dirty="0" smtClean="0"/>
-              <a:t>éve, beszerzési és eladási ár.</a:t>
-            </a:r>
-            <a:endParaRPr lang="hu-HU" b="0" baseline="0" dirty="0" smtClean="0"/>
-          </a:p>
-          <a:p>
-            <a:r>
-              <a:rPr lang="hu-HU" b="0" baseline="0" dirty="0" smtClean="0"/>
-              <a:t>- Kívánság </a:t>
-            </a:r>
-            <a:r>
-              <a:rPr lang="hu-HU" b="0" baseline="0" dirty="0" smtClean="0"/>
-              <a:t>lista, </a:t>
-            </a:r>
-            <a:r>
-              <a:rPr lang="hu-HU" b="0" baseline="0" dirty="0" smtClean="0"/>
-              <a:t>amely tartalmazza a keresett könyv adatait valamint a vásárló adatait.</a:t>
-            </a:r>
-          </a:p>
-          <a:p>
-            <a:r>
-              <a:rPr lang="hu-HU" b="0" baseline="0" dirty="0" smtClean="0"/>
-              <a:t>- </a:t>
-            </a:r>
-            <a:r>
-              <a:rPr lang="hu-HU" b="0" baseline="0" dirty="0" smtClean="0"/>
-              <a:t>Törzsvásárló: </a:t>
-            </a:r>
-            <a:r>
-              <a:rPr lang="hu-HU" b="0" baseline="0" dirty="0" smtClean="0"/>
-              <a:t>a törzsvásárló adatait tartalmazza, valamint a gyűjtött pontokat.</a:t>
+              <a:t>- Törzsvásárló: a törzsvásárló adatait tartalmazza, valamint a gyűjtött pontokat.</a:t>
             </a:r>
           </a:p>
           <a:p>
@@ -2185,11 +1899,7 @@
             </a:pPr>
             <a:r>
               <a:rPr lang="hu-HU" b="0" baseline="0" dirty="0" smtClean="0"/>
-              <a:t> Kiadások</a:t>
-            </a:r>
-            <a:r>
-              <a:rPr lang="hu-HU" b="0" baseline="0" dirty="0" smtClean="0"/>
-              <a:t>: A üzletben történő kiadások kezelésére szolgáló tábla.</a:t>
+              <a:t> Kiadások: A üzletben történő kiadások kezelésére szolgáló tábla.</a:t>
             </a:r>
           </a:p>
           <a:p>
@@ -6344,58 +6054,6 @@
           </a:p>
         </p:txBody>
       </p:sp>
-      <p:pic>
-        <p:nvPicPr>
-          <p:cNvPr id="1026" name="Picture 2" descr="C:\Users\Tündi\AppData\Local\Microsoft\Windows\INetCache\IE\BU3O89E5\QR-Code-PNG-Free-Image[1].png"/>
-          <p:cNvPicPr>
-            <a:picLocks noChangeAspect="1" noChangeArrowheads="1"/>
-          </p:cNvPicPr>
-          <p:nvPr/>
-        </p:nvPicPr>
-        <p:blipFill>
-          <a:blip r:embed="rId3" cstate="print"/>
-          <a:srcRect/>
-          <a:stretch>
-            <a:fillRect/>
-          </a:stretch>
-        </p:blipFill>
-        <p:spPr bwMode="auto">
-          <a:xfrm>
-            <a:off x="827584" y="1628800"/>
-            <a:ext cx="3048000" cy="3048000"/>
-          </a:xfrm>
-          <a:prstGeom prst="rect">
-            <a:avLst/>
-          </a:prstGeom>
-          <a:noFill/>
-        </p:spPr>
-      </p:pic>
-      <p:pic>
-        <p:nvPicPr>
-          <p:cNvPr id="1027" name="Picture 3" descr="C:\Users\Tündi\AppData\Local\Microsoft\Windows\INetCache\IE\UPXUB5VT\android_logo_PNG27[1].png"/>
-          <p:cNvPicPr>
-            <a:picLocks noChangeAspect="1" noChangeArrowheads="1"/>
-          </p:cNvPicPr>
-          <p:nvPr/>
-        </p:nvPicPr>
-        <p:blipFill>
-          <a:blip r:embed="rId4" cstate="print"/>
-          <a:srcRect/>
-          <a:stretch>
-            <a:fillRect/>
-          </a:stretch>
-        </p:blipFill>
-        <p:spPr bwMode="auto">
-          <a:xfrm>
-            <a:off x="4788024" y="2780928"/>
-            <a:ext cx="3507755" cy="3507755"/>
-          </a:xfrm>
-          <a:prstGeom prst="rect">
-            <a:avLst/>
-          </a:prstGeom>
-          <a:noFill/>
-        </p:spPr>
-      </p:pic>
       <p:sp>
         <p:nvSpPr>
           <p:cNvPr id="8" name="Dia számának helye 3"/>
@@ -6567,85 +6225,125 @@
           <a:lstStyle/>
           <a:p>
             <a:r>
-              <a:rPr lang="hu-HU" sz="2800" dirty="0" smtClean="0"/>
+              <a:rPr lang="hu-HU" sz="2800" dirty="0" smtClean="0">
+                <a:solidFill>
+                  <a:schemeClr val="bg1"/>
+                </a:solidFill>
+              </a:rPr>
               <a:t>A választott nyelv és környezet</a:t>
             </a:r>
           </a:p>
           <a:p>
             <a:r>
-              <a:rPr lang="hu-HU" sz="2800" dirty="0" smtClean="0"/>
+              <a:rPr lang="hu-HU" sz="2800" dirty="0" smtClean="0">
+                <a:solidFill>
+                  <a:schemeClr val="bg1"/>
+                </a:solidFill>
+              </a:rPr>
               <a:t>A program</a:t>
             </a:r>
           </a:p>
           <a:p>
             <a:r>
-              <a:rPr lang="hu-HU" sz="2800" dirty="0" smtClean="0"/>
-              <a:t>Az alkalmazás </a:t>
-            </a:r>
-            <a:r>
-              <a:rPr lang="hu-HU" sz="2800" dirty="0" smtClean="0"/>
-              <a:t>funkciói</a:t>
-            </a:r>
-            <a:r>
-              <a:rPr lang="hu-HU" sz="2800" dirty="0" smtClean="0"/>
-              <a:t>:</a:t>
+              <a:rPr lang="hu-HU" sz="2800" dirty="0" smtClean="0">
+                <a:solidFill>
+                  <a:schemeClr val="bg1"/>
+                </a:solidFill>
+              </a:rPr>
+              <a:t>Az alkalmazás funkciói:</a:t>
             </a:r>
           </a:p>
           <a:p>
             <a:pPr lvl="1"/>
             <a:r>
-              <a:rPr lang="hu-HU" sz="2400" dirty="0" smtClean="0"/>
+              <a:rPr lang="hu-HU" sz="2400" dirty="0" smtClean="0">
+                <a:solidFill>
+                  <a:schemeClr val="bg1"/>
+                </a:solidFill>
+              </a:rPr>
               <a:t>Eladás</a:t>
             </a:r>
           </a:p>
           <a:p>
             <a:pPr lvl="1"/>
             <a:r>
-              <a:rPr lang="hu-HU" sz="2400" dirty="0" smtClean="0"/>
+              <a:rPr lang="hu-HU" sz="2400" dirty="0" smtClean="0">
+                <a:solidFill>
+                  <a:schemeClr val="bg1"/>
+                </a:solidFill>
+              </a:rPr>
               <a:t>Törzsvásárlók</a:t>
             </a:r>
           </a:p>
           <a:p>
             <a:pPr lvl="1"/>
             <a:r>
-              <a:rPr lang="hu-HU" sz="2400" dirty="0" smtClean="0"/>
+              <a:rPr lang="hu-HU" sz="2400" dirty="0" smtClean="0">
+                <a:solidFill>
+                  <a:schemeClr val="bg1"/>
+                </a:solidFill>
+              </a:rPr>
               <a:t>Könyvkezelő</a:t>
             </a:r>
           </a:p>
           <a:p>
             <a:pPr lvl="1"/>
             <a:r>
-              <a:rPr lang="hu-HU" sz="2400" dirty="0" smtClean="0"/>
+              <a:rPr lang="hu-HU" sz="2400" dirty="0" smtClean="0">
+                <a:solidFill>
+                  <a:schemeClr val="bg1"/>
+                </a:solidFill>
+              </a:rPr>
               <a:t>Kívánság lista</a:t>
             </a:r>
           </a:p>
           <a:p>
             <a:pPr lvl="1"/>
             <a:r>
-              <a:rPr lang="hu-HU" sz="2400" dirty="0" smtClean="0"/>
+              <a:rPr lang="hu-HU" sz="2400" dirty="0" smtClean="0">
+                <a:solidFill>
+                  <a:schemeClr val="bg1"/>
+                </a:solidFill>
+              </a:rPr>
               <a:t>Kimutatások</a:t>
             </a:r>
           </a:p>
           <a:p>
             <a:r>
-              <a:rPr lang="hu-HU" sz="2800" dirty="0" smtClean="0"/>
+              <a:rPr lang="hu-HU" sz="2800" dirty="0" smtClean="0">
+                <a:solidFill>
+                  <a:schemeClr val="bg1"/>
+                </a:solidFill>
+              </a:rPr>
               <a:t>Az adatbázis</a:t>
             </a:r>
           </a:p>
           <a:p>
             <a:r>
-              <a:rPr lang="hu-HU" sz="2800" dirty="0" smtClean="0"/>
+              <a:rPr lang="hu-HU" sz="2800" dirty="0" smtClean="0">
+                <a:solidFill>
+                  <a:schemeClr val="bg1"/>
+                </a:solidFill>
+              </a:rPr>
               <a:t>Célkitűzések</a:t>
             </a:r>
           </a:p>
           <a:p>
             <a:r>
-              <a:rPr lang="hu-HU" sz="2800" dirty="0" smtClean="0"/>
+              <a:rPr lang="hu-HU" sz="2800" dirty="0" smtClean="0">
+                <a:solidFill>
+                  <a:schemeClr val="bg1"/>
+                </a:solidFill>
+              </a:rPr>
               <a:t>Jövőbeli tervek</a:t>
             </a:r>
           </a:p>
           <a:p>
-            <a:endParaRPr lang="hu-HU" sz="2800" dirty="0" smtClean="0"/>
+            <a:endParaRPr lang="hu-HU" sz="2800" dirty="0" smtClean="0">
+              <a:solidFill>
+                <a:schemeClr val="bg1"/>
+              </a:solidFill>
+            </a:endParaRPr>
           </a:p>
         </p:txBody>
       </p:sp>
@@ -7034,15 +6732,7 @@
           <a:p>
             <a:r>
               <a:rPr lang="hu-HU" sz="5400" dirty="0" smtClean="0"/>
-              <a:t>AZ </a:t>
-            </a:r>
-            <a:r>
-              <a:rPr lang="hu-HU" sz="5400" dirty="0" smtClean="0"/>
-              <a:t>ALKALMAZÁS </a:t>
-            </a:r>
-            <a:r>
-              <a:rPr lang="hu-HU" sz="5400" dirty="0" smtClean="0"/>
-              <a:t>FUNKCIÓI</a:t>
+              <a:t>AZ ALKALMAZÁS FUNKCIÓI</a:t>
             </a:r>
             <a:endParaRPr lang="hu-HU" sz="5400" b="1" dirty="0"/>
           </a:p>
@@ -7307,9 +6997,49 @@
           </a:p>
         </p:txBody>
       </p:sp>
+      <p:sp>
+        <p:nvSpPr>
+          <p:cNvPr id="8" name="Dia számának helye 3"/>
+          <p:cNvSpPr>
+            <a:spLocks noGrp="1"/>
+          </p:cNvSpPr>
+          <p:nvPr>
+            <p:ph type="sldNum" sz="quarter" idx="12"/>
+          </p:nvPr>
+        </p:nvSpPr>
+        <p:spPr>
+          <a:xfrm>
+            <a:off x="7589520" y="6480969"/>
+            <a:ext cx="654888" cy="301752"/>
+          </a:xfrm>
+        </p:spPr>
+        <p:txBody>
+          <a:bodyPr/>
+          <a:lstStyle/>
+          <a:p>
+            <a:r>
+              <a:rPr lang="hu-HU" sz="1400" b="1" dirty="0" smtClean="0">
+                <a:solidFill>
+                  <a:schemeClr val="accent1">
+                    <a:lumMod val="75000"/>
+                  </a:schemeClr>
+                </a:solidFill>
+              </a:rPr>
+              <a:t>5/12</a:t>
+            </a:r>
+            <a:endParaRPr lang="hu-HU" b="1" dirty="0">
+              <a:solidFill>
+                <a:schemeClr val="accent1">
+                  <a:lumMod val="75000"/>
+                </a:schemeClr>
+              </a:solidFill>
+            </a:endParaRPr>
+          </a:p>
+        </p:txBody>
+      </p:sp>
       <p:pic>
         <p:nvPicPr>
-          <p:cNvPr id="7" name="Kép 6" descr="Törzsvásárlók.png"/>
+          <p:cNvPr id="6" name="Kép 5" descr="Törzsvásárlók új.PNG"/>
           <p:cNvPicPr>
             <a:picLocks noChangeAspect="1"/>
           </p:cNvPicPr>
@@ -7323,54 +7053,14 @@
         </p:blipFill>
         <p:spPr>
           <a:xfrm>
-            <a:off x="1691680" y="2927476"/>
-            <a:ext cx="5760640" cy="3930524"/>
+            <a:off x="1691680" y="2996953"/>
+            <a:ext cx="5760640" cy="3535784"/>
           </a:xfrm>
           <a:prstGeom prst="rect">
             <a:avLst/>
           </a:prstGeom>
         </p:spPr>
       </p:pic>
-      <p:sp>
-        <p:nvSpPr>
-          <p:cNvPr id="8" name="Dia számának helye 3"/>
-          <p:cNvSpPr>
-            <a:spLocks noGrp="1"/>
-          </p:cNvSpPr>
-          <p:nvPr>
-            <p:ph type="sldNum" sz="quarter" idx="12"/>
-          </p:nvPr>
-        </p:nvSpPr>
-        <p:spPr>
-          <a:xfrm>
-            <a:off x="7589520" y="6480969"/>
-            <a:ext cx="654888" cy="301752"/>
-          </a:xfrm>
-        </p:spPr>
-        <p:txBody>
-          <a:bodyPr/>
-          <a:lstStyle/>
-          <a:p>
-            <a:r>
-              <a:rPr lang="hu-HU" sz="1400" b="1" dirty="0" smtClean="0">
-                <a:solidFill>
-                  <a:schemeClr val="accent1">
-                    <a:lumMod val="75000"/>
-                  </a:schemeClr>
-                </a:solidFill>
-              </a:rPr>
-              <a:t>5/12</a:t>
-            </a:r>
-            <a:endParaRPr lang="hu-HU" b="1" dirty="0">
-              <a:solidFill>
-                <a:schemeClr val="accent1">
-                  <a:lumMod val="75000"/>
-                </a:schemeClr>
-              </a:solidFill>
-            </a:endParaRPr>
-          </a:p>
-        </p:txBody>
-      </p:sp>
     </p:spTree>
   </p:cSld>
   <p:clrMapOvr>
@@ -7663,42 +7353,42 @@
 <file path=ppt/theme/theme1.xml><?xml version="1.0" encoding="utf-8"?>
 <a:theme xmlns:a="http://schemas.openxmlformats.org/drawingml/2006/main" name="Lendület">
   <a:themeElements>
-    <a:clrScheme name="Egyéni 6. séma">
+    <a:clrScheme name="Egyéni 3. séma">
       <a:dk1>
-        <a:sysClr val="windowText" lastClr="000000"/>
+        <a:srgbClr val="3F3F3F"/>
       </a:dk1>
       <a:lt1>
-        <a:sysClr val="window" lastClr="FFFFFF"/>
+        <a:srgbClr val="F2F2F2"/>
       </a:lt1>
       <a:dk2>
-        <a:srgbClr val="666666"/>
+        <a:srgbClr val="DADADA"/>
       </a:dk2>
       <a:lt2>
-        <a:srgbClr val="D2D2D2"/>
+        <a:srgbClr val="BDBDBD"/>
       </a:lt2>
       <a:accent1>
-        <a:srgbClr val="00A080"/>
+        <a:srgbClr val="C98686"/>
       </a:accent1>
       <a:accent2>
-        <a:srgbClr val="009999"/>
+        <a:srgbClr val="C17575"/>
       </a:accent2>
       <a:accent3>
-        <a:srgbClr val="007866"/>
+        <a:srgbClr val="BA6464"/>
       </a:accent3>
       <a:accent4>
-        <a:srgbClr val="003366"/>
+        <a:srgbClr val="B35353"/>
       </a:accent4>
       <a:accent5>
-        <a:srgbClr val="005BD3"/>
+        <a:srgbClr val="D09797"/>
       </a:accent5>
       <a:accent6>
-        <a:srgbClr val="00349E"/>
+        <a:srgbClr val="D5A8A8"/>
       </a:accent6>
       <a:hlink>
-        <a:srgbClr val="17BBFD"/>
+        <a:srgbClr val="C98686"/>
       </a:hlink>
       <a:folHlink>
-        <a:srgbClr val="00CC99"/>
+        <a:srgbClr val="AB7171"/>
       </a:folHlink>
     </a:clrScheme>
     <a:fontScheme name="Lendület">

--- a/ANTIKVÁR KÖNYVESBOLT.pptx
+++ b/ANTIKVÁR KÖNYVESBOLT.pptx
@@ -5,7 +5,7 @@
     <p:sldMasterId id="2147483780" r:id="rId1"/>
   </p:sldMasterIdLst>
   <p:notesMasterIdLst>
-    <p:notesMasterId r:id="rId16"/>
+    <p:notesMasterId r:id="rId15"/>
   </p:notesMasterIdLst>
   <p:sldIdLst>
     <p:sldId id="256" r:id="rId2"/>
@@ -19,9 +19,8 @@
     <p:sldId id="261" r:id="rId10"/>
     <p:sldId id="262" r:id="rId11"/>
     <p:sldId id="270" r:id="rId12"/>
-    <p:sldId id="264" r:id="rId13"/>
-    <p:sldId id="265" r:id="rId14"/>
-    <p:sldId id="271" r:id="rId15"/>
+    <p:sldId id="265" r:id="rId13"/>
+    <p:sldId id="271" r:id="rId14"/>
   </p:sldIdLst>
   <p:sldSz cx="9144000" cy="6858000" type="screen4x3"/>
   <p:notesSz cx="6858000" cy="9144000"/>
@@ -206,7 +205,7 @@
             <a:fld id="{CB7B2029-7C13-4012-94A8-743AF77BDFFF}" type="datetimeFigureOut">
               <a:rPr lang="hu-HU" smtClean="0"/>
               <a:pPr/>
-              <a:t>2022. 04. 22.</a:t>
+              <a:t>2022. 04. 24.</a:t>
             </a:fld>
             <a:endParaRPr lang="hu-HU"/>
           </a:p>
@@ -518,6 +517,14 @@
           </a:bodyPr>
           <a:lstStyle/>
           <a:p>
+            <a:r>
+              <a:rPr lang="hu-HU" dirty="0" smtClean="0"/>
+              <a:t>A prezentációm</a:t>
+            </a:r>
+            <a:r>
+              <a:rPr lang="hu-HU" baseline="0" dirty="0" smtClean="0"/>
+              <a:t> alatt az itt látható pontokon végig menve szeretném ismertetni szakdolgozatomat.</a:t>
+            </a:r>
             <a:endParaRPr lang="hu-HU" dirty="0"/>
           </a:p>
         </p:txBody>
@@ -602,35 +609,37 @@
           <a:p>
             <a:r>
               <a:rPr lang="hu-HU" dirty="0" smtClean="0"/>
-              <a:t>A funkciók kidolgozása teljes</a:t>
+              <a:t>Az alap elképzelés</a:t>
             </a:r>
             <a:r>
               <a:rPr lang="hu-HU" baseline="0" dirty="0" smtClean="0"/>
-              <a:t>. Ezek további tesztelése illetve kisebb hibák észlelése utáni javítás egy folyamatos tevékenység. </a:t>
+              <a:t> mellett további tervek is szóba kerültek már. Ezen tervek a következőek.</a:t>
             </a:r>
           </a:p>
           <a:p>
             <a:r>
               <a:rPr lang="hu-HU" baseline="0" dirty="0" smtClean="0"/>
-              <a:t>Hibakezeléssel elsődlegesen nem foglalkoztam, ezzel főként a funkciók elkészítése után tevékenykedtem, valószínűsítem, hogy még mindig lenne olyan hibakezelési eljárás amely javítaná a felhasználó kezelés egyszerűségét.</a:t>
+              <a:t>A rendszerben már kidolgozott vonalkódos beolvasás perpillanat kép alapján történik. Mivel a fejlesztés alatt nem volt lehetőségem rendes vonalkód olvasót beszerezni ezért választottam ez a formáját a vonalkódos olvasásnak. A rendszer esetleges tovább fejlesztése lehetővé tehetné ennek a rendes kidolgozását, hogy valós környezetben rendes vonalkód beolvasóval is működjön ez a funkció.</a:t>
             </a:r>
           </a:p>
           <a:p>
             <a:r>
               <a:rPr lang="hu-HU" baseline="0" dirty="0" smtClean="0"/>
-              <a:t>A rendszerem kapott egy általános szín sémát valamint emellett próbáltam a kinézete javítani ikonok használatával valamint azzal is, hogy minél átláthatóbbá tettem az adott ablakokat.</a:t>
-            </a:r>
-          </a:p>
-          <a:p>
+              <a:t>A másik lehetséges terv, hogy a program átkerüljön egy </a:t>
+            </a:r>
+            <a:r>
+              <a:rPr lang="hu-HU" baseline="0" dirty="0" err="1" smtClean="0"/>
+              <a:t>android</a:t>
+            </a:r>
             <a:r>
               <a:rPr lang="hu-HU" baseline="0" dirty="0" smtClean="0"/>
-              <a:t>Az adatbázis feltöltése részletekben történt és a tesztelések folyamatába még történik is. Elsődlegesen a funkciók tesztelése alatt töltöttem illetve módosítottam az adatbázis tábláit. A könyv táblát viszont többször töltöttem fel újabb és újabb könyvekkel függetlenül attól, hogy tesztelés alatt áll-e a rendszer vagy sem.</a:t>
+              <a:t> környezetbe, azok számára akik jobban preferálják ezt a környezetet. Ez lehetővé tenné, hogy az alkalmazás az üzleten belül kevésbé legyen helyhez kötött. Ez főként egy leltározás esetén lehetne praktikus illetve könyvek felvitelekor.</a:t>
             </a:r>
           </a:p>
           <a:p>
             <a:r>
               <a:rPr lang="hu-HU" baseline="0" dirty="0" smtClean="0"/>
-              <a:t>A fejlesztések alatt adott részek elkészültével a folyamatos tesztelés folyt, valamint számomra ennél a rendszernél a manuális tesztelési lehetőségek voltak a legkézenfekvőbbek. A rendszer elkészülte, valamint annak funkcióinak megismertetése után külső személy segítségét is igénybe vettem a teszteléshez. Így nem csak egy személyben teszteltem magam a programot, hanem a programozási részhez nem értő szemekkel is tesztelve lett a program.</a:t>
+              <a:t>Továbbá a rendszerbe tervbe volt, hogy beépítsek egy bejelentkezési részt is, viszont mivel a rendszer nem úgy lett kidolgozva még, hogy több féle felhasználó használja így értelme nem túl sok lett volna. Ezt a tervet akkor lenne érdemes kidolgozni, ha emellett meghatároznánk bizonyos feltételeket, hogy mely felhasználó milyen funkciókat használhatna.</a:t>
             </a:r>
             <a:endParaRPr lang="hu-HU" dirty="0"/>
           </a:p>
@@ -655,140 +664,6 @@
               <a:rPr lang="hu-HU" smtClean="0"/>
               <a:pPr/>
               <a:t>12</a:t>
-            </a:fld>
-            <a:endParaRPr lang="hu-HU"/>
-          </a:p>
-        </p:txBody>
-      </p:sp>
-    </p:spTree>
-  </p:cSld>
-  <p:clrMapOvr>
-    <a:masterClrMapping/>
-  </p:clrMapOvr>
-</p:notes>
-</file>
-
-<file path=ppt/notesSlides/notesSlide11.xml><?xml version="1.0" encoding="utf-8"?>
-<p:notes xmlns:a="http://schemas.openxmlformats.org/drawingml/2006/main" xmlns:r="http://schemas.openxmlformats.org/officeDocument/2006/relationships" xmlns:p="http://schemas.openxmlformats.org/presentationml/2006/main">
-  <p:cSld>
-    <p:spTree>
-      <p:nvGrpSpPr>
-        <p:cNvPr id="1" name=""/>
-        <p:cNvGrpSpPr/>
-        <p:nvPr/>
-      </p:nvGrpSpPr>
-      <p:grpSpPr>
-        <a:xfrm>
-          <a:off x="0" y="0"/>
-          <a:ext cx="0" cy="0"/>
-          <a:chOff x="0" y="0"/>
-          <a:chExt cx="0" cy="0"/>
-        </a:xfrm>
-      </p:grpSpPr>
-      <p:sp>
-        <p:nvSpPr>
-          <p:cNvPr id="2" name="Diakép helye 1"/>
-          <p:cNvSpPr>
-            <a:spLocks noGrp="1" noRot="1" noChangeAspect="1"/>
-          </p:cNvSpPr>
-          <p:nvPr>
-            <p:ph type="sldImg"/>
-          </p:nvPr>
-        </p:nvSpPr>
-        <p:spPr/>
-      </p:sp>
-      <p:sp>
-        <p:nvSpPr>
-          <p:cNvPr id="3" name="Jegyzetek helye 2"/>
-          <p:cNvSpPr>
-            <a:spLocks noGrp="1"/>
-          </p:cNvSpPr>
-          <p:nvPr>
-            <p:ph type="body" idx="1"/>
-          </p:nvPr>
-        </p:nvSpPr>
-        <p:spPr/>
-        <p:txBody>
-          <a:bodyPr>
-            <a:normAutofit/>
-          </a:bodyPr>
-          <a:lstStyle/>
-          <a:p>
-            <a:r>
-              <a:rPr lang="hu-HU" dirty="0" smtClean="0"/>
-              <a:t>Az alap elképzelés</a:t>
-            </a:r>
-            <a:r>
-              <a:rPr lang="hu-HU" baseline="0" dirty="0" smtClean="0"/>
-              <a:t> mellett további tervek is szóba kerültek már. Ezen plusz lehetőségek elkészítése függ attól, hogy milyen tempóval tudok a jövőben haladni és mennyi időm marad ezek kidolgozására illetve elkészítésére a határidők lejárta előtt. Ezen tervek a következőek. </a:t>
-            </a:r>
-          </a:p>
-          <a:p>
-            <a:r>
-              <a:rPr lang="hu-HU" baseline="0" dirty="0" smtClean="0"/>
-              <a:t>Manapság rengeteg könyvben találunk </a:t>
-            </a:r>
-            <a:r>
-              <a:rPr lang="hu-HU" baseline="0" dirty="0" err="1" smtClean="0"/>
-              <a:t>QR-kódot</a:t>
-            </a:r>
-            <a:r>
-              <a:rPr lang="hu-HU" baseline="0" dirty="0" smtClean="0"/>
-              <a:t>. Ezen a vonalon elindulva a program kiegészíthető lenne egy </a:t>
-            </a:r>
-            <a:r>
-              <a:rPr lang="hu-HU" baseline="0" dirty="0" err="1" smtClean="0"/>
-              <a:t>QR-kód</a:t>
-            </a:r>
-            <a:r>
-              <a:rPr lang="hu-HU" baseline="0" dirty="0" smtClean="0"/>
-              <a:t> olvasóval, aminek segítségével könnyebben tud a felhasználó új könyveket felvinni az adatbázisba, valamint vásárlás esetén is könnyebben megtalálja az eladni kívánt könyvet az adatbázisban, felesleges gépelések nélkül.</a:t>
-            </a:r>
-          </a:p>
-          <a:p>
-            <a:r>
-              <a:rPr lang="hu-HU" baseline="0" dirty="0" smtClean="0"/>
-              <a:t>A másik lehetséges terv, hogy kompatibilissé tegyem a programot az </a:t>
-            </a:r>
-            <a:r>
-              <a:rPr lang="hu-HU" baseline="0" dirty="0" err="1" smtClean="0"/>
-              <a:t>android</a:t>
-            </a:r>
-            <a:r>
-              <a:rPr lang="hu-HU" baseline="0" dirty="0" smtClean="0"/>
-              <a:t> rendszer kedvelői számára is, hogy tudják </a:t>
-            </a:r>
-            <a:r>
-              <a:rPr lang="hu-HU" baseline="0" dirty="0" err="1" smtClean="0"/>
-              <a:t>androidos</a:t>
-            </a:r>
-            <a:r>
-              <a:rPr lang="hu-HU" baseline="0" dirty="0" smtClean="0"/>
-              <a:t> eszközeiken is használni a programot. </a:t>
-            </a:r>
-            <a:endParaRPr lang="hu-HU" dirty="0"/>
-          </a:p>
-        </p:txBody>
-      </p:sp>
-      <p:sp>
-        <p:nvSpPr>
-          <p:cNvPr id="4" name="Dia számának helye 3"/>
-          <p:cNvSpPr>
-            <a:spLocks noGrp="1"/>
-          </p:cNvSpPr>
-          <p:nvPr>
-            <p:ph type="sldNum" sz="quarter" idx="10"/>
-          </p:nvPr>
-        </p:nvSpPr>
-        <p:spPr/>
-        <p:txBody>
-          <a:bodyPr/>
-          <a:lstStyle/>
-          <a:p>
-            <a:fld id="{BDEAED7B-BE4F-463E-9563-DF17BFDFEF71}" type="slidenum">
-              <a:rPr lang="hu-HU" smtClean="0"/>
-              <a:pPr/>
-              <a:t>13</a:t>
             </a:fld>
             <a:endParaRPr lang="hu-HU"/>
           </a:p>
@@ -868,15 +743,15 @@
             </a:r>
             <a:r>
               <a:rPr lang="hu-HU" baseline="0" dirty="0" smtClean="0"/>
-              <a:t> több formában is használtam, nem csak C# programozásra. Számomra a Visual </a:t>
-            </a:r>
-            <a:r>
-              <a:rPr lang="hu-HU" baseline="0" dirty="0" err="1" smtClean="0"/>
-              <a:t>Studio</a:t>
+              <a:t> több formában is használtam, nem csak C# programozásra. Számomra </a:t>
             </a:r>
             <a:r>
               <a:rPr lang="hu-HU" baseline="0" dirty="0" smtClean="0"/>
-              <a:t> volt az egyik legátláthatóbb fejlesztői környezet. </a:t>
+              <a:t>ez </a:t>
+            </a:r>
+            <a:r>
+              <a:rPr lang="hu-HU" baseline="0" dirty="0" smtClean="0"/>
+              <a:t>volt az egyik legátláthatóbb fejlesztői környezet. </a:t>
             </a:r>
           </a:p>
           <a:p>
@@ -980,7 +855,7 @@
             </a:r>
             <a:r>
               <a:rPr lang="hu-HU" baseline="0" dirty="0" smtClean="0"/>
-              <a:t> szakdolgozatom témája egy antikvárium nyilvántartó alkalmazás, melynek segítségével a felhasználó kezelni tudja az eladásokat valamint az adatbázisba található könyveket, törzsvásárlókat és kívánságokat. A kiadásokat illetve a bevételeket megtudja figyelni, azokból kimutatásokat tud készíteni.</a:t>
+              <a:t> szakdolgozatom témája egy antikvár könyvesbolt nyilvántartó alkalmazása, melynek segítségével a felhasználó kezelni tudja az eladásokat valamint az adatbázisba található könyveket, törzsvásárlókat és kívánságokat. A kiadásokat illetve a bevételeket megtudja figyelni, azokból kimutatásokat tud készíteni.</a:t>
             </a:r>
             <a:endParaRPr lang="hu-HU" dirty="0"/>
           </a:p>
@@ -1161,10 +1036,19 @@
                 <a:ea typeface="+mn-ea"/>
                 <a:cs typeface="+mn-cs"/>
               </a:rPr>
-              <a:t>, mely alapján a későbbiekben kimutatásokat tudunk készíteni.</a:t>
-            </a:r>
-          </a:p>
-          <a:p>
+              <a:t>, mely alapján a későbbiekben kimutatásokat tudunk készíteni. A könyvek először egy kosárba kerülnek, ha</a:t>
+            </a:r>
+            <a:r>
+              <a:rPr lang="hu-HU" sz="1200" kern="1200" baseline="0" dirty="0" smtClean="0">
+                <a:solidFill>
+                  <a:schemeClr val="tx1"/>
+                </a:solidFill>
+                <a:latin typeface="+mn-lt"/>
+                <a:ea typeface="+mn-ea"/>
+                <a:cs typeface="+mn-cs"/>
+              </a:rPr>
+              <a:t> ez megtörtént</a:t>
+            </a:r>
             <a:r>
               <a:rPr lang="hu-HU" sz="1200" kern="1200" dirty="0" smtClean="0">
                 <a:solidFill>
@@ -1174,7 +1058,7 @@
                 <a:ea typeface="+mn-ea"/>
                 <a:cs typeface="+mn-cs"/>
               </a:rPr>
-              <a:t>Az</a:t>
+              <a:t> olyan </a:t>
             </a:r>
             <a:r>
               <a:rPr lang="hu-HU" sz="1200" kern="1200" baseline="0" dirty="0" smtClean="0">
@@ -1185,12 +1069,12 @@
                 <a:ea typeface="+mn-ea"/>
                 <a:cs typeface="+mn-cs"/>
               </a:rPr>
-              <a:t> egyszerű eladás mellett mellék funkciók használatára is lehetőség van. Ilyen például a kedvezmények kezelése amely lehet könyv és/vagy végösszeg kedvezmény, illetve a törzsvásárlókhoz kapcsolódó funkciók, mint a törzsvásárlói pont levonás és pont jóváírás a vásárlás végén.</a:t>
-            </a:r>
-          </a:p>
-          <a:p>
-            <a:r>
-              <a:rPr lang="hu-HU" sz="1200" kern="1200" baseline="0" smtClean="0">
+              <a:t>mellék funkciók használatára is lehetőség van, mint például a kedvezmények kezelése, amely lehet könyv és/vagy végösszeg kedvezmény, illetve a törzsvásárlókhoz kapcsolódó funkciók, mint a törzsvásárlói pont levonás és pont jóváírás a vásárlás végén. </a:t>
+            </a:r>
+          </a:p>
+          <a:p>
+            <a:r>
+              <a:rPr lang="hu-HU" sz="1200" kern="1200" baseline="0" dirty="0" smtClean="0">
                 <a:solidFill>
                   <a:schemeClr val="tx1"/>
                 </a:solidFill>
@@ -1198,16 +1082,8 @@
                 <a:ea typeface="+mn-ea"/>
                 <a:cs typeface="+mn-cs"/>
               </a:rPr>
-              <a:t>VONAL KÓD</a:t>
-            </a:r>
-            <a:endParaRPr lang="hu-HU" sz="1200" kern="1200" baseline="0" dirty="0" smtClean="0">
-              <a:solidFill>
-                <a:schemeClr val="tx1"/>
-              </a:solidFill>
-              <a:latin typeface="+mn-lt"/>
-              <a:ea typeface="+mn-ea"/>
-              <a:cs typeface="+mn-cs"/>
-            </a:endParaRPr>
+              <a:t>Az adatbázisból vonalkód segítségével is tudunk könyvet kikeresni.</a:t>
+            </a:r>
           </a:p>
         </p:txBody>
       </p:sp>
@@ -1298,7 +1174,7 @@
                 <a:ea typeface="+mn-ea"/>
                 <a:cs typeface="+mn-cs"/>
               </a:rPr>
-              <a:t>Az üzletbe többször betérő és ott vásárló vendég dönthet</a:t>
+              <a:t>Az üzletbe betérő és ott vásárló vendég dönthet</a:t>
             </a:r>
             <a:r>
               <a:rPr lang="hu-HU" sz="1200" kern="1200" baseline="0" dirty="0" smtClean="0">
@@ -1320,7 +1196,29 @@
                 <a:ea typeface="+mn-ea"/>
                 <a:cs typeface="+mn-cs"/>
               </a:rPr>
-              <a:t> törzsvásárlói kedvezményekben szeretne részesülni, ennek feltétele a beregisztrálás a rendszerbe. A regisztrálás mellett az adatok módosítására, valamint a törzsvásárló törlésére is van lehetőség. Emellett a</a:t>
+              <a:t> törzsvásárlói kedvezményekben szeretne részesülni, ennek feltétele,</a:t>
+            </a:r>
+            <a:r>
+              <a:rPr lang="hu-HU" sz="1200" kern="1200" baseline="0" dirty="0" smtClean="0">
+                <a:solidFill>
+                  <a:schemeClr val="tx1"/>
+                </a:solidFill>
+                <a:latin typeface="+mn-lt"/>
+                <a:ea typeface="+mn-ea"/>
+                <a:cs typeface="+mn-cs"/>
+              </a:rPr>
+              <a:t> hogy </a:t>
+            </a:r>
+            <a:r>
+              <a:rPr lang="hu-HU" sz="1200" kern="1200" dirty="0" smtClean="0">
+                <a:solidFill>
+                  <a:schemeClr val="tx1"/>
+                </a:solidFill>
+                <a:latin typeface="+mn-lt"/>
+                <a:ea typeface="+mn-ea"/>
+                <a:cs typeface="+mn-cs"/>
+              </a:rPr>
+              <a:t>beregisztrálásra kerül a rendszerbe. A regisztrálás mellett az adatok módosítására, valamint a törzsvásárló törlésére is van lehetőség. Emellett a</a:t>
             </a:r>
             <a:r>
               <a:rPr lang="hu-HU" sz="1200" kern="1200" baseline="0" dirty="0" smtClean="0">
@@ -1353,29 +1251,7 @@
                 <a:ea typeface="+mn-ea"/>
                 <a:cs typeface="+mn-cs"/>
               </a:rPr>
-              <a:t> generál regisztráció esetén valamint figyelmeztető </a:t>
-            </a:r>
-            <a:r>
-              <a:rPr lang="hu-HU" sz="1200" kern="1200" baseline="0" dirty="0" err="1" smtClean="0">
-                <a:solidFill>
-                  <a:schemeClr val="tx1"/>
-                </a:solidFill>
-                <a:latin typeface="+mn-lt"/>
-                <a:ea typeface="+mn-ea"/>
-                <a:cs typeface="+mn-cs"/>
-              </a:rPr>
-              <a:t>emailt</a:t>
-            </a:r>
-            <a:r>
-              <a:rPr lang="hu-HU" sz="1200" kern="1200" baseline="0" dirty="0" smtClean="0">
-                <a:solidFill>
-                  <a:schemeClr val="tx1"/>
-                </a:solidFill>
-                <a:latin typeface="+mn-lt"/>
-                <a:ea typeface="+mn-ea"/>
-                <a:cs typeface="+mn-cs"/>
-              </a:rPr>
-              <a:t> küld az előző éves pontok lejáratáról.</a:t>
+              <a:t> generál regisztráció esetén, valamint figyelmeztető üzenetet küld az előző éves pontok lejáratáról.</a:t>
             </a:r>
             <a:endParaRPr lang="hu-HU" dirty="0"/>
           </a:p>
@@ -1473,7 +1349,7 @@
             </a:r>
             <a:r>
               <a:rPr lang="hu-HU" baseline="0" dirty="0" smtClean="0"/>
-              <a:t> generál és küld a könyvet kereső vásárlónak.</a:t>
+              <a:t> generál és küld a könyvet kereső vásárlónak a megadott elérhetőségre.</a:t>
             </a:r>
             <a:endParaRPr lang="hu-HU" dirty="0"/>
           </a:p>
@@ -1583,7 +1459,7 @@
                 <a:ea typeface="+mn-ea"/>
                 <a:cs typeface="+mn-cs"/>
               </a:rPr>
-              <a:t>A kívánság lista egy lehetőség a vásárlók számára, hogy egy általuk keresett, de az üzletben még nem fellelhető könyvet megrendeljenek. Ebben az esetben a felhasználó felviszi a kívánt könyv</a:t>
+              <a:t>A kívánság lista egy lehetőség a vásárlók számára, hogy egy általuk keresett, de az üzletben még nem fellelhető könyvet „megrendeljenek”. Ebben az esetben a felhasználó felviszi a kívánt könyv</a:t>
             </a:r>
             <a:r>
               <a:rPr lang="hu-HU" sz="1200" kern="1200" baseline="0" dirty="0" smtClean="0">
@@ -1605,7 +1481,29 @@
                 <a:ea typeface="+mn-ea"/>
                 <a:cs typeface="+mn-cs"/>
               </a:rPr>
-              <a:t> az adatbázisba. Amikor a könyv megérkezik az üzletbe a megadott adatok alapján az vásárló</a:t>
+              <a:t> az adatbázisba valamint megadja</a:t>
+            </a:r>
+            <a:r>
+              <a:rPr lang="hu-HU" sz="1200" kern="1200" baseline="0" dirty="0" smtClean="0">
+                <a:solidFill>
+                  <a:schemeClr val="tx1"/>
+                </a:solidFill>
+                <a:latin typeface="+mn-lt"/>
+                <a:ea typeface="+mn-ea"/>
+                <a:cs typeface="+mn-cs"/>
+              </a:rPr>
+              <a:t> a vásárló adatait is</a:t>
+            </a:r>
+            <a:r>
+              <a:rPr lang="hu-HU" sz="1200" kern="1200" dirty="0" smtClean="0">
+                <a:solidFill>
+                  <a:schemeClr val="tx1"/>
+                </a:solidFill>
+                <a:latin typeface="+mn-lt"/>
+                <a:ea typeface="+mn-ea"/>
+                <a:cs typeface="+mn-cs"/>
+              </a:rPr>
+              <a:t>. Amikor a könyv megérkezik az üzletbe a megadott adatok alapján az vásárló</a:t>
             </a:r>
             <a:r>
               <a:rPr lang="hu-HU" sz="1200" kern="1200" baseline="0" dirty="0" smtClean="0">
@@ -1744,7 +1642,7 @@
                 <a:ea typeface="+mn-ea"/>
                 <a:cs typeface="+mn-cs"/>
               </a:rPr>
-              <a:t>A kimutatások célja, hogy adott időszakokra vissza tudjon a felhasználó tekinteni, hogy milyen volt a forgalom. Amellett, hogy láthatjuk az egyes kiadásokat és bevételeket, azt is láthatjuk, hogy az adott időszakra a vállalkozás nyereséges vagy veszteséges volt-e. Ezeket</a:t>
+              <a:t>A kimutatások célja, hogy adott időszakokra vissza tudjon a felhasználó tekinteni, hogy milyen volt a forgalom. Amellett, hogy láthatjuk az egyes kiadásokat és bevételeket, azt is láthatjuk, hogy az adott időszakra a vállalkozás nyereséges vagy veszteséges volt-e</a:t>
             </a:r>
             <a:r>
               <a:rPr lang="hu-HU" sz="1200" kern="1200" baseline="0" dirty="0" smtClean="0">
@@ -1755,7 +1653,29 @@
                 <a:ea typeface="+mn-ea"/>
                 <a:cs typeface="+mn-cs"/>
               </a:rPr>
-              <a:t> táblákba rendezve illetve diagramokon tudjuk megtekinteni.</a:t>
+              <a:t> teljes kimutatás esetén</a:t>
+            </a:r>
+            <a:r>
+              <a:rPr lang="hu-HU" sz="1200" kern="1200" dirty="0" smtClean="0">
+                <a:solidFill>
+                  <a:schemeClr val="tx1"/>
+                </a:solidFill>
+                <a:latin typeface="+mn-lt"/>
+                <a:ea typeface="+mn-ea"/>
+                <a:cs typeface="+mn-cs"/>
+              </a:rPr>
+              <a:t>. Ezeket</a:t>
+            </a:r>
+            <a:r>
+              <a:rPr lang="hu-HU" sz="1200" kern="1200" baseline="0" dirty="0" smtClean="0">
+                <a:solidFill>
+                  <a:schemeClr val="tx1"/>
+                </a:solidFill>
+                <a:latin typeface="+mn-lt"/>
+                <a:ea typeface="+mn-ea"/>
+                <a:cs typeface="+mn-cs"/>
+              </a:rPr>
+              <a:t> táblákba rendezve, illetve diagramokon tudjuk megtekinteni. Valamint összegezve láthatjuk a bevételeket vagy kiadások illetve a teljes kimutatásnál pedig a nyereséget vagy veszteséget.</a:t>
             </a:r>
             <a:endParaRPr lang="hu-HU" dirty="0"/>
           </a:p>
@@ -1860,6 +1780,18 @@
               <a:t> be épített </a:t>
             </a:r>
             <a:r>
+              <a:rPr lang="hu-HU" dirty="0" smtClean="0"/>
+              <a:t>Microsoft SQL Server </a:t>
+            </a:r>
+            <a:r>
+              <a:rPr lang="hu-HU" dirty="0" err="1" smtClean="0"/>
+              <a:t>Database</a:t>
+            </a:r>
+            <a:r>
+              <a:rPr lang="hu-HU" dirty="0" smtClean="0"/>
+              <a:t> Project </a:t>
+            </a:r>
+            <a:r>
               <a:rPr lang="hu-HU" b="0" dirty="0" smtClean="0"/>
               <a:t>adatbázis kezelő</a:t>
             </a:r>
@@ -1877,19 +1809,19 @@
           <a:p>
             <a:r>
               <a:rPr lang="hu-HU" b="0" baseline="0" dirty="0" smtClean="0"/>
-              <a:t>- Könyvek: A könyvek adatait tartalmazza, mint például ISBN szám, cím, szerző, kiadás éve, beszerzési és eladási ár.</a:t>
+              <a:t>- Könyvek tábla, ami a könyvek adatait tartalmazza, mint például ISBN szám, cím, szerző, kiadás éve, beszerzési és eladási ár és további nem túlzottan lényeges adatot.</a:t>
             </a:r>
           </a:p>
           <a:p>
             <a:r>
               <a:rPr lang="hu-HU" b="0" baseline="0" dirty="0" smtClean="0"/>
-              <a:t>- Kívánság lista, amely tartalmazza a keresett könyv adatait valamint a vásárló adatait.</a:t>
+              <a:t>- Kívánság lista, amely tartalmazza a keresett könyv adatait, valamint a vásárló adatait.</a:t>
             </a:r>
           </a:p>
           <a:p>
             <a:r>
               <a:rPr lang="hu-HU" b="0" baseline="0" dirty="0" smtClean="0"/>
-              <a:t>- Törzsvásárló: a törzsvásárló adatait tartalmazza, valamint a gyűjtött pontokat.</a:t>
+              <a:t>- Törzsvásárlói tábla a törzsvásárló adatait tartalmazza, valamint a gyűjtött pontokat.</a:t>
             </a:r>
           </a:p>
           <a:p>
@@ -2167,7 +2099,7 @@
             <a:fld id="{6DBBE4E9-0AAF-4947-BBC4-AE0D9F67A6EA}" type="datetime1">
               <a:rPr lang="hu-HU" smtClean="0"/>
               <a:pPr/>
-              <a:t>2022. 04. 22.</a:t>
+              <a:t>2022. 04. 24.</a:t>
             </a:fld>
             <a:endParaRPr lang="hu-HU"/>
           </a:p>
@@ -2356,7 +2288,7 @@
             <a:fld id="{B71538CF-0DEE-4872-B93F-47AD2749AEB4}" type="datetime1">
               <a:rPr lang="hu-HU" smtClean="0"/>
               <a:pPr/>
-              <a:t>2022. 04. 22.</a:t>
+              <a:t>2022. 04. 24.</a:t>
             </a:fld>
             <a:endParaRPr lang="hu-HU"/>
           </a:p>
@@ -2533,7 +2465,7 @@
             <a:fld id="{B3E4B75C-3C0D-45BE-B899-1245D58762CC}" type="datetime1">
               <a:rPr lang="hu-HU" smtClean="0"/>
               <a:pPr/>
-              <a:t>2022. 04. 22.</a:t>
+              <a:t>2022. 04. 24.</a:t>
             </a:fld>
             <a:endParaRPr lang="hu-HU"/>
           </a:p>
@@ -2715,7 +2647,7 @@
             <a:fld id="{AB8848BB-D2B5-41DC-B8DE-E00EEB6B598A}" type="datetime1">
               <a:rPr lang="hu-HU" smtClean="0"/>
               <a:pPr/>
-              <a:t>2022. 04. 22.</a:t>
+              <a:t>2022. 04. 24.</a:t>
             </a:fld>
             <a:endParaRPr lang="hu-HU"/>
           </a:p>
@@ -2964,7 +2896,7 @@
             <a:fld id="{ACC8B8B4-1A1E-483C-A1BD-3F3CBCAF9FA8}" type="datetime1">
               <a:rPr lang="hu-HU" smtClean="0"/>
               <a:pPr/>
-              <a:t>2022. 04. 22.</a:t>
+              <a:t>2022. 04. 24.</a:t>
             </a:fld>
             <a:endParaRPr lang="hu-HU"/>
           </a:p>
@@ -3440,7 +3372,7 @@
             <a:fld id="{8FFEBB73-7C6B-45A6-8166-4DE801ABD3B3}" type="datetime1">
               <a:rPr lang="hu-HU" smtClean="0"/>
               <a:pPr/>
-              <a:t>2022. 04. 22.</a:t>
+              <a:t>2022. 04. 24.</a:t>
             </a:fld>
             <a:endParaRPr lang="hu-HU"/>
           </a:p>
@@ -3857,7 +3789,7 @@
             <a:fld id="{F990B579-B90C-4956-A209-CA7522241AF6}" type="datetime1">
               <a:rPr lang="hu-HU" smtClean="0"/>
               <a:pPr/>
-              <a:t>2022. 04. 22.</a:t>
+              <a:t>2022. 04. 24.</a:t>
             </a:fld>
             <a:endParaRPr lang="hu-HU"/>
           </a:p>
@@ -3990,7 +3922,7 @@
             <a:fld id="{07167DDC-B325-4340-B0EB-8310002C4092}" type="datetime1">
               <a:rPr lang="hu-HU" smtClean="0"/>
               <a:pPr/>
-              <a:t>2022. 04. 22.</a:t>
+              <a:t>2022. 04. 24.</a:t>
             </a:fld>
             <a:endParaRPr lang="hu-HU"/>
           </a:p>
@@ -4087,7 +4019,7 @@
             <a:fld id="{CB56507B-C33F-4377-A254-AFFCED099BF9}" type="datetime1">
               <a:rPr lang="hu-HU" smtClean="0"/>
               <a:pPr/>
-              <a:t>2022. 04. 22.</a:t>
+              <a:t>2022. 04. 24.</a:t>
             </a:fld>
             <a:endParaRPr lang="hu-HU"/>
           </a:p>
@@ -4367,7 +4299,7 @@
             <a:fld id="{75403A14-5160-4CCA-9AF4-2D88D029D391}" type="datetime1">
               <a:rPr lang="hu-HU" smtClean="0"/>
               <a:pPr/>
-              <a:t>2022. 04. 22.</a:t>
+              <a:t>2022. 04. 24.</a:t>
             </a:fld>
             <a:endParaRPr lang="hu-HU"/>
           </a:p>
@@ -4621,7 +4553,7 @@
             <a:fld id="{95A6EFE5-EDFB-4CCB-90C1-CC0B9CF7F347}" type="datetime1">
               <a:rPr lang="hu-HU" smtClean="0"/>
               <a:pPr/>
-              <a:t>2022. 04. 22.</a:t>
+              <a:t>2022. 04. 24.</a:t>
             </a:fld>
             <a:endParaRPr lang="hu-HU"/>
           </a:p>
@@ -4995,7 +4927,7 @@
             <a:fld id="{1191DC5A-C8AE-4765-8B72-12ABF501E786}" type="datetime1">
               <a:rPr lang="hu-HU" smtClean="0"/>
               <a:pPr/>
-              <a:t>2022. 04. 22.</a:t>
+              <a:t>2022. 04. 24.</a:t>
             </a:fld>
             <a:endParaRPr lang="hu-HU"/>
           </a:p>
@@ -5439,10 +5371,8 @@
           <a:lstStyle/>
           <a:p>
             <a:r>
-              <a:rPr lang="hu-HU" dirty="0" smtClean="0">
-                <a:latin typeface="Century Gothic" pitchFamily="34" charset="0"/>
-              </a:rPr>
-              <a:t>ANTIKVÁRIUM NYILVÁNTARTÓ ALKALMAZÁS FEJLESZTÉS C# NYELVEN</a:t>
+              <a:rPr lang="hu-HU" dirty="0" smtClean="0"/>
+              <a:t>Antikvár könyvesbolti alkalmazás fejlesztés C# nyelven</a:t>
             </a:r>
             <a:endParaRPr lang="hu-HU" dirty="0">
               <a:latin typeface="Century Gothic" pitchFamily="34" charset="0"/>
@@ -5605,15 +5535,53 @@
           </a:p>
         </p:txBody>
       </p:sp>
+      <p:sp>
+        <p:nvSpPr>
+          <p:cNvPr id="8" name="Dia számának helye 3"/>
+          <p:cNvSpPr>
+            <a:spLocks noGrp="1"/>
+          </p:cNvSpPr>
+          <p:nvPr>
+            <p:ph type="sldNum" sz="quarter" idx="12"/>
+          </p:nvPr>
+        </p:nvSpPr>
+        <p:spPr>
+          <a:xfrm>
+            <a:off x="7517512" y="6223592"/>
+            <a:ext cx="654888" cy="301752"/>
+          </a:xfrm>
+        </p:spPr>
+        <p:txBody>
+          <a:bodyPr/>
+          <a:lstStyle/>
+          <a:p>
+            <a:r>
+              <a:rPr lang="hu-HU" sz="1400" b="1" dirty="0" smtClean="0">
+                <a:solidFill>
+                  <a:schemeClr val="accent1">
+                    <a:lumMod val="75000"/>
+                  </a:schemeClr>
+                </a:solidFill>
+              </a:rPr>
+              <a:t>9/11</a:t>
+            </a:r>
+            <a:endParaRPr lang="hu-HU" sz="1400" b="1" dirty="0">
+              <a:solidFill>
+                <a:schemeClr val="accent1">
+                  <a:lumMod val="75000"/>
+                </a:schemeClr>
+              </a:solidFill>
+            </a:endParaRPr>
+          </a:p>
+        </p:txBody>
+      </p:sp>
       <p:pic>
         <p:nvPicPr>
-          <p:cNvPr id="4" name="Tartalom helye 3" descr="Kimutatások.png"/>
+          <p:cNvPr id="7" name="Kép 6" descr="statements.png"/>
           <p:cNvPicPr>
-            <a:picLocks noGrp="1" noChangeAspect="1"/>
+            <a:picLocks noChangeAspect="1"/>
           </p:cNvPicPr>
-          <p:nvPr>
-            <p:ph idx="1"/>
-          </p:nvPr>
+          <p:nvPr/>
         </p:nvPicPr>
         <p:blipFill>
           <a:blip r:embed="rId3" cstate="print"/>
@@ -5623,51 +5591,37 @@
         </p:blipFill>
         <p:spPr>
           <a:xfrm>
-            <a:off x="1216795" y="1882775"/>
-            <a:ext cx="6710410" cy="4572000"/>
-          </a:xfrm>
+            <a:off x="107664" y="116792"/>
+            <a:ext cx="1440000" cy="1440000"/>
+          </a:xfrm>
+          <a:prstGeom prst="rect">
+            <a:avLst/>
+          </a:prstGeom>
         </p:spPr>
       </p:pic>
-      <p:sp>
-        <p:nvSpPr>
-          <p:cNvPr id="8" name="Dia számának helye 3"/>
-          <p:cNvSpPr>
-            <a:spLocks noGrp="1"/>
-          </p:cNvSpPr>
-          <p:nvPr>
-            <p:ph type="sldNum" sz="quarter" idx="12"/>
-          </p:nvPr>
-        </p:nvSpPr>
-        <p:spPr>
-          <a:xfrm>
-            <a:off x="7589520" y="6480969"/>
-            <a:ext cx="654888" cy="301752"/>
-          </a:xfrm>
-        </p:spPr>
-        <p:txBody>
-          <a:bodyPr/>
-          <a:lstStyle/>
-          <a:p>
-            <a:r>
-              <a:rPr lang="hu-HU" sz="1400" b="1" dirty="0" smtClean="0">
-                <a:solidFill>
-                  <a:schemeClr val="accent1">
-                    <a:lumMod val="75000"/>
-                  </a:schemeClr>
-                </a:solidFill>
-              </a:rPr>
-              <a:t>8/12</a:t>
-            </a:r>
-            <a:endParaRPr lang="hu-HU" sz="1400" b="1" dirty="0">
-              <a:solidFill>
-                <a:schemeClr val="accent1">
-                  <a:lumMod val="75000"/>
-                </a:schemeClr>
-              </a:solidFill>
-            </a:endParaRPr>
-          </a:p>
-        </p:txBody>
-      </p:sp>
+      <p:pic>
+        <p:nvPicPr>
+          <p:cNvPr id="10" name="Tartalom helye 9" descr="Kimutatások új.PNG"/>
+          <p:cNvPicPr>
+            <a:picLocks noGrp="1" noChangeAspect="1"/>
+          </p:cNvPicPr>
+          <p:nvPr>
+            <p:ph idx="1"/>
+          </p:nvPr>
+        </p:nvPicPr>
+        <p:blipFill>
+          <a:blip r:embed="rId4" cstate="print"/>
+          <a:stretch>
+            <a:fillRect/>
+          </a:stretch>
+        </p:blipFill>
+        <p:spPr>
+          <a:xfrm>
+            <a:off x="839810" y="1556792"/>
+            <a:ext cx="7464380" cy="4572000"/>
+          </a:xfrm>
+        </p:spPr>
+      </p:pic>
     </p:spTree>
   </p:cSld>
   <p:clrMapOvr>
@@ -5737,60 +5691,34 @@
             <p:ph idx="1"/>
           </p:nvPr>
         </p:nvSpPr>
-        <p:spPr/>
+        <p:spPr>
+          <a:xfrm>
+            <a:off x="251520" y="1844824"/>
+            <a:ext cx="4968552" cy="1656184"/>
+          </a:xfrm>
+        </p:spPr>
         <p:txBody>
           <a:bodyPr/>
           <a:lstStyle/>
           <a:p>
             <a:r>
               <a:rPr lang="hu-HU" dirty="0" smtClean="0"/>
-              <a:t>DB Browser </a:t>
+              <a:t>Microsoft SQL Server </a:t>
             </a:r>
             <a:r>
               <a:rPr lang="hu-HU" dirty="0" err="1" smtClean="0"/>
-              <a:t>for</a:t>
+              <a:t>Database</a:t>
             </a:r>
             <a:r>
               <a:rPr lang="hu-HU" dirty="0" smtClean="0"/>
-              <a:t> </a:t>
-            </a:r>
-            <a:r>
-              <a:rPr lang="hu-HU" dirty="0" err="1" smtClean="0"/>
-              <a:t>SQLite</a:t>
-            </a:r>
-            <a:endParaRPr lang="hu-HU" dirty="0" smtClean="0"/>
+              <a:t> Project</a:t>
+            </a:r>
           </a:p>
           <a:p>
             <a:endParaRPr lang="hu-HU" dirty="0"/>
           </a:p>
         </p:txBody>
       </p:sp>
-      <p:pic>
-        <p:nvPicPr>
-          <p:cNvPr id="1026" name="Picture 2" descr="C:\Users\Tündi\AppData\Local\Microsoft\Windows\INetCache\IE\GJGOM1UQ\database-symbol-vector-clipart[1].png"/>
-          <p:cNvPicPr>
-            <a:picLocks noChangeAspect="1" noChangeArrowheads="1"/>
-          </p:cNvPicPr>
-          <p:nvPr/>
-        </p:nvPicPr>
-        <p:blipFill>
-          <a:blip r:embed="rId3" cstate="print"/>
-          <a:srcRect/>
-          <a:stretch>
-            <a:fillRect/>
-          </a:stretch>
-        </p:blipFill>
-        <p:spPr bwMode="auto">
-          <a:xfrm>
-            <a:off x="5148064" y="2924944"/>
-            <a:ext cx="2808312" cy="3099719"/>
-          </a:xfrm>
-          <a:prstGeom prst="rect">
-            <a:avLst/>
-          </a:prstGeom>
-          <a:noFill/>
-        </p:spPr>
-      </p:pic>
       <p:sp>
         <p:nvSpPr>
           <p:cNvPr id="6" name="Dia számának helye 3"/>
@@ -5803,7 +5731,7 @@
         </p:nvSpPr>
         <p:spPr>
           <a:xfrm>
-            <a:off x="7589520" y="6480969"/>
+            <a:off x="7452320" y="6223592"/>
             <a:ext cx="726896" cy="301752"/>
           </a:xfrm>
         </p:spPr>
@@ -5819,7 +5747,7 @@
                   </a:schemeClr>
                 </a:solidFill>
               </a:rPr>
-              <a:t>9/12</a:t>
+              <a:t>10/11</a:t>
             </a:r>
             <a:endParaRPr lang="hu-HU" b="1" dirty="0">
               <a:solidFill>
@@ -5831,6 +5759,54 @@
           </a:p>
         </p:txBody>
       </p:sp>
+      <p:pic>
+        <p:nvPicPr>
+          <p:cNvPr id="9" name="Kép 8" descr="ER model.PNG"/>
+          <p:cNvPicPr>
+            <a:picLocks noChangeAspect="1"/>
+          </p:cNvPicPr>
+          <p:nvPr/>
+        </p:nvPicPr>
+        <p:blipFill>
+          <a:blip r:embed="rId3" cstate="print"/>
+          <a:stretch>
+            <a:fillRect/>
+          </a:stretch>
+        </p:blipFill>
+        <p:spPr>
+          <a:xfrm>
+            <a:off x="2019395" y="2996952"/>
+            <a:ext cx="5105211" cy="3174000"/>
+          </a:xfrm>
+          <a:prstGeom prst="rect">
+            <a:avLst/>
+          </a:prstGeom>
+        </p:spPr>
+      </p:pic>
+      <p:pic>
+        <p:nvPicPr>
+          <p:cNvPr id="10" name="Kép 9" descr="database.png"/>
+          <p:cNvPicPr>
+            <a:picLocks noChangeAspect="1"/>
+          </p:cNvPicPr>
+          <p:nvPr/>
+        </p:nvPicPr>
+        <p:blipFill>
+          <a:blip r:embed="rId4" cstate="print"/>
+          <a:stretch>
+            <a:fillRect/>
+          </a:stretch>
+        </p:blipFill>
+        <p:spPr>
+          <a:xfrm>
+            <a:off x="107664" y="116792"/>
+            <a:ext cx="1440000" cy="1440000"/>
+          </a:xfrm>
+          <a:prstGeom prst="rect">
+            <a:avLst/>
+          </a:prstGeom>
+        </p:spPr>
+      </p:pic>
     </p:spTree>
   </p:cSld>
   <p:clrMapOvr>
@@ -5868,67 +5844,124 @@
         </p:nvSpPr>
         <p:spPr/>
         <p:txBody>
+          <a:bodyPr>
+            <a:normAutofit/>
+          </a:bodyPr>
+          <a:lstStyle/>
+          <a:p>
+            <a:pPr algn="ctr"/>
+            <a:r>
+              <a:rPr lang="hu-HU" sz="4400" dirty="0" smtClean="0"/>
+              <a:t>Jövőbeli </a:t>
+            </a:r>
+            <a:r>
+              <a:rPr lang="hu-HU" sz="4400" dirty="0" smtClean="0">
+                <a:solidFill>
+                  <a:srgbClr val="FF0000"/>
+                </a:solidFill>
+              </a:rPr>
+              <a:t>lehetőségek</a:t>
+            </a:r>
+            <a:endParaRPr lang="hu-HU" sz="4400" dirty="0" smtClean="0"/>
+          </a:p>
+        </p:txBody>
+      </p:sp>
+      <p:sp>
+        <p:nvSpPr>
+          <p:cNvPr id="8" name="Dia számának helye 3"/>
+          <p:cNvSpPr>
+            <a:spLocks noGrp="1"/>
+          </p:cNvSpPr>
+          <p:nvPr>
+            <p:ph type="sldNum" sz="quarter" idx="12"/>
+          </p:nvPr>
+        </p:nvSpPr>
+        <p:spPr>
+          <a:xfrm>
+            <a:off x="7380312" y="6237312"/>
+            <a:ext cx="870912" cy="301752"/>
+          </a:xfrm>
+        </p:spPr>
+        <p:txBody>
           <a:bodyPr/>
           <a:lstStyle/>
           <a:p>
-            <a:pPr algn="ctr"/>
+            <a:r>
+              <a:rPr lang="hu-HU" sz="1400" b="1" dirty="0" smtClean="0">
+                <a:solidFill>
+                  <a:schemeClr val="accent1">
+                    <a:lumMod val="75000"/>
+                  </a:schemeClr>
+                </a:solidFill>
+              </a:rPr>
+              <a:t>11/</a:t>
+            </a:r>
+            <a:r>
+              <a:rPr lang="hu-HU" sz="1400" b="1" dirty="0" err="1" smtClean="0">
+                <a:solidFill>
+                  <a:schemeClr val="accent1">
+                    <a:lumMod val="75000"/>
+                  </a:schemeClr>
+                </a:solidFill>
+              </a:rPr>
+              <a:t>11</a:t>
+            </a:r>
+            <a:endParaRPr lang="hu-HU" sz="1400" b="1" dirty="0" smtClean="0">
+              <a:solidFill>
+                <a:schemeClr val="accent1">
+                  <a:lumMod val="75000"/>
+                </a:schemeClr>
+              </a:solidFill>
+            </a:endParaRPr>
+          </a:p>
+        </p:txBody>
+      </p:sp>
+      <p:sp>
+        <p:nvSpPr>
+          <p:cNvPr id="4" name="Tartalom helye 2"/>
+          <p:cNvSpPr>
+            <a:spLocks noGrp="1"/>
+          </p:cNvSpPr>
+          <p:nvPr>
+            <p:ph idx="1"/>
+          </p:nvPr>
+        </p:nvSpPr>
+        <p:spPr>
+          <a:xfrm>
+            <a:off x="251520" y="1844824"/>
+            <a:ext cx="8424936" cy="4464496"/>
+          </a:xfrm>
+        </p:spPr>
+        <p:txBody>
+          <a:bodyPr/>
+          <a:lstStyle/>
+          <a:p>
             <a:r>
               <a:rPr lang="hu-HU" dirty="0" smtClean="0"/>
-              <a:t>Célkitűzések</a:t>
-            </a:r>
-            <a:endParaRPr lang="hu-HU" dirty="0"/>
-          </a:p>
-        </p:txBody>
-      </p:sp>
-      <p:sp>
-        <p:nvSpPr>
-          <p:cNvPr id="3" name="Tartalom helye 2"/>
-          <p:cNvSpPr>
-            <a:spLocks noGrp="1"/>
-          </p:cNvSpPr>
-          <p:nvPr>
-            <p:ph idx="1"/>
-          </p:nvPr>
-        </p:nvSpPr>
-        <p:spPr/>
-        <p:txBody>
-          <a:bodyPr/>
-          <a:lstStyle/>
-          <a:p>
+              <a:t>Vonalkód olvasó tovább fejlesztése</a:t>
+            </a:r>
+          </a:p>
+          <a:p>
+            <a:r>
+              <a:rPr lang="hu-HU" dirty="0" err="1" smtClean="0"/>
+              <a:t>Android</a:t>
+            </a:r>
             <a:r>
               <a:rPr lang="hu-HU" dirty="0" smtClean="0"/>
-              <a:t>Alapfunkciók elkészítése</a:t>
+              <a:t> platformba való áthelyezés</a:t>
             </a:r>
           </a:p>
           <a:p>
             <a:r>
               <a:rPr lang="hu-HU" dirty="0" smtClean="0"/>
-              <a:t>Hiányzó funkciók kidolgozása</a:t>
-            </a:r>
-          </a:p>
-          <a:p>
-            <a:r>
-              <a:rPr lang="hu-HU" dirty="0" smtClean="0"/>
-              <a:t>Hibakezelések rendes kidolgozása</a:t>
-            </a:r>
-          </a:p>
-          <a:p>
-            <a:r>
-              <a:rPr lang="hu-HU" dirty="0" smtClean="0"/>
-              <a:t>Látványvilág kidolgozása</a:t>
-            </a:r>
-          </a:p>
-          <a:p>
-            <a:r>
-              <a:rPr lang="hu-HU" dirty="0" smtClean="0"/>
-              <a:t>Az adatbázis feltöltése</a:t>
-            </a:r>
-          </a:p>
-          <a:p>
-            <a:r>
-              <a:rPr lang="hu-HU" dirty="0" smtClean="0"/>
-              <a:t>Tesztelés</a:t>
-            </a:r>
+              <a:t>Bejelentkezés</a:t>
+            </a:r>
+          </a:p>
+          <a:p>
+            <a:endParaRPr lang="hu-HU" dirty="0" smtClean="0"/>
+          </a:p>
+          <a:p>
+            <a:endParaRPr lang="hu-HU" dirty="0" smtClean="0"/>
           </a:p>
           <a:p>
             <a:endParaRPr lang="hu-HU" dirty="0"/>
@@ -5937,7 +5970,7 @@
       </p:sp>
       <p:pic>
         <p:nvPicPr>
-          <p:cNvPr id="6149" name="Picture 5" descr="C:\Users\Tündi\AppData\Local\Microsoft\Windows\INetCache\IE\GJGOM1UQ\location-and-destination-icons[1].png"/>
+          <p:cNvPr id="1028" name="Picture 4" descr="C:\Users\TÜNDI\AppData\Local\Microsoft\Windows\INetCache\IE\M65ADD8N\58538-development-android-software-free-hd-image[1].png"/>
           <p:cNvPicPr>
             <a:picLocks noChangeAspect="1" noChangeArrowheads="1"/>
           </p:cNvPicPr>
@@ -5952,8 +5985,8 @@
         </p:blipFill>
         <p:spPr bwMode="auto">
           <a:xfrm>
-            <a:off x="5652120" y="3429000"/>
-            <a:ext cx="2773735" cy="2773733"/>
+            <a:off x="3830294" y="3573296"/>
+            <a:ext cx="1483412" cy="2520000"/>
           </a:xfrm>
           <a:prstGeom prst="rect">
             <a:avLst/>
@@ -5961,46 +5994,85 @@
           <a:noFill/>
         </p:spPr>
       </p:pic>
-      <p:sp>
-        <p:nvSpPr>
-          <p:cNvPr id="9" name="Dia számának helye 3"/>
-          <p:cNvSpPr>
-            <a:spLocks noGrp="1"/>
-          </p:cNvSpPr>
-          <p:nvPr>
-            <p:ph type="sldNum" sz="quarter" idx="12"/>
-          </p:nvPr>
-        </p:nvSpPr>
-        <p:spPr>
-          <a:xfrm>
-            <a:off x="7589520" y="6480969"/>
-            <a:ext cx="870912" cy="301752"/>
-          </a:xfrm>
-        </p:spPr>
-        <p:txBody>
-          <a:bodyPr/>
-          <a:lstStyle/>
-          <a:p>
-            <a:r>
-              <a:rPr lang="hu-HU" sz="1400" b="1" dirty="0" smtClean="0">
-                <a:solidFill>
-                  <a:schemeClr val="accent1">
-                    <a:lumMod val="75000"/>
-                  </a:schemeClr>
-                </a:solidFill>
-              </a:rPr>
-              <a:t>10/12</a:t>
-            </a:r>
-          </a:p>
-        </p:txBody>
-      </p:sp>
+      <p:pic>
+        <p:nvPicPr>
+          <p:cNvPr id="9" name="Kép 8" descr="login.png"/>
+          <p:cNvPicPr>
+            <a:picLocks noChangeAspect="1"/>
+          </p:cNvPicPr>
+          <p:nvPr/>
+        </p:nvPicPr>
+        <p:blipFill>
+          <a:blip r:embed="rId4" cstate="print"/>
+          <a:stretch>
+            <a:fillRect/>
+          </a:stretch>
+        </p:blipFill>
+        <p:spPr>
+          <a:xfrm>
+            <a:off x="5796336" y="4005064"/>
+            <a:ext cx="1800000" cy="1800000"/>
+          </a:xfrm>
+          <a:prstGeom prst="rect">
+            <a:avLst/>
+          </a:prstGeom>
+        </p:spPr>
+      </p:pic>
+      <p:pic>
+        <p:nvPicPr>
+          <p:cNvPr id="10" name="Kép 9" descr="barcode_power_point.png"/>
+          <p:cNvPicPr>
+            <a:picLocks noChangeAspect="1"/>
+          </p:cNvPicPr>
+          <p:nvPr/>
+        </p:nvPicPr>
+        <p:blipFill>
+          <a:blip r:embed="rId5" cstate="print"/>
+          <a:stretch>
+            <a:fillRect/>
+          </a:stretch>
+        </p:blipFill>
+        <p:spPr>
+          <a:xfrm>
+            <a:off x="1547664" y="4005064"/>
+            <a:ext cx="1800000" cy="1800000"/>
+          </a:xfrm>
+          <a:prstGeom prst="rect">
+            <a:avLst/>
+          </a:prstGeom>
+        </p:spPr>
+      </p:pic>
+      <p:pic>
+        <p:nvPicPr>
+          <p:cNvPr id="13" name="Kép 12" descr="future.png"/>
+          <p:cNvPicPr>
+            <a:picLocks noChangeAspect="1"/>
+          </p:cNvPicPr>
+          <p:nvPr/>
+        </p:nvPicPr>
+        <p:blipFill>
+          <a:blip r:embed="rId6" cstate="print"/>
+          <a:stretch>
+            <a:fillRect/>
+          </a:stretch>
+        </p:blipFill>
+        <p:spPr>
+          <a:xfrm>
+            <a:off x="107664" y="116792"/>
+            <a:ext cx="1440000" cy="1440000"/>
+          </a:xfrm>
+          <a:prstGeom prst="rect">
+            <a:avLst/>
+          </a:prstGeom>
+        </p:spPr>
+      </p:pic>
     </p:spTree>
   </p:cSld>
   <p:clrMapOvr>
     <a:masterClrMapping/>
   </p:clrMapOvr>
   <p:transition>
-    <p:wipe dir="r"/>
+    <p:wipe dir="u"/>
   </p:transition>
   <p:timing>
     <p:tnLst>
@@ -6031,7 +6103,7 @@
       </p:grpSpPr>
       <p:sp>
         <p:nvSpPr>
-          <p:cNvPr id="2" name="Cím 1"/>
+          <p:cNvPr id="5" name="Cím 4"/>
           <p:cNvSpPr>
             <a:spLocks noGrp="1"/>
           </p:cNvSpPr>
@@ -6039,110 +6111,10 @@
             <p:ph type="title"/>
           </p:nvPr>
         </p:nvSpPr>
-        <p:spPr/>
-        <p:txBody>
-          <a:bodyPr>
-            <a:normAutofit/>
-          </a:bodyPr>
-          <a:lstStyle/>
-          <a:p>
-            <a:pPr algn="ctr"/>
-            <a:r>
-              <a:rPr lang="hu-HU" sz="4400" dirty="0" smtClean="0"/>
-              <a:t>Jövőbeli tervek</a:t>
-            </a:r>
-          </a:p>
-        </p:txBody>
-      </p:sp>
-      <p:sp>
-        <p:nvSpPr>
-          <p:cNvPr id="8" name="Dia számának helye 3"/>
-          <p:cNvSpPr>
-            <a:spLocks noGrp="1"/>
-          </p:cNvSpPr>
-          <p:nvPr>
-            <p:ph type="sldNum" sz="quarter" idx="12"/>
-          </p:nvPr>
-        </p:nvSpPr>
-        <p:spPr>
-          <a:xfrm>
-            <a:off x="7589520" y="6480969"/>
-            <a:ext cx="870912" cy="301752"/>
-          </a:xfrm>
-        </p:spPr>
-        <p:txBody>
-          <a:bodyPr/>
-          <a:lstStyle/>
-          <a:p>
-            <a:r>
-              <a:rPr lang="hu-HU" sz="1400" b="1" dirty="0" smtClean="0">
-                <a:solidFill>
-                  <a:schemeClr val="accent1">
-                    <a:lumMod val="75000"/>
-                  </a:schemeClr>
-                </a:solidFill>
-              </a:rPr>
-              <a:t>11/12</a:t>
-            </a:r>
-            <a:endParaRPr lang="hu-HU" sz="1400" b="1" dirty="0">
-              <a:solidFill>
-                <a:schemeClr val="accent1">
-                  <a:lumMod val="75000"/>
-                </a:schemeClr>
-              </a:solidFill>
-            </a:endParaRPr>
-          </a:p>
-        </p:txBody>
-      </p:sp>
-    </p:spTree>
-  </p:cSld>
-  <p:clrMapOvr>
-    <a:masterClrMapping/>
-  </p:clrMapOvr>
-  <p:transition>
-    <p:wipe dir="u"/>
-  </p:transition>
-  <p:timing>
-    <p:tnLst>
-      <p:par>
-        <p:cTn id="1" dur="indefinite" restart="never" nodeType="tmRoot"/>
-      </p:par>
-    </p:tnLst>
-  </p:timing>
-</p:sld>
-</file>
-
-<file path=ppt/slides/slide14.xml><?xml version="1.0" encoding="utf-8"?>
-<p:sld xmlns:a="http://schemas.openxmlformats.org/drawingml/2006/main" xmlns:r="http://schemas.openxmlformats.org/officeDocument/2006/relationships" xmlns:p="http://schemas.openxmlformats.org/presentationml/2006/main">
-  <p:cSld>
-    <p:spTree>
-      <p:nvGrpSpPr>
-        <p:cNvPr id="1" name=""/>
-        <p:cNvGrpSpPr/>
-        <p:nvPr/>
-      </p:nvGrpSpPr>
-      <p:grpSpPr>
-        <a:xfrm>
-          <a:off x="0" y="0"/>
-          <a:ext cx="0" cy="0"/>
-          <a:chOff x="0" y="0"/>
-          <a:chExt cx="0" cy="0"/>
-        </a:xfrm>
-      </p:grpSpPr>
-      <p:sp>
-        <p:nvSpPr>
-          <p:cNvPr id="5" name="Cím 4"/>
-          <p:cNvSpPr>
-            <a:spLocks noGrp="1"/>
-          </p:cNvSpPr>
-          <p:nvPr>
-            <p:ph type="title"/>
-          </p:nvPr>
-        </p:nvSpPr>
-        <p:spPr>
-          <a:xfrm>
-            <a:off x="457200" y="267494"/>
-            <a:ext cx="8229600" cy="6113834"/>
+        <p:spPr>
+          <a:xfrm>
+            <a:off x="894420" y="1916832"/>
+            <a:ext cx="7355160" cy="3024336"/>
           </a:xfrm>
         </p:spPr>
         <p:txBody>
@@ -6159,6 +6131,30 @@
           </a:p>
         </p:txBody>
       </p:sp>
+      <p:pic>
+        <p:nvPicPr>
+          <p:cNvPr id="3" name="Kép 2" descr="thank you.png"/>
+          <p:cNvPicPr>
+            <a:picLocks noChangeAspect="1"/>
+          </p:cNvPicPr>
+          <p:nvPr/>
+        </p:nvPicPr>
+        <p:blipFill>
+          <a:blip r:embed="rId2" cstate="print"/>
+          <a:stretch>
+            <a:fillRect/>
+          </a:stretch>
+        </p:blipFill>
+        <p:spPr>
+          <a:xfrm>
+            <a:off x="251680" y="260808"/>
+            <a:ext cx="1440000" cy="1440000"/>
+          </a:xfrm>
+          <a:prstGeom prst="rect">
+            <a:avLst/>
+          </a:prstGeom>
+        </p:spPr>
+      </p:pic>
     </p:spTree>
   </p:cSld>
   <p:clrMapOvr>
@@ -6199,9 +6195,10 @@
           <a:bodyPr/>
           <a:lstStyle/>
           <a:p>
+            <a:pPr algn="ctr"/>
             <a:r>
               <a:rPr lang="hu-HU" dirty="0" smtClean="0"/>
-              <a:t>Összefoglalás</a:t>
+              <a:t>Tartalom</a:t>
             </a:r>
             <a:endParaRPr lang="hu-HU" dirty="0"/>
           </a:p>
@@ -6220,7 +6217,7 @@
         <p:spPr/>
         <p:txBody>
           <a:bodyPr>
-            <a:normAutofit fontScale="92500" lnSpcReduction="10000"/>
+            <a:normAutofit lnSpcReduction="10000"/>
           </a:bodyPr>
           <a:lstStyle/>
           <a:p>
@@ -6325,16 +6322,6 @@
                   <a:schemeClr val="bg1"/>
                 </a:solidFill>
               </a:rPr>
-              <a:t>Célkitűzések</a:t>
-            </a:r>
-          </a:p>
-          <a:p>
-            <a:r>
-              <a:rPr lang="hu-HU" sz="2800" dirty="0" smtClean="0">
-                <a:solidFill>
-                  <a:schemeClr val="bg1"/>
-                </a:solidFill>
-              </a:rPr>
               <a:t>Jövőbeli tervek</a:t>
             </a:r>
           </a:p>
@@ -6359,7 +6346,7 @@
         </p:nvSpPr>
         <p:spPr>
           <a:xfrm>
-            <a:off x="7596336" y="6381328"/>
+            <a:off x="7452320" y="6223592"/>
             <a:ext cx="864096" cy="301752"/>
           </a:xfrm>
         </p:spPr>
@@ -6375,17 +6362,7 @@
                   </a:schemeClr>
                 </a:solidFill>
               </a:rPr>
-              <a:t>12/</a:t>
-            </a:r>
-            <a:r>
-              <a:rPr lang="hu-HU" sz="1400" b="1" dirty="0" err="1" smtClean="0">
-                <a:solidFill>
-                  <a:schemeClr val="accent1">
-                    <a:lumMod val="75000"/>
-                  </a:schemeClr>
-                </a:solidFill>
-              </a:rPr>
-              <a:t>12</a:t>
+              <a:t>1/11</a:t>
             </a:r>
             <a:endParaRPr lang="hu-HU" b="1" dirty="0">
               <a:solidFill>
@@ -6397,6 +6374,30 @@
           </a:p>
         </p:txBody>
       </p:sp>
+      <p:pic>
+        <p:nvPicPr>
+          <p:cNvPr id="5" name="Kép 4" descr="contant.png"/>
+          <p:cNvPicPr>
+            <a:picLocks noChangeAspect="1"/>
+          </p:cNvPicPr>
+          <p:nvPr/>
+        </p:nvPicPr>
+        <p:blipFill>
+          <a:blip r:embed="rId3" cstate="print"/>
+          <a:stretch>
+            <a:fillRect/>
+          </a:stretch>
+        </p:blipFill>
+        <p:spPr>
+          <a:xfrm>
+            <a:off x="86894" y="96022"/>
+            <a:ext cx="1440000" cy="1440000"/>
+          </a:xfrm>
+          <a:prstGeom prst="rect">
+            <a:avLst/>
+          </a:prstGeom>
+        </p:spPr>
+      </p:pic>
     </p:spTree>
   </p:cSld>
   <p:clrMapOvr>
@@ -6482,7 +6483,7 @@
         </p:blipFill>
         <p:spPr bwMode="auto">
           <a:xfrm>
-            <a:off x="1356758" y="5373216"/>
+            <a:off x="1356758" y="4941168"/>
             <a:ext cx="6430485" cy="1080120"/>
           </a:xfrm>
           <a:prstGeom prst="rect">
@@ -6518,7 +6519,7 @@
         </p:blipFill>
         <p:spPr>
           <a:xfrm>
-            <a:off x="3300235" y="2000051"/>
+            <a:off x="3300235" y="1772816"/>
             <a:ext cx="2543530" cy="2857899"/>
           </a:xfrm>
         </p:spPr>
@@ -6535,7 +6536,7 @@
         </p:nvSpPr>
         <p:spPr>
           <a:xfrm>
-            <a:off x="7589520" y="6453336"/>
+            <a:off x="7517512" y="6223592"/>
             <a:ext cx="654888" cy="301752"/>
           </a:xfrm>
         </p:spPr>
@@ -6551,7 +6552,7 @@
                   </a:schemeClr>
                 </a:solidFill>
               </a:rPr>
-              <a:t>1/12</a:t>
+              <a:t>2/11</a:t>
             </a:r>
           </a:p>
         </p:txBody>
@@ -6591,6 +6592,30 @@
           <a:chExt cx="0" cy="0"/>
         </a:xfrm>
       </p:grpSpPr>
+      <p:pic>
+        <p:nvPicPr>
+          <p:cNvPr id="7" name="Kép 6" descr="book.jpg"/>
+          <p:cNvPicPr>
+            <a:picLocks noChangeAspect="1"/>
+          </p:cNvPicPr>
+          <p:nvPr/>
+        </p:nvPicPr>
+        <p:blipFill>
+          <a:blip r:embed="rId3" cstate="print"/>
+          <a:stretch>
+            <a:fillRect/>
+          </a:stretch>
+        </p:blipFill>
+        <p:spPr>
+          <a:xfrm>
+            <a:off x="412000" y="1484784"/>
+            <a:ext cx="8320000" cy="4680000"/>
+          </a:xfrm>
+          <a:prstGeom prst="rect">
+            <a:avLst/>
+          </a:prstGeom>
+        </p:spPr>
+      </p:pic>
       <p:sp>
         <p:nvSpPr>
           <p:cNvPr id="2" name="Cím 1"/>
@@ -6629,7 +6654,7 @@
         </p:nvSpPr>
         <p:spPr>
           <a:xfrm>
-            <a:off x="7589520" y="6480969"/>
+            <a:off x="7524328" y="6237312"/>
             <a:ext cx="654888" cy="301752"/>
           </a:xfrm>
         </p:spPr>
@@ -6645,35 +6670,33 @@
                   </a:schemeClr>
                 </a:solidFill>
               </a:rPr>
-              <a:t>2/12</a:t>
+              <a:t>3/11</a:t>
             </a:r>
           </a:p>
         </p:txBody>
       </p:sp>
       <p:pic>
         <p:nvPicPr>
-          <p:cNvPr id="1026" name="Picture 2" descr="C:\Users\Tündi\AppData\Local\Microsoft\Windows\INetCache\IE\TGSB1RNV\Antiquarian-Books-Book-Market-Old-Books-Book-2273570[1].jpg"/>
+          <p:cNvPr id="6" name="Kép 5" descr="book.png"/>
           <p:cNvPicPr>
-            <a:picLocks noChangeAspect="1" noChangeArrowheads="1"/>
+            <a:picLocks noChangeAspect="1"/>
           </p:cNvPicPr>
           <p:nvPr/>
         </p:nvPicPr>
         <p:blipFill>
-          <a:blip r:embed="rId3" cstate="print"/>
-          <a:srcRect/>
+          <a:blip r:embed="rId4" cstate="print"/>
           <a:stretch>
             <a:fillRect/>
           </a:stretch>
         </p:blipFill>
-        <p:spPr bwMode="auto">
-          <a:xfrm>
-            <a:off x="1151620" y="1484784"/>
-            <a:ext cx="6840760" cy="4553084"/>
+        <p:spPr>
+          <a:xfrm>
+            <a:off x="107664" y="116792"/>
+            <a:ext cx="1440000" cy="1440000"/>
           </a:xfrm>
           <a:prstGeom prst="rect">
             <a:avLst/>
           </a:prstGeom>
-          <a:noFill/>
         </p:spPr>
       </p:pic>
     </p:spTree>
@@ -6764,11 +6787,35 @@
                   <a:schemeClr val="tx1"/>
                 </a:solidFill>
               </a:rPr>
-              <a:t>3/12</a:t>
-            </a:r>
-          </a:p>
-        </p:txBody>
-      </p:sp>
+              <a:t>4/11</a:t>
+            </a:r>
+          </a:p>
+        </p:txBody>
+      </p:sp>
+      <p:pic>
+        <p:nvPicPr>
+          <p:cNvPr id="4" name="Kép 3" descr="1743800_api_app_application_development_software_icon.png"/>
+          <p:cNvPicPr>
+            <a:picLocks noChangeAspect="1"/>
+          </p:cNvPicPr>
+          <p:nvPr/>
+        </p:nvPicPr>
+        <p:blipFill>
+          <a:blip r:embed="rId2" cstate="print"/>
+          <a:stretch>
+            <a:fillRect/>
+          </a:stretch>
+        </p:blipFill>
+        <p:spPr>
+          <a:xfrm>
+            <a:off x="251680" y="260808"/>
+            <a:ext cx="1800000" cy="1800000"/>
+          </a:xfrm>
+          <a:prstGeom prst="rect">
+            <a:avLst/>
+          </a:prstGeom>
+        </p:spPr>
+      </p:pic>
     </p:spTree>
   </p:cSld>
   <p:clrMapOvr>
@@ -6832,40 +6879,6 @@
           </a:p>
         </p:txBody>
       </p:sp>
-      <p:pic>
-        <p:nvPicPr>
-          <p:cNvPr id="1027" name="Picture 3" descr="C:\Users\Tündi\AppData\Local\Microsoft\Windows\INetCache\IE\UPXUB5VT\sale-stamp[1].jpg"/>
-          <p:cNvPicPr>
-            <a:picLocks noChangeAspect="1" noChangeArrowheads="1"/>
-          </p:cNvPicPr>
-          <p:nvPr/>
-        </p:nvPicPr>
-        <p:blipFill>
-          <a:blip r:embed="rId3" cstate="print">
-            <a:duotone>
-              <a:schemeClr val="accent3">
-                <a:shade val="45000"/>
-                <a:satMod val="135000"/>
-              </a:schemeClr>
-              <a:prstClr val="white"/>
-            </a:duotone>
-          </a:blip>
-          <a:srcRect/>
-          <a:stretch>
-            <a:fillRect/>
-          </a:stretch>
-        </p:blipFill>
-        <p:spPr bwMode="auto">
-          <a:xfrm>
-            <a:off x="827584" y="2276872"/>
-            <a:ext cx="7682657" cy="3869338"/>
-          </a:xfrm>
-          <a:prstGeom prst="rect">
-            <a:avLst/>
-          </a:prstGeom>
-          <a:noFill/>
-        </p:spPr>
-      </p:pic>
       <p:sp>
         <p:nvSpPr>
           <p:cNvPr id="7" name="Dia számának helye 3"/>
@@ -6878,7 +6891,7 @@
         </p:nvSpPr>
         <p:spPr>
           <a:xfrm>
-            <a:off x="7589520" y="6480969"/>
+            <a:off x="7524328" y="6223592"/>
             <a:ext cx="654888" cy="301752"/>
           </a:xfrm>
         </p:spPr>
@@ -6894,7 +6907,7 @@
                   </a:schemeClr>
                 </a:solidFill>
               </a:rPr>
-              <a:t>4/12</a:t>
+              <a:t>5/11</a:t>
             </a:r>
             <a:endParaRPr lang="hu-HU" b="1" dirty="0">
               <a:solidFill>
@@ -6906,6 +6919,54 @@
           </a:p>
         </p:txBody>
       </p:sp>
+      <p:pic>
+        <p:nvPicPr>
+          <p:cNvPr id="5" name="Kép 4" descr="Eladás új.PNG"/>
+          <p:cNvPicPr>
+            <a:picLocks noChangeAspect="1"/>
+          </p:cNvPicPr>
+          <p:nvPr/>
+        </p:nvPicPr>
+        <p:blipFill>
+          <a:blip r:embed="rId3" cstate="print"/>
+          <a:stretch>
+            <a:fillRect/>
+          </a:stretch>
+        </p:blipFill>
+        <p:spPr>
+          <a:xfrm>
+            <a:off x="948590" y="1700808"/>
+            <a:ext cx="7246821" cy="4464000"/>
+          </a:xfrm>
+          <a:prstGeom prst="rect">
+            <a:avLst/>
+          </a:prstGeom>
+        </p:spPr>
+      </p:pic>
+      <p:pic>
+        <p:nvPicPr>
+          <p:cNvPr id="6" name="Kép 5" descr="sale.png"/>
+          <p:cNvPicPr>
+            <a:picLocks noChangeAspect="1"/>
+          </p:cNvPicPr>
+          <p:nvPr/>
+        </p:nvPicPr>
+        <p:blipFill>
+          <a:blip r:embed="rId4" cstate="print"/>
+          <a:stretch>
+            <a:fillRect/>
+          </a:stretch>
+        </p:blipFill>
+        <p:spPr>
+          <a:xfrm>
+            <a:off x="107664" y="116792"/>
+            <a:ext cx="1440000" cy="1440000"/>
+          </a:xfrm>
+          <a:prstGeom prst="rect">
+            <a:avLst/>
+          </a:prstGeom>
+        </p:spPr>
+      </p:pic>
     </p:spTree>
   </p:cSld>
   <p:clrMapOvr>
@@ -6941,32 +7002,6 @@
           <a:chExt cx="0" cy="0"/>
         </a:xfrm>
       </p:grpSpPr>
-      <p:pic>
-        <p:nvPicPr>
-          <p:cNvPr id="5123" name="Picture 3" descr="C:\Users\Tündi\AppData\Local\Microsoft\Windows\INetCache\IE\TGSB1RNV\Customer-PNG-HD[1].png"/>
-          <p:cNvPicPr>
-            <a:picLocks noChangeAspect="1" noChangeArrowheads="1"/>
-          </p:cNvPicPr>
-          <p:nvPr/>
-        </p:nvPicPr>
-        <p:blipFill>
-          <a:blip r:embed="rId3" cstate="print"/>
-          <a:srcRect/>
-          <a:stretch>
-            <a:fillRect/>
-          </a:stretch>
-        </p:blipFill>
-        <p:spPr bwMode="auto">
-          <a:xfrm>
-            <a:off x="1556882" y="908720"/>
-            <a:ext cx="6030236" cy="4084514"/>
-          </a:xfrm>
-          <a:prstGeom prst="rect">
-            <a:avLst/>
-          </a:prstGeom>
-          <a:noFill/>
-        </p:spPr>
-      </p:pic>
       <p:sp>
         <p:nvSpPr>
           <p:cNvPr id="2" name="Cím 1"/>
@@ -7009,7 +7044,7 @@
         </p:nvSpPr>
         <p:spPr>
           <a:xfrm>
-            <a:off x="7589520" y="6480969"/>
+            <a:off x="7517512" y="6237312"/>
             <a:ext cx="654888" cy="301752"/>
           </a:xfrm>
         </p:spPr>
@@ -7025,7 +7060,7 @@
                   </a:schemeClr>
                 </a:solidFill>
               </a:rPr>
-              <a:t>5/12</a:t>
+              <a:t>6/11</a:t>
             </a:r>
             <a:endParaRPr lang="hu-HU" b="1" dirty="0">
               <a:solidFill>
@@ -7040,6 +7075,30 @@
       <p:pic>
         <p:nvPicPr>
           <p:cNvPr id="6" name="Kép 5" descr="Törzsvásárlók új.PNG"/>
+          <p:cNvPicPr>
+            <a:picLocks noChangeAspect="1"/>
+          </p:cNvPicPr>
+          <p:nvPr/>
+        </p:nvPicPr>
+        <p:blipFill>
+          <a:blip r:embed="rId3" cstate="print"/>
+          <a:stretch>
+            <a:fillRect/>
+          </a:stretch>
+        </p:blipFill>
+        <p:spPr>
+          <a:xfrm>
+            <a:off x="994185" y="1772816"/>
+            <a:ext cx="7155630" cy="4392000"/>
+          </a:xfrm>
+          <a:prstGeom prst="rect">
+            <a:avLst/>
+          </a:prstGeom>
+        </p:spPr>
+      </p:pic>
+      <p:pic>
+        <p:nvPicPr>
+          <p:cNvPr id="7" name="Kép 6" descr="regular_customer.png"/>
           <p:cNvPicPr>
             <a:picLocks noChangeAspect="1"/>
           </p:cNvPicPr>
@@ -7053,8 +7112,8 @@
         </p:blipFill>
         <p:spPr>
           <a:xfrm>
-            <a:off x="1691680" y="2996953"/>
-            <a:ext cx="5760640" cy="3535784"/>
+            <a:off x="107664" y="116792"/>
+            <a:ext cx="1440000" cy="1440000"/>
           </a:xfrm>
           <a:prstGeom prst="rect">
             <a:avLst/>
@@ -7122,9 +7181,49 @@
           </a:p>
         </p:txBody>
       </p:sp>
+      <p:sp>
+        <p:nvSpPr>
+          <p:cNvPr id="10" name="Dia számának helye 3"/>
+          <p:cNvSpPr>
+            <a:spLocks noGrp="1"/>
+          </p:cNvSpPr>
+          <p:nvPr>
+            <p:ph type="sldNum" sz="quarter" idx="12"/>
+          </p:nvPr>
+        </p:nvSpPr>
+        <p:spPr>
+          <a:xfrm>
+            <a:off x="7524328" y="6223592"/>
+            <a:ext cx="654888" cy="301752"/>
+          </a:xfrm>
+        </p:spPr>
+        <p:txBody>
+          <a:bodyPr/>
+          <a:lstStyle/>
+          <a:p>
+            <a:r>
+              <a:rPr lang="hu-HU" sz="1400" b="1" dirty="0" smtClean="0">
+                <a:solidFill>
+                  <a:schemeClr val="accent1">
+                    <a:lumMod val="75000"/>
+                  </a:schemeClr>
+                </a:solidFill>
+              </a:rPr>
+              <a:t>7/11</a:t>
+            </a:r>
+            <a:endParaRPr lang="hu-HU" b="1" dirty="0">
+              <a:solidFill>
+                <a:schemeClr val="accent1">
+                  <a:lumMod val="75000"/>
+                </a:schemeClr>
+              </a:solidFill>
+            </a:endParaRPr>
+          </a:p>
+        </p:txBody>
+      </p:sp>
       <p:pic>
         <p:nvPicPr>
-          <p:cNvPr id="5" name="Tartalom helye 4" descr="könyv kezelő.png"/>
+          <p:cNvPr id="9" name="Tartalom helye 8" descr="Könyvkezelő új.PNG"/>
           <p:cNvPicPr>
             <a:picLocks noGrp="1" noChangeAspect="1"/>
           </p:cNvPicPr>
@@ -7140,51 +7239,35 @@
         </p:blipFill>
         <p:spPr>
           <a:xfrm>
-            <a:off x="1221602" y="1916832"/>
-            <a:ext cx="6700797" cy="4572000"/>
+            <a:off x="841786" y="1556792"/>
+            <a:ext cx="7460428" cy="4572000"/>
           </a:xfrm>
         </p:spPr>
       </p:pic>
-      <p:sp>
-        <p:nvSpPr>
-          <p:cNvPr id="10" name="Dia számának helye 3"/>
-          <p:cNvSpPr>
-            <a:spLocks noGrp="1"/>
-          </p:cNvSpPr>
-          <p:nvPr>
-            <p:ph type="sldNum" sz="quarter" idx="12"/>
-          </p:nvPr>
-        </p:nvSpPr>
-        <p:spPr>
-          <a:xfrm>
-            <a:off x="7589520" y="6480969"/>
-            <a:ext cx="654888" cy="301752"/>
-          </a:xfrm>
-        </p:spPr>
-        <p:txBody>
-          <a:bodyPr/>
-          <a:lstStyle/>
-          <a:p>
-            <a:r>
-              <a:rPr lang="hu-HU" sz="1400" b="1" dirty="0" smtClean="0">
-                <a:solidFill>
-                  <a:schemeClr val="accent1">
-                    <a:lumMod val="75000"/>
-                  </a:schemeClr>
-                </a:solidFill>
-              </a:rPr>
-              <a:t>6/12</a:t>
-            </a:r>
-            <a:endParaRPr lang="hu-HU" b="1" dirty="0">
-              <a:solidFill>
-                <a:schemeClr val="accent1">
-                  <a:lumMod val="75000"/>
-                </a:schemeClr>
-              </a:solidFill>
-            </a:endParaRPr>
-          </a:p>
-        </p:txBody>
-      </p:sp>
+      <p:pic>
+        <p:nvPicPr>
+          <p:cNvPr id="11" name="Kép 10" descr="book_manager.png"/>
+          <p:cNvPicPr>
+            <a:picLocks noChangeAspect="1"/>
+          </p:cNvPicPr>
+          <p:nvPr/>
+        </p:nvPicPr>
+        <p:blipFill>
+          <a:blip r:embed="rId4" cstate="print"/>
+          <a:stretch>
+            <a:fillRect/>
+          </a:stretch>
+        </p:blipFill>
+        <p:spPr>
+          <a:xfrm>
+            <a:off x="107504" y="116632"/>
+            <a:ext cx="1440160" cy="1440160"/>
+          </a:xfrm>
+          <a:prstGeom prst="rect">
+            <a:avLst/>
+          </a:prstGeom>
+        </p:spPr>
+      </p:pic>
     </p:spTree>
   </p:cSld>
   <p:clrMapOvr>
@@ -7230,7 +7313,12 @@
             <p:ph type="title"/>
           </p:nvPr>
         </p:nvSpPr>
-        <p:spPr/>
+        <p:spPr>
+          <a:xfrm>
+            <a:off x="2442592" y="267494"/>
+            <a:ext cx="4258816" cy="1399032"/>
+          </a:xfrm>
+        </p:spPr>
         <p:txBody>
           <a:bodyPr/>
           <a:lstStyle/>
@@ -7243,9 +7331,49 @@
           </a:p>
         </p:txBody>
       </p:sp>
+      <p:sp>
+        <p:nvSpPr>
+          <p:cNvPr id="8" name="Dia számának helye 3"/>
+          <p:cNvSpPr>
+            <a:spLocks noGrp="1"/>
+          </p:cNvSpPr>
+          <p:nvPr>
+            <p:ph type="sldNum" sz="quarter" idx="12"/>
+          </p:nvPr>
+        </p:nvSpPr>
+        <p:spPr>
+          <a:xfrm>
+            <a:off x="7524328" y="6223592"/>
+            <a:ext cx="654888" cy="301752"/>
+          </a:xfrm>
+        </p:spPr>
+        <p:txBody>
+          <a:bodyPr/>
+          <a:lstStyle/>
+          <a:p>
+            <a:r>
+              <a:rPr lang="hu-HU" sz="1400" b="1" dirty="0" smtClean="0">
+                <a:solidFill>
+                  <a:schemeClr val="accent1">
+                    <a:lumMod val="75000"/>
+                  </a:schemeClr>
+                </a:solidFill>
+              </a:rPr>
+              <a:t>8/11</a:t>
+            </a:r>
+            <a:endParaRPr lang="hu-HU" b="1" dirty="0">
+              <a:solidFill>
+                <a:schemeClr val="accent1">
+                  <a:lumMod val="75000"/>
+                </a:schemeClr>
+              </a:solidFill>
+            </a:endParaRPr>
+          </a:p>
+        </p:txBody>
+      </p:sp>
       <p:pic>
         <p:nvPicPr>
-          <p:cNvPr id="4" name="Tartalom helye 3" descr="Kívánság lista.png"/>
+          <p:cNvPr id="7" name="Tartalom helye 6" descr="Kívánság lista új.PNG"/>
           <p:cNvPicPr>
             <a:picLocks noGrp="1" noChangeAspect="1"/>
           </p:cNvPicPr>
@@ -7261,77 +7389,35 @@
         </p:blipFill>
         <p:spPr>
           <a:xfrm>
-            <a:off x="1259632" y="1844824"/>
-            <a:ext cx="6668588" cy="4572000"/>
+            <a:off x="857251" y="1556792"/>
+            <a:ext cx="7429499" cy="4572000"/>
           </a:xfrm>
         </p:spPr>
       </p:pic>
       <p:pic>
         <p:nvPicPr>
-          <p:cNvPr id="3075" name="Picture 3" descr="C:\Users\Tündi\AppData\Local\Microsoft\Windows\INetCache\IE\TGSB1RNV\Screen_Shot_2014-06-14_at_3.45.32_PM[1].png"/>
+          <p:cNvPr id="9" name="Kép 8" descr="wish_list.png"/>
           <p:cNvPicPr>
-            <a:picLocks noChangeAspect="1" noChangeArrowheads="1"/>
+            <a:picLocks noChangeAspect="1"/>
           </p:cNvPicPr>
           <p:nvPr/>
         </p:nvPicPr>
         <p:blipFill>
           <a:blip r:embed="rId4" cstate="print"/>
-          <a:srcRect l="14951" b="81256"/>
           <a:stretch>
             <a:fillRect/>
           </a:stretch>
         </p:blipFill>
-        <p:spPr bwMode="auto">
-          <a:xfrm>
-            <a:off x="5292080" y="332656"/>
-            <a:ext cx="3563888" cy="1156636"/>
+        <p:spPr>
+          <a:xfrm>
+            <a:off x="107664" y="116792"/>
+            <a:ext cx="1440000" cy="1440000"/>
           </a:xfrm>
           <a:prstGeom prst="rect">
             <a:avLst/>
           </a:prstGeom>
-          <a:noFill/>
         </p:spPr>
       </p:pic>
-      <p:sp>
-        <p:nvSpPr>
-          <p:cNvPr id="8" name="Dia számának helye 3"/>
-          <p:cNvSpPr>
-            <a:spLocks noGrp="1"/>
-          </p:cNvSpPr>
-          <p:nvPr>
-            <p:ph type="sldNum" sz="quarter" idx="12"/>
-          </p:nvPr>
-        </p:nvSpPr>
-        <p:spPr>
-          <a:xfrm>
-            <a:off x="7589520" y="6480969"/>
-            <a:ext cx="654888" cy="301752"/>
-          </a:xfrm>
-        </p:spPr>
-        <p:txBody>
-          <a:bodyPr/>
-          <a:lstStyle/>
-          <a:p>
-            <a:r>
-              <a:rPr lang="hu-HU" sz="1400" b="1" dirty="0" smtClean="0">
-                <a:solidFill>
-                  <a:schemeClr val="accent1">
-                    <a:lumMod val="75000"/>
-                  </a:schemeClr>
-                </a:solidFill>
-              </a:rPr>
-              <a:t>7/12</a:t>
-            </a:r>
-            <a:endParaRPr lang="hu-HU" b="1" dirty="0">
-              <a:solidFill>
-                <a:schemeClr val="accent1">
-                  <a:lumMod val="75000"/>
-                </a:schemeClr>
-              </a:solidFill>
-            </a:endParaRPr>
-          </a:p>
-        </p:txBody>
-      </p:sp>
     </p:spTree>
   </p:cSld>
   <p:clrMapOvr>
